--- a/Documents/FirstPresentation.pptx
+++ b/Documents/FirstPresentation.pptx
@@ -3,12 +3,17 @@
 <p:presentation xmlns:a="http://schemas.openxmlformats.org/drawingml/2006/main" xmlns:p="http://schemas.openxmlformats.org/presentationml/2006/main" xmlns:r="http://schemas.openxmlformats.org/officeDocument/2006/relationships" xmlns:p14="http://schemas.microsoft.com/office/powerpoint/2010/main" xmlns:p15="http://schemas.microsoft.com/office/powerpoint/2012/main" xmlns:mc="http://schemas.openxmlformats.org/markup-compatibility/2006">
   <p:sldMasterIdLst>
     <p:sldMasterId id="2147483648" r:id="rId2"/>
+    <p:sldMasterId id="2147483661" r:id="rId3"/>
   </p:sldMasterIdLst>
   <p:sldIdLst>
-    <p:sldId id="256" r:id="rId3"/>
+    <p:sldId id="256" r:id="rId4"/>
+    <p:sldId id="257" r:id="rId5"/>
+    <p:sldId id="258" r:id="rId6"/>
+    <p:sldId id="259" r:id="rId7"/>
+    <p:sldId id="260" r:id="rId8"/>
   </p:sldIdLst>
   <p:sldSz cx="10080625" cy="5670550"/>
-  <p:notesSz cx="7559675" cy="10691812"/>
+  <p:notesSz cx="7772400" cy="10058400"/>
 </p:presentation>
 </file>
 
@@ -53,7 +58,7 @@
       </p:grpSpPr>
       <p:sp>
         <p:nvSpPr>
-          <p:cNvPr id="27" name="PlaceHolder 1"/>
+          <p:cNvPr id="24" name="PlaceHolder 1"/>
           <p:cNvSpPr>
             <a:spLocks noGrp="1"/>
           </p:cNvSpPr>
@@ -64,7 +69,7 @@
         <p:spPr>
           <a:xfrm>
             <a:off x="504000" y="216000"/>
-            <a:ext cx="7020000" cy="936000"/>
+            <a:ext cx="7019640" cy="935640"/>
           </a:xfrm>
           <a:prstGeom prst="rect">
             <a:avLst/>
@@ -73,18 +78,16 @@
         <p:txBody>
           <a:bodyPr lIns="0" rIns="0" tIns="0" bIns="0" anchor="ctr"/>
           <a:p>
-            <a:endParaRPr b="0" lang="en-US" sz="3570" spc="-1" strike="noStrike">
-              <a:solidFill>
-                <a:srgbClr val="ffffff"/>
-              </a:solidFill>
-              <a:latin typeface="Arial"/>
-            </a:endParaRPr>
-          </a:p>
-        </p:txBody>
-      </p:sp>
-      <p:sp>
-        <p:nvSpPr>
-          <p:cNvPr id="28" name="PlaceHolder 2"/>
+            <a:pPr algn="ctr"/>
+            <a:endParaRPr b="0" lang="en-US" sz="4400" spc="-1" strike="noStrike">
+              <a:latin typeface="Arial"/>
+            </a:endParaRPr>
+          </a:p>
+        </p:txBody>
+      </p:sp>
+      <p:sp>
+        <p:nvSpPr>
+          <p:cNvPr id="25" name="PlaceHolder 2"/>
           <p:cNvSpPr>
             <a:spLocks noGrp="1"/>
           </p:cNvSpPr>
@@ -95,26 +98,26 @@
         <p:spPr>
           <a:xfrm>
             <a:off x="504000" y="1368000"/>
-            <a:ext cx="9072000" cy="1568160"/>
-          </a:xfrm>
-          <a:prstGeom prst="rect">
-            <a:avLst/>
-          </a:prstGeom>
-        </p:spPr>
-        <p:txBody>
-          <a:bodyPr lIns="0" rIns="0" tIns="0" bIns="0">
-            <a:normAutofit/>
-          </a:bodyPr>
-          <a:p>
-            <a:endParaRPr b="0" lang="en-US" sz="2600" spc="-1" strike="noStrike">
-              <a:latin typeface="Arial"/>
-            </a:endParaRPr>
-          </a:p>
-        </p:txBody>
-      </p:sp>
-      <p:sp>
-        <p:nvSpPr>
-          <p:cNvPr id="29" name="PlaceHolder 3"/>
+            <a:ext cx="9071640" cy="1568160"/>
+          </a:xfrm>
+          <a:prstGeom prst="rect">
+            <a:avLst/>
+          </a:prstGeom>
+        </p:spPr>
+        <p:txBody>
+          <a:bodyPr lIns="0" rIns="0" tIns="0" bIns="0">
+            <a:normAutofit/>
+          </a:bodyPr>
+          <a:p>
+            <a:endParaRPr b="0" lang="en-US" sz="3200" spc="-1" strike="noStrike">
+              <a:latin typeface="Arial"/>
+            </a:endParaRPr>
+          </a:p>
+        </p:txBody>
+      </p:sp>
+      <p:sp>
+        <p:nvSpPr>
+          <p:cNvPr id="26" name="PlaceHolder 3"/>
           <p:cNvSpPr>
             <a:spLocks noGrp="1"/>
           </p:cNvSpPr>
@@ -125,18 +128,18 @@
         <p:spPr>
           <a:xfrm>
             <a:off x="504000" y="3085560"/>
-            <a:ext cx="9072000" cy="1568160"/>
-          </a:xfrm>
-          <a:prstGeom prst="rect">
-            <a:avLst/>
-          </a:prstGeom>
-        </p:spPr>
-        <p:txBody>
-          <a:bodyPr lIns="0" rIns="0" tIns="0" bIns="0">
-            <a:normAutofit/>
-          </a:bodyPr>
-          <a:p>
-            <a:endParaRPr b="0" lang="en-US" sz="2600" spc="-1" strike="noStrike">
+            <a:ext cx="9071640" cy="1568160"/>
+          </a:xfrm>
+          <a:prstGeom prst="rect">
+            <a:avLst/>
+          </a:prstGeom>
+        </p:spPr>
+        <p:txBody>
+          <a:bodyPr lIns="0" rIns="0" tIns="0" bIns="0">
+            <a:normAutofit/>
+          </a:bodyPr>
+          <a:p>
+            <a:endParaRPr b="0" lang="en-US" sz="3200" spc="-1" strike="noStrike">
               <a:latin typeface="Arial"/>
             </a:endParaRPr>
           </a:p>
@@ -166,7 +169,7 @@
       </p:grpSpPr>
       <p:sp>
         <p:nvSpPr>
-          <p:cNvPr id="30" name="PlaceHolder 1"/>
+          <p:cNvPr id="27" name="PlaceHolder 1"/>
           <p:cNvSpPr>
             <a:spLocks noGrp="1"/>
           </p:cNvSpPr>
@@ -177,7 +180,7 @@
         <p:spPr>
           <a:xfrm>
             <a:off x="504000" y="216000"/>
-            <a:ext cx="7020000" cy="936000"/>
+            <a:ext cx="7019640" cy="935640"/>
           </a:xfrm>
           <a:prstGeom prst="rect">
             <a:avLst/>
@@ -186,18 +189,16 @@
         <p:txBody>
           <a:bodyPr lIns="0" rIns="0" tIns="0" bIns="0" anchor="ctr"/>
           <a:p>
-            <a:endParaRPr b="0" lang="en-US" sz="3570" spc="-1" strike="noStrike">
-              <a:solidFill>
-                <a:srgbClr val="ffffff"/>
-              </a:solidFill>
-              <a:latin typeface="Arial"/>
-            </a:endParaRPr>
-          </a:p>
-        </p:txBody>
-      </p:sp>
-      <p:sp>
-        <p:nvSpPr>
-          <p:cNvPr id="31" name="PlaceHolder 2"/>
+            <a:pPr algn="ctr"/>
+            <a:endParaRPr b="0" lang="en-US" sz="4400" spc="-1" strike="noStrike">
+              <a:latin typeface="Arial"/>
+            </a:endParaRPr>
+          </a:p>
+        </p:txBody>
+      </p:sp>
+      <p:sp>
+        <p:nvSpPr>
+          <p:cNvPr id="28" name="PlaceHolder 2"/>
           <p:cNvSpPr>
             <a:spLocks noGrp="1"/>
           </p:cNvSpPr>
@@ -219,15 +220,15 @@
             <a:normAutofit/>
           </a:bodyPr>
           <a:p>
-            <a:endParaRPr b="0" lang="en-US" sz="2600" spc="-1" strike="noStrike">
-              <a:latin typeface="Arial"/>
-            </a:endParaRPr>
-          </a:p>
-        </p:txBody>
-      </p:sp>
-      <p:sp>
-        <p:nvSpPr>
-          <p:cNvPr id="32" name="PlaceHolder 3"/>
+            <a:endParaRPr b="0" lang="en-US" sz="3200" spc="-1" strike="noStrike">
+              <a:latin typeface="Arial"/>
+            </a:endParaRPr>
+          </a:p>
+        </p:txBody>
+      </p:sp>
+      <p:sp>
+        <p:nvSpPr>
+          <p:cNvPr id="29" name="PlaceHolder 3"/>
           <p:cNvSpPr>
             <a:spLocks noGrp="1"/>
           </p:cNvSpPr>
@@ -249,15 +250,15 @@
             <a:normAutofit/>
           </a:bodyPr>
           <a:p>
-            <a:endParaRPr b="0" lang="en-US" sz="2600" spc="-1" strike="noStrike">
-              <a:latin typeface="Arial"/>
-            </a:endParaRPr>
-          </a:p>
-        </p:txBody>
-      </p:sp>
-      <p:sp>
-        <p:nvSpPr>
-          <p:cNvPr id="33" name="PlaceHolder 4"/>
+            <a:endParaRPr b="0" lang="en-US" sz="3200" spc="-1" strike="noStrike">
+              <a:latin typeface="Arial"/>
+            </a:endParaRPr>
+          </a:p>
+        </p:txBody>
+      </p:sp>
+      <p:sp>
+        <p:nvSpPr>
+          <p:cNvPr id="30" name="PlaceHolder 4"/>
           <p:cNvSpPr>
             <a:spLocks noGrp="1"/>
           </p:cNvSpPr>
@@ -279,15 +280,15 @@
             <a:normAutofit/>
           </a:bodyPr>
           <a:p>
-            <a:endParaRPr b="0" lang="en-US" sz="2600" spc="-1" strike="noStrike">
-              <a:latin typeface="Arial"/>
-            </a:endParaRPr>
-          </a:p>
-        </p:txBody>
-      </p:sp>
-      <p:sp>
-        <p:nvSpPr>
-          <p:cNvPr id="34" name="PlaceHolder 5"/>
+            <a:endParaRPr b="0" lang="en-US" sz="3200" spc="-1" strike="noStrike">
+              <a:latin typeface="Arial"/>
+            </a:endParaRPr>
+          </a:p>
+        </p:txBody>
+      </p:sp>
+      <p:sp>
+        <p:nvSpPr>
+          <p:cNvPr id="31" name="PlaceHolder 5"/>
           <p:cNvSpPr>
             <a:spLocks noGrp="1"/>
           </p:cNvSpPr>
@@ -309,7 +310,7 @@
             <a:normAutofit/>
           </a:bodyPr>
           <a:p>
-            <a:endParaRPr b="0" lang="en-US" sz="2600" spc="-1" strike="noStrike">
+            <a:endParaRPr b="0" lang="en-US" sz="3200" spc="-1" strike="noStrike">
               <a:latin typeface="Arial"/>
             </a:endParaRPr>
           </a:p>
@@ -339,7 +340,7 @@
       </p:grpSpPr>
       <p:sp>
         <p:nvSpPr>
-          <p:cNvPr id="35" name="PlaceHolder 1"/>
+          <p:cNvPr id="32" name="PlaceHolder 1"/>
           <p:cNvSpPr>
             <a:spLocks noGrp="1"/>
           </p:cNvSpPr>
@@ -350,7 +351,7 @@
         <p:spPr>
           <a:xfrm>
             <a:off x="504000" y="216000"/>
-            <a:ext cx="7020000" cy="936000"/>
+            <a:ext cx="7019640" cy="935640"/>
           </a:xfrm>
           <a:prstGeom prst="rect">
             <a:avLst/>
@@ -359,18 +360,16 @@
         <p:txBody>
           <a:bodyPr lIns="0" rIns="0" tIns="0" bIns="0" anchor="ctr"/>
           <a:p>
-            <a:endParaRPr b="0" lang="en-US" sz="3570" spc="-1" strike="noStrike">
-              <a:solidFill>
-                <a:srgbClr val="ffffff"/>
-              </a:solidFill>
-              <a:latin typeface="Arial"/>
-            </a:endParaRPr>
-          </a:p>
-        </p:txBody>
-      </p:sp>
-      <p:sp>
-        <p:nvSpPr>
-          <p:cNvPr id="36" name="PlaceHolder 2"/>
+            <a:pPr algn="ctr"/>
+            <a:endParaRPr b="0" lang="en-US" sz="4400" spc="-1" strike="noStrike">
+              <a:latin typeface="Arial"/>
+            </a:endParaRPr>
+          </a:p>
+        </p:txBody>
+      </p:sp>
+      <p:sp>
+        <p:nvSpPr>
+          <p:cNvPr id="33" name="PlaceHolder 2"/>
           <p:cNvSpPr>
             <a:spLocks noGrp="1"/>
           </p:cNvSpPr>
@@ -381,86 +380,86 @@
         <p:spPr>
           <a:xfrm>
             <a:off x="504000" y="1368000"/>
-            <a:ext cx="2921040" cy="1568160"/>
-          </a:xfrm>
-          <a:prstGeom prst="rect">
-            <a:avLst/>
-          </a:prstGeom>
-        </p:spPr>
-        <p:txBody>
-          <a:bodyPr lIns="0" rIns="0" tIns="0" bIns="0">
-            <a:normAutofit/>
-          </a:bodyPr>
-          <a:p>
-            <a:endParaRPr b="0" lang="en-US" sz="2600" spc="-1" strike="noStrike">
-              <a:latin typeface="Arial"/>
-            </a:endParaRPr>
-          </a:p>
-        </p:txBody>
-      </p:sp>
-      <p:sp>
-        <p:nvSpPr>
-          <p:cNvPr id="37" name="PlaceHolder 3"/>
-          <p:cNvSpPr>
-            <a:spLocks noGrp="1"/>
-          </p:cNvSpPr>
-          <p:nvPr>
-            <p:ph type="body"/>
-          </p:nvPr>
-        </p:nvSpPr>
-        <p:spPr>
-          <a:xfrm>
-            <a:off x="3571560" y="1368000"/>
-            <a:ext cx="2921040" cy="1568160"/>
-          </a:xfrm>
-          <a:prstGeom prst="rect">
-            <a:avLst/>
-          </a:prstGeom>
-        </p:spPr>
-        <p:txBody>
-          <a:bodyPr lIns="0" rIns="0" tIns="0" bIns="0">
-            <a:normAutofit/>
-          </a:bodyPr>
-          <a:p>
-            <a:endParaRPr b="0" lang="en-US" sz="2600" spc="-1" strike="noStrike">
-              <a:latin typeface="Arial"/>
-            </a:endParaRPr>
-          </a:p>
-        </p:txBody>
-      </p:sp>
-      <p:sp>
-        <p:nvSpPr>
-          <p:cNvPr id="38" name="PlaceHolder 4"/>
-          <p:cNvSpPr>
-            <a:spLocks noGrp="1"/>
-          </p:cNvSpPr>
-          <p:nvPr>
-            <p:ph type="body"/>
-          </p:nvPr>
-        </p:nvSpPr>
-        <p:spPr>
-          <a:xfrm>
-            <a:off x="6639120" y="1368000"/>
-            <a:ext cx="2921040" cy="1568160"/>
-          </a:xfrm>
-          <a:prstGeom prst="rect">
-            <a:avLst/>
-          </a:prstGeom>
-        </p:spPr>
-        <p:txBody>
-          <a:bodyPr lIns="0" rIns="0" tIns="0" bIns="0">
-            <a:normAutofit/>
-          </a:bodyPr>
-          <a:p>
-            <a:endParaRPr b="0" lang="en-US" sz="2600" spc="-1" strike="noStrike">
-              <a:latin typeface="Arial"/>
-            </a:endParaRPr>
-          </a:p>
-        </p:txBody>
-      </p:sp>
-      <p:sp>
-        <p:nvSpPr>
-          <p:cNvPr id="39" name="PlaceHolder 5"/>
+            <a:ext cx="2920680" cy="1568160"/>
+          </a:xfrm>
+          <a:prstGeom prst="rect">
+            <a:avLst/>
+          </a:prstGeom>
+        </p:spPr>
+        <p:txBody>
+          <a:bodyPr lIns="0" rIns="0" tIns="0" bIns="0">
+            <a:normAutofit/>
+          </a:bodyPr>
+          <a:p>
+            <a:endParaRPr b="0" lang="en-US" sz="3200" spc="-1" strike="noStrike">
+              <a:latin typeface="Arial"/>
+            </a:endParaRPr>
+          </a:p>
+        </p:txBody>
+      </p:sp>
+      <p:sp>
+        <p:nvSpPr>
+          <p:cNvPr id="34" name="PlaceHolder 3"/>
+          <p:cNvSpPr>
+            <a:spLocks noGrp="1"/>
+          </p:cNvSpPr>
+          <p:nvPr>
+            <p:ph type="body"/>
+          </p:nvPr>
+        </p:nvSpPr>
+        <p:spPr>
+          <a:xfrm>
+            <a:off x="3571200" y="1368000"/>
+            <a:ext cx="2920680" cy="1568160"/>
+          </a:xfrm>
+          <a:prstGeom prst="rect">
+            <a:avLst/>
+          </a:prstGeom>
+        </p:spPr>
+        <p:txBody>
+          <a:bodyPr lIns="0" rIns="0" tIns="0" bIns="0">
+            <a:normAutofit/>
+          </a:bodyPr>
+          <a:p>
+            <a:endParaRPr b="0" lang="en-US" sz="3200" spc="-1" strike="noStrike">
+              <a:latin typeface="Arial"/>
+            </a:endParaRPr>
+          </a:p>
+        </p:txBody>
+      </p:sp>
+      <p:sp>
+        <p:nvSpPr>
+          <p:cNvPr id="35" name="PlaceHolder 4"/>
+          <p:cNvSpPr>
+            <a:spLocks noGrp="1"/>
+          </p:cNvSpPr>
+          <p:nvPr>
+            <p:ph type="body"/>
+          </p:nvPr>
+        </p:nvSpPr>
+        <p:spPr>
+          <a:xfrm>
+            <a:off x="6638040" y="1368000"/>
+            <a:ext cx="2920680" cy="1568160"/>
+          </a:xfrm>
+          <a:prstGeom prst="rect">
+            <a:avLst/>
+          </a:prstGeom>
+        </p:spPr>
+        <p:txBody>
+          <a:bodyPr lIns="0" rIns="0" tIns="0" bIns="0">
+            <a:normAutofit/>
+          </a:bodyPr>
+          <a:p>
+            <a:endParaRPr b="0" lang="en-US" sz="3200" spc="-1" strike="noStrike">
+              <a:latin typeface="Arial"/>
+            </a:endParaRPr>
+          </a:p>
+        </p:txBody>
+      </p:sp>
+      <p:sp>
+        <p:nvSpPr>
+          <p:cNvPr id="36" name="PlaceHolder 5"/>
           <p:cNvSpPr>
             <a:spLocks noGrp="1"/>
           </p:cNvSpPr>
@@ -471,78 +470,615 @@
         <p:spPr>
           <a:xfrm>
             <a:off x="504000" y="3085560"/>
-            <a:ext cx="2921040" cy="1568160"/>
-          </a:xfrm>
-          <a:prstGeom prst="rect">
-            <a:avLst/>
-          </a:prstGeom>
-        </p:spPr>
-        <p:txBody>
-          <a:bodyPr lIns="0" rIns="0" tIns="0" bIns="0">
-            <a:normAutofit/>
-          </a:bodyPr>
-          <a:p>
-            <a:endParaRPr b="0" lang="en-US" sz="2600" spc="-1" strike="noStrike">
-              <a:latin typeface="Arial"/>
-            </a:endParaRPr>
-          </a:p>
-        </p:txBody>
-      </p:sp>
-      <p:sp>
-        <p:nvSpPr>
-          <p:cNvPr id="40" name="PlaceHolder 6"/>
-          <p:cNvSpPr>
-            <a:spLocks noGrp="1"/>
-          </p:cNvSpPr>
-          <p:nvPr>
-            <p:ph type="body"/>
-          </p:nvPr>
-        </p:nvSpPr>
-        <p:spPr>
-          <a:xfrm>
-            <a:off x="3571560" y="3085560"/>
-            <a:ext cx="2921040" cy="1568160"/>
-          </a:xfrm>
-          <a:prstGeom prst="rect">
-            <a:avLst/>
-          </a:prstGeom>
-        </p:spPr>
-        <p:txBody>
-          <a:bodyPr lIns="0" rIns="0" tIns="0" bIns="0">
-            <a:normAutofit/>
-          </a:bodyPr>
-          <a:p>
-            <a:endParaRPr b="0" lang="en-US" sz="2600" spc="-1" strike="noStrike">
-              <a:latin typeface="Arial"/>
-            </a:endParaRPr>
-          </a:p>
-        </p:txBody>
-      </p:sp>
-      <p:sp>
-        <p:nvSpPr>
-          <p:cNvPr id="41" name="PlaceHolder 7"/>
-          <p:cNvSpPr>
-            <a:spLocks noGrp="1"/>
-          </p:cNvSpPr>
-          <p:nvPr>
-            <p:ph type="body"/>
-          </p:nvPr>
-        </p:nvSpPr>
-        <p:spPr>
-          <a:xfrm>
-            <a:off x="6639120" y="3085560"/>
-            <a:ext cx="2921040" cy="1568160"/>
-          </a:xfrm>
-          <a:prstGeom prst="rect">
-            <a:avLst/>
-          </a:prstGeom>
-        </p:spPr>
-        <p:txBody>
-          <a:bodyPr lIns="0" rIns="0" tIns="0" bIns="0">
-            <a:normAutofit/>
-          </a:bodyPr>
-          <a:p>
-            <a:endParaRPr b="0" lang="en-US" sz="2600" spc="-1" strike="noStrike">
+            <a:ext cx="2920680" cy="1568160"/>
+          </a:xfrm>
+          <a:prstGeom prst="rect">
+            <a:avLst/>
+          </a:prstGeom>
+        </p:spPr>
+        <p:txBody>
+          <a:bodyPr lIns="0" rIns="0" tIns="0" bIns="0">
+            <a:normAutofit/>
+          </a:bodyPr>
+          <a:p>
+            <a:endParaRPr b="0" lang="en-US" sz="3200" spc="-1" strike="noStrike">
+              <a:latin typeface="Arial"/>
+            </a:endParaRPr>
+          </a:p>
+        </p:txBody>
+      </p:sp>
+      <p:sp>
+        <p:nvSpPr>
+          <p:cNvPr id="37" name="PlaceHolder 6"/>
+          <p:cNvSpPr>
+            <a:spLocks noGrp="1"/>
+          </p:cNvSpPr>
+          <p:nvPr>
+            <p:ph type="body"/>
+          </p:nvPr>
+        </p:nvSpPr>
+        <p:spPr>
+          <a:xfrm>
+            <a:off x="3571200" y="3085560"/>
+            <a:ext cx="2920680" cy="1568160"/>
+          </a:xfrm>
+          <a:prstGeom prst="rect">
+            <a:avLst/>
+          </a:prstGeom>
+        </p:spPr>
+        <p:txBody>
+          <a:bodyPr lIns="0" rIns="0" tIns="0" bIns="0">
+            <a:normAutofit/>
+          </a:bodyPr>
+          <a:p>
+            <a:endParaRPr b="0" lang="en-US" sz="3200" spc="-1" strike="noStrike">
+              <a:latin typeface="Arial"/>
+            </a:endParaRPr>
+          </a:p>
+        </p:txBody>
+      </p:sp>
+      <p:sp>
+        <p:nvSpPr>
+          <p:cNvPr id="38" name="PlaceHolder 7"/>
+          <p:cNvSpPr>
+            <a:spLocks noGrp="1"/>
+          </p:cNvSpPr>
+          <p:nvPr>
+            <p:ph type="body"/>
+          </p:nvPr>
+        </p:nvSpPr>
+        <p:spPr>
+          <a:xfrm>
+            <a:off x="6638040" y="3085560"/>
+            <a:ext cx="2920680" cy="1568160"/>
+          </a:xfrm>
+          <a:prstGeom prst="rect">
+            <a:avLst/>
+          </a:prstGeom>
+        </p:spPr>
+        <p:txBody>
+          <a:bodyPr lIns="0" rIns="0" tIns="0" bIns="0">
+            <a:normAutofit/>
+          </a:bodyPr>
+          <a:p>
+            <a:endParaRPr b="0" lang="en-US" sz="3200" spc="-1" strike="noStrike">
+              <a:latin typeface="Arial"/>
+            </a:endParaRPr>
+          </a:p>
+        </p:txBody>
+      </p:sp>
+    </p:spTree>
+  </p:cSld>
+</p:sldLayout>
+</file>
+
+<file path=ppt/slideLayouts/slideLayout13.xml><?xml version="1.0" encoding="utf-8"?>
+<p:sldLayout xmlns:a="http://schemas.openxmlformats.org/drawingml/2006/main" xmlns:p="http://schemas.openxmlformats.org/presentationml/2006/main" xmlns:r="http://schemas.openxmlformats.org/officeDocument/2006/relationships" xmlns:p14="http://schemas.microsoft.com/office/powerpoint/2010/main" xmlns:p15="http://schemas.microsoft.com/office/powerpoint/2012/main" xmlns:mc="http://schemas.openxmlformats.org/markup-compatibility/2006" type="blank" preserve="1">
+  <p:cSld name="Blank Slide">
+    <p:spTree>
+      <p:nvGrpSpPr>
+        <p:cNvPr id="1" name=""/>
+        <p:cNvGrpSpPr/>
+        <p:nvPr/>
+      </p:nvGrpSpPr>
+      <p:grpSpPr>
+        <a:xfrm>
+          <a:off x="0" y="0"/>
+          <a:ext cx="0" cy="0"/>
+          <a:chOff x="0" y="0"/>
+          <a:chExt cx="0" cy="0"/>
+        </a:xfrm>
+      </p:grpSpPr>
+    </p:spTree>
+  </p:cSld>
+</p:sldLayout>
+</file>
+
+<file path=ppt/slideLayouts/slideLayout14.xml><?xml version="1.0" encoding="utf-8"?>
+<p:sldLayout xmlns:a="http://schemas.openxmlformats.org/drawingml/2006/main" xmlns:p="http://schemas.openxmlformats.org/presentationml/2006/main" xmlns:r="http://schemas.openxmlformats.org/officeDocument/2006/relationships" xmlns:p14="http://schemas.microsoft.com/office/powerpoint/2010/main" xmlns:p15="http://schemas.microsoft.com/office/powerpoint/2012/main" xmlns:mc="http://schemas.openxmlformats.org/markup-compatibility/2006" type="tx" preserve="1">
+  <p:cSld name="Title Slide">
+    <p:spTree>
+      <p:nvGrpSpPr>
+        <p:cNvPr id="1" name=""/>
+        <p:cNvGrpSpPr/>
+        <p:nvPr/>
+      </p:nvGrpSpPr>
+      <p:grpSpPr>
+        <a:xfrm>
+          <a:off x="0" y="0"/>
+          <a:ext cx="0" cy="0"/>
+          <a:chOff x="0" y="0"/>
+          <a:chExt cx="0" cy="0"/>
+        </a:xfrm>
+      </p:grpSpPr>
+      <p:sp>
+        <p:nvSpPr>
+          <p:cNvPr id="42" name="PlaceHolder 1"/>
+          <p:cNvSpPr>
+            <a:spLocks noGrp="1"/>
+          </p:cNvSpPr>
+          <p:nvPr>
+            <p:ph type="title"/>
+          </p:nvPr>
+        </p:nvSpPr>
+        <p:spPr>
+          <a:xfrm>
+            <a:off x="504000" y="216000"/>
+            <a:ext cx="7019640" cy="935640"/>
+          </a:xfrm>
+          <a:prstGeom prst="rect">
+            <a:avLst/>
+          </a:prstGeom>
+        </p:spPr>
+        <p:txBody>
+          <a:bodyPr lIns="0" rIns="0" tIns="0" bIns="0" anchor="ctr"/>
+          <a:p>
+            <a:pPr algn="ctr"/>
+            <a:endParaRPr b="0" lang="en-US" sz="4400" spc="-1" strike="noStrike">
+              <a:latin typeface="Arial"/>
+            </a:endParaRPr>
+          </a:p>
+        </p:txBody>
+      </p:sp>
+      <p:sp>
+        <p:nvSpPr>
+          <p:cNvPr id="43" name="PlaceHolder 2"/>
+          <p:cNvSpPr>
+            <a:spLocks noGrp="1"/>
+          </p:cNvSpPr>
+          <p:nvPr>
+            <p:ph type="subTitle"/>
+          </p:nvPr>
+        </p:nvSpPr>
+        <p:spPr>
+          <a:xfrm>
+            <a:off x="504000" y="1368000"/>
+            <a:ext cx="9071640" cy="3287880"/>
+          </a:xfrm>
+          <a:prstGeom prst="rect">
+            <a:avLst/>
+          </a:prstGeom>
+        </p:spPr>
+        <p:txBody>
+          <a:bodyPr lIns="0" rIns="0" tIns="0" bIns="0" anchor="ctr"/>
+          <a:p>
+            <a:pPr algn="ctr"/>
+            <a:endParaRPr b="0" lang="en-US" sz="3200" spc="-1" strike="noStrike">
+              <a:latin typeface="Arial"/>
+            </a:endParaRPr>
+          </a:p>
+        </p:txBody>
+      </p:sp>
+    </p:spTree>
+  </p:cSld>
+</p:sldLayout>
+</file>
+
+<file path=ppt/slideLayouts/slideLayout15.xml><?xml version="1.0" encoding="utf-8"?>
+<p:sldLayout xmlns:a="http://schemas.openxmlformats.org/drawingml/2006/main" xmlns:p="http://schemas.openxmlformats.org/presentationml/2006/main" xmlns:r="http://schemas.openxmlformats.org/officeDocument/2006/relationships" xmlns:p14="http://schemas.microsoft.com/office/powerpoint/2010/main" xmlns:p15="http://schemas.microsoft.com/office/powerpoint/2012/main" xmlns:mc="http://schemas.openxmlformats.org/markup-compatibility/2006" type="obj" preserve="1">
+  <p:cSld name="Title, Content">
+    <p:spTree>
+      <p:nvGrpSpPr>
+        <p:cNvPr id="1" name=""/>
+        <p:cNvGrpSpPr/>
+        <p:nvPr/>
+      </p:nvGrpSpPr>
+      <p:grpSpPr>
+        <a:xfrm>
+          <a:off x="0" y="0"/>
+          <a:ext cx="0" cy="0"/>
+          <a:chOff x="0" y="0"/>
+          <a:chExt cx="0" cy="0"/>
+        </a:xfrm>
+      </p:grpSpPr>
+      <p:sp>
+        <p:nvSpPr>
+          <p:cNvPr id="44" name="PlaceHolder 1"/>
+          <p:cNvSpPr>
+            <a:spLocks noGrp="1"/>
+          </p:cNvSpPr>
+          <p:nvPr>
+            <p:ph type="title"/>
+          </p:nvPr>
+        </p:nvSpPr>
+        <p:spPr>
+          <a:xfrm>
+            <a:off x="504000" y="216000"/>
+            <a:ext cx="7019640" cy="935640"/>
+          </a:xfrm>
+          <a:prstGeom prst="rect">
+            <a:avLst/>
+          </a:prstGeom>
+        </p:spPr>
+        <p:txBody>
+          <a:bodyPr lIns="0" rIns="0" tIns="0" bIns="0" anchor="ctr"/>
+          <a:p>
+            <a:pPr algn="ctr"/>
+            <a:endParaRPr b="0" lang="en-US" sz="4400" spc="-1" strike="noStrike">
+              <a:latin typeface="Arial"/>
+            </a:endParaRPr>
+          </a:p>
+        </p:txBody>
+      </p:sp>
+      <p:sp>
+        <p:nvSpPr>
+          <p:cNvPr id="45" name="PlaceHolder 2"/>
+          <p:cNvSpPr>
+            <a:spLocks noGrp="1"/>
+          </p:cNvSpPr>
+          <p:nvPr>
+            <p:ph type="body"/>
+          </p:nvPr>
+        </p:nvSpPr>
+        <p:spPr>
+          <a:xfrm>
+            <a:off x="504000" y="1368000"/>
+            <a:ext cx="9071640" cy="3287880"/>
+          </a:xfrm>
+          <a:prstGeom prst="rect">
+            <a:avLst/>
+          </a:prstGeom>
+        </p:spPr>
+        <p:txBody>
+          <a:bodyPr lIns="0" rIns="0" tIns="0" bIns="0">
+            <a:normAutofit/>
+          </a:bodyPr>
+          <a:p>
+            <a:endParaRPr b="0" lang="en-US" sz="3200" spc="-1" strike="noStrike">
+              <a:latin typeface="Arial"/>
+            </a:endParaRPr>
+          </a:p>
+        </p:txBody>
+      </p:sp>
+    </p:spTree>
+  </p:cSld>
+</p:sldLayout>
+</file>
+
+<file path=ppt/slideLayouts/slideLayout16.xml><?xml version="1.0" encoding="utf-8"?>
+<p:sldLayout xmlns:a="http://schemas.openxmlformats.org/drawingml/2006/main" xmlns:p="http://schemas.openxmlformats.org/presentationml/2006/main" xmlns:r="http://schemas.openxmlformats.org/officeDocument/2006/relationships" xmlns:p14="http://schemas.microsoft.com/office/powerpoint/2010/main" xmlns:p15="http://schemas.microsoft.com/office/powerpoint/2012/main" xmlns:mc="http://schemas.openxmlformats.org/markup-compatibility/2006" type="twoObj" preserve="1">
+  <p:cSld name="Title, 2 Content">
+    <p:spTree>
+      <p:nvGrpSpPr>
+        <p:cNvPr id="1" name=""/>
+        <p:cNvGrpSpPr/>
+        <p:nvPr/>
+      </p:nvGrpSpPr>
+      <p:grpSpPr>
+        <a:xfrm>
+          <a:off x="0" y="0"/>
+          <a:ext cx="0" cy="0"/>
+          <a:chOff x="0" y="0"/>
+          <a:chExt cx="0" cy="0"/>
+        </a:xfrm>
+      </p:grpSpPr>
+      <p:sp>
+        <p:nvSpPr>
+          <p:cNvPr id="46" name="PlaceHolder 1"/>
+          <p:cNvSpPr>
+            <a:spLocks noGrp="1"/>
+          </p:cNvSpPr>
+          <p:nvPr>
+            <p:ph type="title"/>
+          </p:nvPr>
+        </p:nvSpPr>
+        <p:spPr>
+          <a:xfrm>
+            <a:off x="504000" y="216000"/>
+            <a:ext cx="7019640" cy="935640"/>
+          </a:xfrm>
+          <a:prstGeom prst="rect">
+            <a:avLst/>
+          </a:prstGeom>
+        </p:spPr>
+        <p:txBody>
+          <a:bodyPr lIns="0" rIns="0" tIns="0" bIns="0" anchor="ctr"/>
+          <a:p>
+            <a:pPr algn="ctr"/>
+            <a:endParaRPr b="0" lang="en-US" sz="4400" spc="-1" strike="noStrike">
+              <a:latin typeface="Arial"/>
+            </a:endParaRPr>
+          </a:p>
+        </p:txBody>
+      </p:sp>
+      <p:sp>
+        <p:nvSpPr>
+          <p:cNvPr id="47" name="PlaceHolder 2"/>
+          <p:cNvSpPr>
+            <a:spLocks noGrp="1"/>
+          </p:cNvSpPr>
+          <p:nvPr>
+            <p:ph type="body"/>
+          </p:nvPr>
+        </p:nvSpPr>
+        <p:spPr>
+          <a:xfrm>
+            <a:off x="504000" y="1368000"/>
+            <a:ext cx="4426920" cy="3287880"/>
+          </a:xfrm>
+          <a:prstGeom prst="rect">
+            <a:avLst/>
+          </a:prstGeom>
+        </p:spPr>
+        <p:txBody>
+          <a:bodyPr lIns="0" rIns="0" tIns="0" bIns="0">
+            <a:normAutofit/>
+          </a:bodyPr>
+          <a:p>
+            <a:endParaRPr b="0" lang="en-US" sz="3200" spc="-1" strike="noStrike">
+              <a:latin typeface="Arial"/>
+            </a:endParaRPr>
+          </a:p>
+        </p:txBody>
+      </p:sp>
+      <p:sp>
+        <p:nvSpPr>
+          <p:cNvPr id="48" name="PlaceHolder 3"/>
+          <p:cNvSpPr>
+            <a:spLocks noGrp="1"/>
+          </p:cNvSpPr>
+          <p:nvPr>
+            <p:ph type="body"/>
+          </p:nvPr>
+        </p:nvSpPr>
+        <p:spPr>
+          <a:xfrm>
+            <a:off x="5152680" y="1368000"/>
+            <a:ext cx="4426920" cy="3287880"/>
+          </a:xfrm>
+          <a:prstGeom prst="rect">
+            <a:avLst/>
+          </a:prstGeom>
+        </p:spPr>
+        <p:txBody>
+          <a:bodyPr lIns="0" rIns="0" tIns="0" bIns="0">
+            <a:normAutofit/>
+          </a:bodyPr>
+          <a:p>
+            <a:endParaRPr b="0" lang="en-US" sz="3200" spc="-1" strike="noStrike">
+              <a:latin typeface="Arial"/>
+            </a:endParaRPr>
+          </a:p>
+        </p:txBody>
+      </p:sp>
+    </p:spTree>
+  </p:cSld>
+</p:sldLayout>
+</file>
+
+<file path=ppt/slideLayouts/slideLayout17.xml><?xml version="1.0" encoding="utf-8"?>
+<p:sldLayout xmlns:a="http://schemas.openxmlformats.org/drawingml/2006/main" xmlns:p="http://schemas.openxmlformats.org/presentationml/2006/main" xmlns:r="http://schemas.openxmlformats.org/officeDocument/2006/relationships" xmlns:p14="http://schemas.microsoft.com/office/powerpoint/2010/main" xmlns:p15="http://schemas.microsoft.com/office/powerpoint/2012/main" xmlns:mc="http://schemas.openxmlformats.org/markup-compatibility/2006" type="titleOnly" preserve="1">
+  <p:cSld name="Title Only">
+    <p:spTree>
+      <p:nvGrpSpPr>
+        <p:cNvPr id="1" name=""/>
+        <p:cNvGrpSpPr/>
+        <p:nvPr/>
+      </p:nvGrpSpPr>
+      <p:grpSpPr>
+        <a:xfrm>
+          <a:off x="0" y="0"/>
+          <a:ext cx="0" cy="0"/>
+          <a:chOff x="0" y="0"/>
+          <a:chExt cx="0" cy="0"/>
+        </a:xfrm>
+      </p:grpSpPr>
+      <p:sp>
+        <p:nvSpPr>
+          <p:cNvPr id="49" name="PlaceHolder 1"/>
+          <p:cNvSpPr>
+            <a:spLocks noGrp="1"/>
+          </p:cNvSpPr>
+          <p:nvPr>
+            <p:ph type="title"/>
+          </p:nvPr>
+        </p:nvSpPr>
+        <p:spPr>
+          <a:xfrm>
+            <a:off x="504000" y="216000"/>
+            <a:ext cx="7019640" cy="935640"/>
+          </a:xfrm>
+          <a:prstGeom prst="rect">
+            <a:avLst/>
+          </a:prstGeom>
+        </p:spPr>
+        <p:txBody>
+          <a:bodyPr lIns="0" rIns="0" tIns="0" bIns="0" anchor="ctr"/>
+          <a:p>
+            <a:pPr algn="ctr"/>
+            <a:endParaRPr b="0" lang="en-US" sz="4400" spc="-1" strike="noStrike">
+              <a:latin typeface="Arial"/>
+            </a:endParaRPr>
+          </a:p>
+        </p:txBody>
+      </p:sp>
+    </p:spTree>
+  </p:cSld>
+</p:sldLayout>
+</file>
+
+<file path=ppt/slideLayouts/slideLayout18.xml><?xml version="1.0" encoding="utf-8"?>
+<p:sldLayout xmlns:a="http://schemas.openxmlformats.org/drawingml/2006/main" xmlns:p="http://schemas.openxmlformats.org/presentationml/2006/main" xmlns:r="http://schemas.openxmlformats.org/officeDocument/2006/relationships" xmlns:p14="http://schemas.microsoft.com/office/powerpoint/2010/main" xmlns:p15="http://schemas.microsoft.com/office/powerpoint/2012/main" xmlns:mc="http://schemas.openxmlformats.org/markup-compatibility/2006" type="objOnly" preserve="1">
+  <p:cSld name="Centered Text">
+    <p:spTree>
+      <p:nvGrpSpPr>
+        <p:cNvPr id="1" name=""/>
+        <p:cNvGrpSpPr/>
+        <p:nvPr/>
+      </p:nvGrpSpPr>
+      <p:grpSpPr>
+        <a:xfrm>
+          <a:off x="0" y="0"/>
+          <a:ext cx="0" cy="0"/>
+          <a:chOff x="0" y="0"/>
+          <a:chExt cx="0" cy="0"/>
+        </a:xfrm>
+      </p:grpSpPr>
+      <p:sp>
+        <p:nvSpPr>
+          <p:cNvPr id="50" name="PlaceHolder 1"/>
+          <p:cNvSpPr>
+            <a:spLocks noGrp="1"/>
+          </p:cNvSpPr>
+          <p:nvPr>
+            <p:ph type="subTitle"/>
+          </p:nvPr>
+        </p:nvSpPr>
+        <p:spPr>
+          <a:xfrm>
+            <a:off x="504000" y="216000"/>
+            <a:ext cx="7019640" cy="4338360"/>
+          </a:xfrm>
+          <a:prstGeom prst="rect">
+            <a:avLst/>
+          </a:prstGeom>
+        </p:spPr>
+        <p:txBody>
+          <a:bodyPr lIns="0" rIns="0" tIns="0" bIns="0" anchor="ctr"/>
+          <a:p>
+            <a:pPr algn="ctr"/>
+            <a:endParaRPr b="0" lang="en-US" sz="3200" spc="-1" strike="noStrike">
+              <a:latin typeface="Arial"/>
+            </a:endParaRPr>
+          </a:p>
+        </p:txBody>
+      </p:sp>
+    </p:spTree>
+  </p:cSld>
+</p:sldLayout>
+</file>
+
+<file path=ppt/slideLayouts/slideLayout19.xml><?xml version="1.0" encoding="utf-8"?>
+<p:sldLayout xmlns:a="http://schemas.openxmlformats.org/drawingml/2006/main" xmlns:p="http://schemas.openxmlformats.org/presentationml/2006/main" xmlns:r="http://schemas.openxmlformats.org/officeDocument/2006/relationships" xmlns:p14="http://schemas.microsoft.com/office/powerpoint/2010/main" xmlns:p15="http://schemas.microsoft.com/office/powerpoint/2012/main" xmlns:mc="http://schemas.openxmlformats.org/markup-compatibility/2006" type="twoObjAndObj" preserve="1">
+  <p:cSld name="Title, 2 Content and Content">
+    <p:spTree>
+      <p:nvGrpSpPr>
+        <p:cNvPr id="1" name=""/>
+        <p:cNvGrpSpPr/>
+        <p:nvPr/>
+      </p:nvGrpSpPr>
+      <p:grpSpPr>
+        <a:xfrm>
+          <a:off x="0" y="0"/>
+          <a:ext cx="0" cy="0"/>
+          <a:chOff x="0" y="0"/>
+          <a:chExt cx="0" cy="0"/>
+        </a:xfrm>
+      </p:grpSpPr>
+      <p:sp>
+        <p:nvSpPr>
+          <p:cNvPr id="51" name="PlaceHolder 1"/>
+          <p:cNvSpPr>
+            <a:spLocks noGrp="1"/>
+          </p:cNvSpPr>
+          <p:nvPr>
+            <p:ph type="title"/>
+          </p:nvPr>
+        </p:nvSpPr>
+        <p:spPr>
+          <a:xfrm>
+            <a:off x="504000" y="216000"/>
+            <a:ext cx="7019640" cy="935640"/>
+          </a:xfrm>
+          <a:prstGeom prst="rect">
+            <a:avLst/>
+          </a:prstGeom>
+        </p:spPr>
+        <p:txBody>
+          <a:bodyPr lIns="0" rIns="0" tIns="0" bIns="0" anchor="ctr"/>
+          <a:p>
+            <a:pPr algn="ctr"/>
+            <a:endParaRPr b="0" lang="en-US" sz="4400" spc="-1" strike="noStrike">
+              <a:latin typeface="Arial"/>
+            </a:endParaRPr>
+          </a:p>
+        </p:txBody>
+      </p:sp>
+      <p:sp>
+        <p:nvSpPr>
+          <p:cNvPr id="52" name="PlaceHolder 2"/>
+          <p:cNvSpPr>
+            <a:spLocks noGrp="1"/>
+          </p:cNvSpPr>
+          <p:nvPr>
+            <p:ph type="body"/>
+          </p:nvPr>
+        </p:nvSpPr>
+        <p:spPr>
+          <a:xfrm>
+            <a:off x="504000" y="1368000"/>
+            <a:ext cx="4426920" cy="1568160"/>
+          </a:xfrm>
+          <a:prstGeom prst="rect">
+            <a:avLst/>
+          </a:prstGeom>
+        </p:spPr>
+        <p:txBody>
+          <a:bodyPr lIns="0" rIns="0" tIns="0" bIns="0">
+            <a:normAutofit/>
+          </a:bodyPr>
+          <a:p>
+            <a:endParaRPr b="0" lang="en-US" sz="3200" spc="-1" strike="noStrike">
+              <a:latin typeface="Arial"/>
+            </a:endParaRPr>
+          </a:p>
+        </p:txBody>
+      </p:sp>
+      <p:sp>
+        <p:nvSpPr>
+          <p:cNvPr id="53" name="PlaceHolder 3"/>
+          <p:cNvSpPr>
+            <a:spLocks noGrp="1"/>
+          </p:cNvSpPr>
+          <p:nvPr>
+            <p:ph type="body"/>
+          </p:nvPr>
+        </p:nvSpPr>
+        <p:spPr>
+          <a:xfrm>
+            <a:off x="5152680" y="1368000"/>
+            <a:ext cx="4426920" cy="3287880"/>
+          </a:xfrm>
+          <a:prstGeom prst="rect">
+            <a:avLst/>
+          </a:prstGeom>
+        </p:spPr>
+        <p:txBody>
+          <a:bodyPr lIns="0" rIns="0" tIns="0" bIns="0">
+            <a:normAutofit/>
+          </a:bodyPr>
+          <a:p>
+            <a:endParaRPr b="0" lang="en-US" sz="3200" spc="-1" strike="noStrike">
+              <a:latin typeface="Arial"/>
+            </a:endParaRPr>
+          </a:p>
+        </p:txBody>
+      </p:sp>
+      <p:sp>
+        <p:nvSpPr>
+          <p:cNvPr id="54" name="PlaceHolder 4"/>
+          <p:cNvSpPr>
+            <a:spLocks noGrp="1"/>
+          </p:cNvSpPr>
+          <p:nvPr>
+            <p:ph type="body"/>
+          </p:nvPr>
+        </p:nvSpPr>
+        <p:spPr>
+          <a:xfrm>
+            <a:off x="504000" y="3085560"/>
+            <a:ext cx="4426920" cy="1568160"/>
+          </a:xfrm>
+          <a:prstGeom prst="rect">
+            <a:avLst/>
+          </a:prstGeom>
+        </p:spPr>
+        <p:txBody>
+          <a:bodyPr lIns="0" rIns="0" tIns="0" bIns="0">
+            <a:normAutofit/>
+          </a:bodyPr>
+          <a:p>
+            <a:endParaRPr b="0" lang="en-US" sz="3200" spc="-1" strike="noStrike">
               <a:latin typeface="Arial"/>
             </a:endParaRPr>
           </a:p>
@@ -572,7 +1108,7 @@
       </p:grpSpPr>
       <p:sp>
         <p:nvSpPr>
-          <p:cNvPr id="6" name="PlaceHolder 1"/>
+          <p:cNvPr id="3" name="PlaceHolder 1"/>
           <p:cNvSpPr>
             <a:spLocks noGrp="1"/>
           </p:cNvSpPr>
@@ -583,7 +1119,7 @@
         <p:spPr>
           <a:xfrm>
             <a:off x="504000" y="216000"/>
-            <a:ext cx="7020000" cy="936000"/>
+            <a:ext cx="7019640" cy="935640"/>
           </a:xfrm>
           <a:prstGeom prst="rect">
             <a:avLst/>
@@ -592,18 +1128,16 @@
         <p:txBody>
           <a:bodyPr lIns="0" rIns="0" tIns="0" bIns="0" anchor="ctr"/>
           <a:p>
-            <a:endParaRPr b="0" lang="en-US" sz="3570" spc="-1" strike="noStrike">
-              <a:solidFill>
-                <a:srgbClr val="ffffff"/>
-              </a:solidFill>
-              <a:latin typeface="Arial"/>
-            </a:endParaRPr>
-          </a:p>
-        </p:txBody>
-      </p:sp>
-      <p:sp>
-        <p:nvSpPr>
-          <p:cNvPr id="7" name="PlaceHolder 2"/>
+            <a:pPr algn="ctr"/>
+            <a:endParaRPr b="0" lang="en-US" sz="4400" spc="-1" strike="noStrike">
+              <a:latin typeface="Arial"/>
+            </a:endParaRPr>
+          </a:p>
+        </p:txBody>
+      </p:sp>
+      <p:sp>
+        <p:nvSpPr>
+          <p:cNvPr id="4" name="PlaceHolder 2"/>
           <p:cNvSpPr>
             <a:spLocks noGrp="1"/>
           </p:cNvSpPr>
@@ -614,7 +1148,7 @@
         <p:spPr>
           <a:xfrm>
             <a:off x="504000" y="1368000"/>
-            <a:ext cx="9072000" cy="3288240"/>
+            <a:ext cx="9071640" cy="3287880"/>
           </a:xfrm>
           <a:prstGeom prst="rect">
             <a:avLst/>
@@ -624,6 +1158,801 @@
           <a:bodyPr lIns="0" rIns="0" tIns="0" bIns="0" anchor="ctr"/>
           <a:p>
             <a:pPr algn="ctr"/>
+            <a:endParaRPr b="0" lang="en-US" sz="3200" spc="-1" strike="noStrike">
+              <a:latin typeface="Arial"/>
+            </a:endParaRPr>
+          </a:p>
+        </p:txBody>
+      </p:sp>
+    </p:spTree>
+  </p:cSld>
+</p:sldLayout>
+</file>
+
+<file path=ppt/slideLayouts/slideLayout20.xml><?xml version="1.0" encoding="utf-8"?>
+<p:sldLayout xmlns:a="http://schemas.openxmlformats.org/drawingml/2006/main" xmlns:p="http://schemas.openxmlformats.org/presentationml/2006/main" xmlns:r="http://schemas.openxmlformats.org/officeDocument/2006/relationships" xmlns:p14="http://schemas.microsoft.com/office/powerpoint/2010/main" xmlns:p15="http://schemas.microsoft.com/office/powerpoint/2012/main" xmlns:mc="http://schemas.openxmlformats.org/markup-compatibility/2006" type="objAndTwoObj" preserve="1">
+  <p:cSld name="Title Content and 2 Content">
+    <p:spTree>
+      <p:nvGrpSpPr>
+        <p:cNvPr id="1" name=""/>
+        <p:cNvGrpSpPr/>
+        <p:nvPr/>
+      </p:nvGrpSpPr>
+      <p:grpSpPr>
+        <a:xfrm>
+          <a:off x="0" y="0"/>
+          <a:ext cx="0" cy="0"/>
+          <a:chOff x="0" y="0"/>
+          <a:chExt cx="0" cy="0"/>
+        </a:xfrm>
+      </p:grpSpPr>
+      <p:sp>
+        <p:nvSpPr>
+          <p:cNvPr id="55" name="PlaceHolder 1"/>
+          <p:cNvSpPr>
+            <a:spLocks noGrp="1"/>
+          </p:cNvSpPr>
+          <p:nvPr>
+            <p:ph type="title"/>
+          </p:nvPr>
+        </p:nvSpPr>
+        <p:spPr>
+          <a:xfrm>
+            <a:off x="504000" y="216000"/>
+            <a:ext cx="7019640" cy="935640"/>
+          </a:xfrm>
+          <a:prstGeom prst="rect">
+            <a:avLst/>
+          </a:prstGeom>
+        </p:spPr>
+        <p:txBody>
+          <a:bodyPr lIns="0" rIns="0" tIns="0" bIns="0" anchor="ctr"/>
+          <a:p>
+            <a:pPr algn="ctr"/>
+            <a:endParaRPr b="0" lang="en-US" sz="4400" spc="-1" strike="noStrike">
+              <a:latin typeface="Arial"/>
+            </a:endParaRPr>
+          </a:p>
+        </p:txBody>
+      </p:sp>
+      <p:sp>
+        <p:nvSpPr>
+          <p:cNvPr id="56" name="PlaceHolder 2"/>
+          <p:cNvSpPr>
+            <a:spLocks noGrp="1"/>
+          </p:cNvSpPr>
+          <p:nvPr>
+            <p:ph type="body"/>
+          </p:nvPr>
+        </p:nvSpPr>
+        <p:spPr>
+          <a:xfrm>
+            <a:off x="504000" y="1368000"/>
+            <a:ext cx="4426920" cy="3287880"/>
+          </a:xfrm>
+          <a:prstGeom prst="rect">
+            <a:avLst/>
+          </a:prstGeom>
+        </p:spPr>
+        <p:txBody>
+          <a:bodyPr lIns="0" rIns="0" tIns="0" bIns="0">
+            <a:normAutofit/>
+          </a:bodyPr>
+          <a:p>
+            <a:endParaRPr b="0" lang="en-US" sz="3200" spc="-1" strike="noStrike">
+              <a:latin typeface="Arial"/>
+            </a:endParaRPr>
+          </a:p>
+        </p:txBody>
+      </p:sp>
+      <p:sp>
+        <p:nvSpPr>
+          <p:cNvPr id="57" name="PlaceHolder 3"/>
+          <p:cNvSpPr>
+            <a:spLocks noGrp="1"/>
+          </p:cNvSpPr>
+          <p:nvPr>
+            <p:ph type="body"/>
+          </p:nvPr>
+        </p:nvSpPr>
+        <p:spPr>
+          <a:xfrm>
+            <a:off x="5152680" y="1368000"/>
+            <a:ext cx="4426920" cy="1568160"/>
+          </a:xfrm>
+          <a:prstGeom prst="rect">
+            <a:avLst/>
+          </a:prstGeom>
+        </p:spPr>
+        <p:txBody>
+          <a:bodyPr lIns="0" rIns="0" tIns="0" bIns="0">
+            <a:normAutofit/>
+          </a:bodyPr>
+          <a:p>
+            <a:endParaRPr b="0" lang="en-US" sz="3200" spc="-1" strike="noStrike">
+              <a:latin typeface="Arial"/>
+            </a:endParaRPr>
+          </a:p>
+        </p:txBody>
+      </p:sp>
+      <p:sp>
+        <p:nvSpPr>
+          <p:cNvPr id="58" name="PlaceHolder 4"/>
+          <p:cNvSpPr>
+            <a:spLocks noGrp="1"/>
+          </p:cNvSpPr>
+          <p:nvPr>
+            <p:ph type="body"/>
+          </p:nvPr>
+        </p:nvSpPr>
+        <p:spPr>
+          <a:xfrm>
+            <a:off x="5152680" y="3085560"/>
+            <a:ext cx="4426920" cy="1568160"/>
+          </a:xfrm>
+          <a:prstGeom prst="rect">
+            <a:avLst/>
+          </a:prstGeom>
+        </p:spPr>
+        <p:txBody>
+          <a:bodyPr lIns="0" rIns="0" tIns="0" bIns="0">
+            <a:normAutofit/>
+          </a:bodyPr>
+          <a:p>
+            <a:endParaRPr b="0" lang="en-US" sz="3200" spc="-1" strike="noStrike">
+              <a:latin typeface="Arial"/>
+            </a:endParaRPr>
+          </a:p>
+        </p:txBody>
+      </p:sp>
+    </p:spTree>
+  </p:cSld>
+</p:sldLayout>
+</file>
+
+<file path=ppt/slideLayouts/slideLayout21.xml><?xml version="1.0" encoding="utf-8"?>
+<p:sldLayout xmlns:a="http://schemas.openxmlformats.org/drawingml/2006/main" xmlns:p="http://schemas.openxmlformats.org/presentationml/2006/main" xmlns:r="http://schemas.openxmlformats.org/officeDocument/2006/relationships" xmlns:p14="http://schemas.microsoft.com/office/powerpoint/2010/main" xmlns:p15="http://schemas.microsoft.com/office/powerpoint/2012/main" xmlns:mc="http://schemas.openxmlformats.org/markup-compatibility/2006" type="twoObjOverTx" preserve="1">
+  <p:cSld name="Title, 2 Content over Content">
+    <p:spTree>
+      <p:nvGrpSpPr>
+        <p:cNvPr id="1" name=""/>
+        <p:cNvGrpSpPr/>
+        <p:nvPr/>
+      </p:nvGrpSpPr>
+      <p:grpSpPr>
+        <a:xfrm>
+          <a:off x="0" y="0"/>
+          <a:ext cx="0" cy="0"/>
+          <a:chOff x="0" y="0"/>
+          <a:chExt cx="0" cy="0"/>
+        </a:xfrm>
+      </p:grpSpPr>
+      <p:sp>
+        <p:nvSpPr>
+          <p:cNvPr id="59" name="PlaceHolder 1"/>
+          <p:cNvSpPr>
+            <a:spLocks noGrp="1"/>
+          </p:cNvSpPr>
+          <p:nvPr>
+            <p:ph type="title"/>
+          </p:nvPr>
+        </p:nvSpPr>
+        <p:spPr>
+          <a:xfrm>
+            <a:off x="504000" y="216000"/>
+            <a:ext cx="7019640" cy="935640"/>
+          </a:xfrm>
+          <a:prstGeom prst="rect">
+            <a:avLst/>
+          </a:prstGeom>
+        </p:spPr>
+        <p:txBody>
+          <a:bodyPr lIns="0" rIns="0" tIns="0" bIns="0" anchor="ctr"/>
+          <a:p>
+            <a:pPr algn="ctr"/>
+            <a:endParaRPr b="0" lang="en-US" sz="4400" spc="-1" strike="noStrike">
+              <a:latin typeface="Arial"/>
+            </a:endParaRPr>
+          </a:p>
+        </p:txBody>
+      </p:sp>
+      <p:sp>
+        <p:nvSpPr>
+          <p:cNvPr id="60" name="PlaceHolder 2"/>
+          <p:cNvSpPr>
+            <a:spLocks noGrp="1"/>
+          </p:cNvSpPr>
+          <p:nvPr>
+            <p:ph type="body"/>
+          </p:nvPr>
+        </p:nvSpPr>
+        <p:spPr>
+          <a:xfrm>
+            <a:off x="504000" y="1368000"/>
+            <a:ext cx="4426920" cy="1568160"/>
+          </a:xfrm>
+          <a:prstGeom prst="rect">
+            <a:avLst/>
+          </a:prstGeom>
+        </p:spPr>
+        <p:txBody>
+          <a:bodyPr lIns="0" rIns="0" tIns="0" bIns="0">
+            <a:normAutofit/>
+          </a:bodyPr>
+          <a:p>
+            <a:endParaRPr b="0" lang="en-US" sz="3200" spc="-1" strike="noStrike">
+              <a:latin typeface="Arial"/>
+            </a:endParaRPr>
+          </a:p>
+        </p:txBody>
+      </p:sp>
+      <p:sp>
+        <p:nvSpPr>
+          <p:cNvPr id="61" name="PlaceHolder 3"/>
+          <p:cNvSpPr>
+            <a:spLocks noGrp="1"/>
+          </p:cNvSpPr>
+          <p:nvPr>
+            <p:ph type="body"/>
+          </p:nvPr>
+        </p:nvSpPr>
+        <p:spPr>
+          <a:xfrm>
+            <a:off x="5152680" y="1368000"/>
+            <a:ext cx="4426920" cy="1568160"/>
+          </a:xfrm>
+          <a:prstGeom prst="rect">
+            <a:avLst/>
+          </a:prstGeom>
+        </p:spPr>
+        <p:txBody>
+          <a:bodyPr lIns="0" rIns="0" tIns="0" bIns="0">
+            <a:normAutofit/>
+          </a:bodyPr>
+          <a:p>
+            <a:endParaRPr b="0" lang="en-US" sz="3200" spc="-1" strike="noStrike">
+              <a:latin typeface="Arial"/>
+            </a:endParaRPr>
+          </a:p>
+        </p:txBody>
+      </p:sp>
+      <p:sp>
+        <p:nvSpPr>
+          <p:cNvPr id="62" name="PlaceHolder 4"/>
+          <p:cNvSpPr>
+            <a:spLocks noGrp="1"/>
+          </p:cNvSpPr>
+          <p:nvPr>
+            <p:ph type="body"/>
+          </p:nvPr>
+        </p:nvSpPr>
+        <p:spPr>
+          <a:xfrm>
+            <a:off x="504000" y="3085560"/>
+            <a:ext cx="9071640" cy="1568160"/>
+          </a:xfrm>
+          <a:prstGeom prst="rect">
+            <a:avLst/>
+          </a:prstGeom>
+        </p:spPr>
+        <p:txBody>
+          <a:bodyPr lIns="0" rIns="0" tIns="0" bIns="0">
+            <a:normAutofit/>
+          </a:bodyPr>
+          <a:p>
+            <a:endParaRPr b="0" lang="en-US" sz="3200" spc="-1" strike="noStrike">
+              <a:latin typeface="Arial"/>
+            </a:endParaRPr>
+          </a:p>
+        </p:txBody>
+      </p:sp>
+    </p:spTree>
+  </p:cSld>
+</p:sldLayout>
+</file>
+
+<file path=ppt/slideLayouts/slideLayout22.xml><?xml version="1.0" encoding="utf-8"?>
+<p:sldLayout xmlns:a="http://schemas.openxmlformats.org/drawingml/2006/main" xmlns:p="http://schemas.openxmlformats.org/presentationml/2006/main" xmlns:r="http://schemas.openxmlformats.org/officeDocument/2006/relationships" xmlns:p14="http://schemas.microsoft.com/office/powerpoint/2010/main" xmlns:p15="http://schemas.microsoft.com/office/powerpoint/2012/main" xmlns:mc="http://schemas.openxmlformats.org/markup-compatibility/2006" type="objOverTx" preserve="1">
+  <p:cSld name="Title, Content over Content">
+    <p:spTree>
+      <p:nvGrpSpPr>
+        <p:cNvPr id="1" name=""/>
+        <p:cNvGrpSpPr/>
+        <p:nvPr/>
+      </p:nvGrpSpPr>
+      <p:grpSpPr>
+        <a:xfrm>
+          <a:off x="0" y="0"/>
+          <a:ext cx="0" cy="0"/>
+          <a:chOff x="0" y="0"/>
+          <a:chExt cx="0" cy="0"/>
+        </a:xfrm>
+      </p:grpSpPr>
+      <p:sp>
+        <p:nvSpPr>
+          <p:cNvPr id="63" name="PlaceHolder 1"/>
+          <p:cNvSpPr>
+            <a:spLocks noGrp="1"/>
+          </p:cNvSpPr>
+          <p:nvPr>
+            <p:ph type="title"/>
+          </p:nvPr>
+        </p:nvSpPr>
+        <p:spPr>
+          <a:xfrm>
+            <a:off x="504000" y="216000"/>
+            <a:ext cx="7019640" cy="935640"/>
+          </a:xfrm>
+          <a:prstGeom prst="rect">
+            <a:avLst/>
+          </a:prstGeom>
+        </p:spPr>
+        <p:txBody>
+          <a:bodyPr lIns="0" rIns="0" tIns="0" bIns="0" anchor="ctr"/>
+          <a:p>
+            <a:pPr algn="ctr"/>
+            <a:endParaRPr b="0" lang="en-US" sz="4400" spc="-1" strike="noStrike">
+              <a:latin typeface="Arial"/>
+            </a:endParaRPr>
+          </a:p>
+        </p:txBody>
+      </p:sp>
+      <p:sp>
+        <p:nvSpPr>
+          <p:cNvPr id="64" name="PlaceHolder 2"/>
+          <p:cNvSpPr>
+            <a:spLocks noGrp="1"/>
+          </p:cNvSpPr>
+          <p:nvPr>
+            <p:ph type="body"/>
+          </p:nvPr>
+        </p:nvSpPr>
+        <p:spPr>
+          <a:xfrm>
+            <a:off x="504000" y="1368000"/>
+            <a:ext cx="9071640" cy="1568160"/>
+          </a:xfrm>
+          <a:prstGeom prst="rect">
+            <a:avLst/>
+          </a:prstGeom>
+        </p:spPr>
+        <p:txBody>
+          <a:bodyPr lIns="0" rIns="0" tIns="0" bIns="0">
+            <a:normAutofit/>
+          </a:bodyPr>
+          <a:p>
+            <a:endParaRPr b="0" lang="en-US" sz="3200" spc="-1" strike="noStrike">
+              <a:latin typeface="Arial"/>
+            </a:endParaRPr>
+          </a:p>
+        </p:txBody>
+      </p:sp>
+      <p:sp>
+        <p:nvSpPr>
+          <p:cNvPr id="65" name="PlaceHolder 3"/>
+          <p:cNvSpPr>
+            <a:spLocks noGrp="1"/>
+          </p:cNvSpPr>
+          <p:nvPr>
+            <p:ph type="body"/>
+          </p:nvPr>
+        </p:nvSpPr>
+        <p:spPr>
+          <a:xfrm>
+            <a:off x="504000" y="3085560"/>
+            <a:ext cx="9071640" cy="1568160"/>
+          </a:xfrm>
+          <a:prstGeom prst="rect">
+            <a:avLst/>
+          </a:prstGeom>
+        </p:spPr>
+        <p:txBody>
+          <a:bodyPr lIns="0" rIns="0" tIns="0" bIns="0">
+            <a:normAutofit/>
+          </a:bodyPr>
+          <a:p>
+            <a:endParaRPr b="0" lang="en-US" sz="3200" spc="-1" strike="noStrike">
+              <a:latin typeface="Arial"/>
+            </a:endParaRPr>
+          </a:p>
+        </p:txBody>
+      </p:sp>
+    </p:spTree>
+  </p:cSld>
+</p:sldLayout>
+</file>
+
+<file path=ppt/slideLayouts/slideLayout23.xml><?xml version="1.0" encoding="utf-8"?>
+<p:sldLayout xmlns:a="http://schemas.openxmlformats.org/drawingml/2006/main" xmlns:p="http://schemas.openxmlformats.org/presentationml/2006/main" xmlns:r="http://schemas.openxmlformats.org/officeDocument/2006/relationships" xmlns:p14="http://schemas.microsoft.com/office/powerpoint/2010/main" xmlns:p15="http://schemas.microsoft.com/office/powerpoint/2012/main" xmlns:mc="http://schemas.openxmlformats.org/markup-compatibility/2006" type="fourObj" preserve="1">
+  <p:cSld name="Title, 4 Content">
+    <p:spTree>
+      <p:nvGrpSpPr>
+        <p:cNvPr id="1" name=""/>
+        <p:cNvGrpSpPr/>
+        <p:nvPr/>
+      </p:nvGrpSpPr>
+      <p:grpSpPr>
+        <a:xfrm>
+          <a:off x="0" y="0"/>
+          <a:ext cx="0" cy="0"/>
+          <a:chOff x="0" y="0"/>
+          <a:chExt cx="0" cy="0"/>
+        </a:xfrm>
+      </p:grpSpPr>
+      <p:sp>
+        <p:nvSpPr>
+          <p:cNvPr id="66" name="PlaceHolder 1"/>
+          <p:cNvSpPr>
+            <a:spLocks noGrp="1"/>
+          </p:cNvSpPr>
+          <p:nvPr>
+            <p:ph type="title"/>
+          </p:nvPr>
+        </p:nvSpPr>
+        <p:spPr>
+          <a:xfrm>
+            <a:off x="504000" y="216000"/>
+            <a:ext cx="7019640" cy="935640"/>
+          </a:xfrm>
+          <a:prstGeom prst="rect">
+            <a:avLst/>
+          </a:prstGeom>
+        </p:spPr>
+        <p:txBody>
+          <a:bodyPr lIns="0" rIns="0" tIns="0" bIns="0" anchor="ctr"/>
+          <a:p>
+            <a:pPr algn="ctr"/>
+            <a:endParaRPr b="0" lang="en-US" sz="4400" spc="-1" strike="noStrike">
+              <a:latin typeface="Arial"/>
+            </a:endParaRPr>
+          </a:p>
+        </p:txBody>
+      </p:sp>
+      <p:sp>
+        <p:nvSpPr>
+          <p:cNvPr id="67" name="PlaceHolder 2"/>
+          <p:cNvSpPr>
+            <a:spLocks noGrp="1"/>
+          </p:cNvSpPr>
+          <p:nvPr>
+            <p:ph type="body"/>
+          </p:nvPr>
+        </p:nvSpPr>
+        <p:spPr>
+          <a:xfrm>
+            <a:off x="504000" y="1368000"/>
+            <a:ext cx="4426920" cy="1568160"/>
+          </a:xfrm>
+          <a:prstGeom prst="rect">
+            <a:avLst/>
+          </a:prstGeom>
+        </p:spPr>
+        <p:txBody>
+          <a:bodyPr lIns="0" rIns="0" tIns="0" bIns="0">
+            <a:normAutofit/>
+          </a:bodyPr>
+          <a:p>
+            <a:endParaRPr b="0" lang="en-US" sz="3200" spc="-1" strike="noStrike">
+              <a:latin typeface="Arial"/>
+            </a:endParaRPr>
+          </a:p>
+        </p:txBody>
+      </p:sp>
+      <p:sp>
+        <p:nvSpPr>
+          <p:cNvPr id="68" name="PlaceHolder 3"/>
+          <p:cNvSpPr>
+            <a:spLocks noGrp="1"/>
+          </p:cNvSpPr>
+          <p:nvPr>
+            <p:ph type="body"/>
+          </p:nvPr>
+        </p:nvSpPr>
+        <p:spPr>
+          <a:xfrm>
+            <a:off x="5152680" y="1368000"/>
+            <a:ext cx="4426920" cy="1568160"/>
+          </a:xfrm>
+          <a:prstGeom prst="rect">
+            <a:avLst/>
+          </a:prstGeom>
+        </p:spPr>
+        <p:txBody>
+          <a:bodyPr lIns="0" rIns="0" tIns="0" bIns="0">
+            <a:normAutofit/>
+          </a:bodyPr>
+          <a:p>
+            <a:endParaRPr b="0" lang="en-US" sz="3200" spc="-1" strike="noStrike">
+              <a:latin typeface="Arial"/>
+            </a:endParaRPr>
+          </a:p>
+        </p:txBody>
+      </p:sp>
+      <p:sp>
+        <p:nvSpPr>
+          <p:cNvPr id="69" name="PlaceHolder 4"/>
+          <p:cNvSpPr>
+            <a:spLocks noGrp="1"/>
+          </p:cNvSpPr>
+          <p:nvPr>
+            <p:ph type="body"/>
+          </p:nvPr>
+        </p:nvSpPr>
+        <p:spPr>
+          <a:xfrm>
+            <a:off x="504000" y="3085560"/>
+            <a:ext cx="4426920" cy="1568160"/>
+          </a:xfrm>
+          <a:prstGeom prst="rect">
+            <a:avLst/>
+          </a:prstGeom>
+        </p:spPr>
+        <p:txBody>
+          <a:bodyPr lIns="0" rIns="0" tIns="0" bIns="0">
+            <a:normAutofit/>
+          </a:bodyPr>
+          <a:p>
+            <a:endParaRPr b="0" lang="en-US" sz="3200" spc="-1" strike="noStrike">
+              <a:latin typeface="Arial"/>
+            </a:endParaRPr>
+          </a:p>
+        </p:txBody>
+      </p:sp>
+      <p:sp>
+        <p:nvSpPr>
+          <p:cNvPr id="70" name="PlaceHolder 5"/>
+          <p:cNvSpPr>
+            <a:spLocks noGrp="1"/>
+          </p:cNvSpPr>
+          <p:nvPr>
+            <p:ph type="body"/>
+          </p:nvPr>
+        </p:nvSpPr>
+        <p:spPr>
+          <a:xfrm>
+            <a:off x="5152680" y="3085560"/>
+            <a:ext cx="4426920" cy="1568160"/>
+          </a:xfrm>
+          <a:prstGeom prst="rect">
+            <a:avLst/>
+          </a:prstGeom>
+        </p:spPr>
+        <p:txBody>
+          <a:bodyPr lIns="0" rIns="0" tIns="0" bIns="0">
+            <a:normAutofit/>
+          </a:bodyPr>
+          <a:p>
+            <a:endParaRPr b="0" lang="en-US" sz="3200" spc="-1" strike="noStrike">
+              <a:latin typeface="Arial"/>
+            </a:endParaRPr>
+          </a:p>
+        </p:txBody>
+      </p:sp>
+    </p:spTree>
+  </p:cSld>
+</p:sldLayout>
+</file>
+
+<file path=ppt/slideLayouts/slideLayout24.xml><?xml version="1.0" encoding="utf-8"?>
+<p:sldLayout xmlns:a="http://schemas.openxmlformats.org/drawingml/2006/main" xmlns:p="http://schemas.openxmlformats.org/presentationml/2006/main" xmlns:r="http://schemas.openxmlformats.org/officeDocument/2006/relationships" xmlns:p14="http://schemas.microsoft.com/office/powerpoint/2010/main" xmlns:p15="http://schemas.microsoft.com/office/powerpoint/2012/main" xmlns:mc="http://schemas.openxmlformats.org/markup-compatibility/2006" type="blank" preserve="1">
+  <p:cSld name="Title, 6 Content">
+    <p:spTree>
+      <p:nvGrpSpPr>
+        <p:cNvPr id="1" name=""/>
+        <p:cNvGrpSpPr/>
+        <p:nvPr/>
+      </p:nvGrpSpPr>
+      <p:grpSpPr>
+        <a:xfrm>
+          <a:off x="0" y="0"/>
+          <a:ext cx="0" cy="0"/>
+          <a:chOff x="0" y="0"/>
+          <a:chExt cx="0" cy="0"/>
+        </a:xfrm>
+      </p:grpSpPr>
+      <p:sp>
+        <p:nvSpPr>
+          <p:cNvPr id="71" name="PlaceHolder 1"/>
+          <p:cNvSpPr>
+            <a:spLocks noGrp="1"/>
+          </p:cNvSpPr>
+          <p:nvPr>
+            <p:ph type="title"/>
+          </p:nvPr>
+        </p:nvSpPr>
+        <p:spPr>
+          <a:xfrm>
+            <a:off x="504000" y="216000"/>
+            <a:ext cx="7019640" cy="935640"/>
+          </a:xfrm>
+          <a:prstGeom prst="rect">
+            <a:avLst/>
+          </a:prstGeom>
+        </p:spPr>
+        <p:txBody>
+          <a:bodyPr lIns="0" rIns="0" tIns="0" bIns="0" anchor="ctr"/>
+          <a:p>
+            <a:pPr algn="ctr"/>
+            <a:endParaRPr b="0" lang="en-US" sz="4400" spc="-1" strike="noStrike">
+              <a:latin typeface="Arial"/>
+            </a:endParaRPr>
+          </a:p>
+        </p:txBody>
+      </p:sp>
+      <p:sp>
+        <p:nvSpPr>
+          <p:cNvPr id="72" name="PlaceHolder 2"/>
+          <p:cNvSpPr>
+            <a:spLocks noGrp="1"/>
+          </p:cNvSpPr>
+          <p:nvPr>
+            <p:ph type="body"/>
+          </p:nvPr>
+        </p:nvSpPr>
+        <p:spPr>
+          <a:xfrm>
+            <a:off x="504000" y="1368000"/>
+            <a:ext cx="2920680" cy="1568160"/>
+          </a:xfrm>
+          <a:prstGeom prst="rect">
+            <a:avLst/>
+          </a:prstGeom>
+        </p:spPr>
+        <p:txBody>
+          <a:bodyPr lIns="0" rIns="0" tIns="0" bIns="0">
+            <a:normAutofit/>
+          </a:bodyPr>
+          <a:p>
+            <a:endParaRPr b="0" lang="en-US" sz="3200" spc="-1" strike="noStrike">
+              <a:latin typeface="Arial"/>
+            </a:endParaRPr>
+          </a:p>
+        </p:txBody>
+      </p:sp>
+      <p:sp>
+        <p:nvSpPr>
+          <p:cNvPr id="73" name="PlaceHolder 3"/>
+          <p:cNvSpPr>
+            <a:spLocks noGrp="1"/>
+          </p:cNvSpPr>
+          <p:nvPr>
+            <p:ph type="body"/>
+          </p:nvPr>
+        </p:nvSpPr>
+        <p:spPr>
+          <a:xfrm>
+            <a:off x="3571200" y="1368000"/>
+            <a:ext cx="2920680" cy="1568160"/>
+          </a:xfrm>
+          <a:prstGeom prst="rect">
+            <a:avLst/>
+          </a:prstGeom>
+        </p:spPr>
+        <p:txBody>
+          <a:bodyPr lIns="0" rIns="0" tIns="0" bIns="0">
+            <a:normAutofit/>
+          </a:bodyPr>
+          <a:p>
+            <a:endParaRPr b="0" lang="en-US" sz="3200" spc="-1" strike="noStrike">
+              <a:latin typeface="Arial"/>
+            </a:endParaRPr>
+          </a:p>
+        </p:txBody>
+      </p:sp>
+      <p:sp>
+        <p:nvSpPr>
+          <p:cNvPr id="74" name="PlaceHolder 4"/>
+          <p:cNvSpPr>
+            <a:spLocks noGrp="1"/>
+          </p:cNvSpPr>
+          <p:nvPr>
+            <p:ph type="body"/>
+          </p:nvPr>
+        </p:nvSpPr>
+        <p:spPr>
+          <a:xfrm>
+            <a:off x="6638040" y="1368000"/>
+            <a:ext cx="2920680" cy="1568160"/>
+          </a:xfrm>
+          <a:prstGeom prst="rect">
+            <a:avLst/>
+          </a:prstGeom>
+        </p:spPr>
+        <p:txBody>
+          <a:bodyPr lIns="0" rIns="0" tIns="0" bIns="0">
+            <a:normAutofit/>
+          </a:bodyPr>
+          <a:p>
+            <a:endParaRPr b="0" lang="en-US" sz="3200" spc="-1" strike="noStrike">
+              <a:latin typeface="Arial"/>
+            </a:endParaRPr>
+          </a:p>
+        </p:txBody>
+      </p:sp>
+      <p:sp>
+        <p:nvSpPr>
+          <p:cNvPr id="75" name="PlaceHolder 5"/>
+          <p:cNvSpPr>
+            <a:spLocks noGrp="1"/>
+          </p:cNvSpPr>
+          <p:nvPr>
+            <p:ph type="body"/>
+          </p:nvPr>
+        </p:nvSpPr>
+        <p:spPr>
+          <a:xfrm>
+            <a:off x="504000" y="3085560"/>
+            <a:ext cx="2920680" cy="1568160"/>
+          </a:xfrm>
+          <a:prstGeom prst="rect">
+            <a:avLst/>
+          </a:prstGeom>
+        </p:spPr>
+        <p:txBody>
+          <a:bodyPr lIns="0" rIns="0" tIns="0" bIns="0">
+            <a:normAutofit/>
+          </a:bodyPr>
+          <a:p>
+            <a:endParaRPr b="0" lang="en-US" sz="3200" spc="-1" strike="noStrike">
+              <a:latin typeface="Arial"/>
+            </a:endParaRPr>
+          </a:p>
+        </p:txBody>
+      </p:sp>
+      <p:sp>
+        <p:nvSpPr>
+          <p:cNvPr id="76" name="PlaceHolder 6"/>
+          <p:cNvSpPr>
+            <a:spLocks noGrp="1"/>
+          </p:cNvSpPr>
+          <p:nvPr>
+            <p:ph type="body"/>
+          </p:nvPr>
+        </p:nvSpPr>
+        <p:spPr>
+          <a:xfrm>
+            <a:off x="3571200" y="3085560"/>
+            <a:ext cx="2920680" cy="1568160"/>
+          </a:xfrm>
+          <a:prstGeom prst="rect">
+            <a:avLst/>
+          </a:prstGeom>
+        </p:spPr>
+        <p:txBody>
+          <a:bodyPr lIns="0" rIns="0" tIns="0" bIns="0">
+            <a:normAutofit/>
+          </a:bodyPr>
+          <a:p>
+            <a:endParaRPr b="0" lang="en-US" sz="3200" spc="-1" strike="noStrike">
+              <a:latin typeface="Arial"/>
+            </a:endParaRPr>
+          </a:p>
+        </p:txBody>
+      </p:sp>
+      <p:sp>
+        <p:nvSpPr>
+          <p:cNvPr id="77" name="PlaceHolder 7"/>
+          <p:cNvSpPr>
+            <a:spLocks noGrp="1"/>
+          </p:cNvSpPr>
+          <p:nvPr>
+            <p:ph type="body"/>
+          </p:nvPr>
+        </p:nvSpPr>
+        <p:spPr>
+          <a:xfrm>
+            <a:off x="6638040" y="3085560"/>
+            <a:ext cx="2920680" cy="1568160"/>
+          </a:xfrm>
+          <a:prstGeom prst="rect">
+            <a:avLst/>
+          </a:prstGeom>
+        </p:spPr>
+        <p:txBody>
+          <a:bodyPr lIns="0" rIns="0" tIns="0" bIns="0">
+            <a:normAutofit/>
+          </a:bodyPr>
+          <a:p>
             <a:endParaRPr b="0" lang="en-US" sz="3200" spc="-1" strike="noStrike">
               <a:latin typeface="Arial"/>
             </a:endParaRPr>
@@ -654,7 +1983,7 @@
       </p:grpSpPr>
       <p:sp>
         <p:nvSpPr>
-          <p:cNvPr id="8" name="PlaceHolder 1"/>
+          <p:cNvPr id="5" name="PlaceHolder 1"/>
           <p:cNvSpPr>
             <a:spLocks noGrp="1"/>
           </p:cNvSpPr>
@@ -665,7 +1994,7 @@
         <p:spPr>
           <a:xfrm>
             <a:off x="504000" y="216000"/>
-            <a:ext cx="7020000" cy="936000"/>
+            <a:ext cx="7019640" cy="935640"/>
           </a:xfrm>
           <a:prstGeom prst="rect">
             <a:avLst/>
@@ -674,18 +2003,16 @@
         <p:txBody>
           <a:bodyPr lIns="0" rIns="0" tIns="0" bIns="0" anchor="ctr"/>
           <a:p>
-            <a:endParaRPr b="0" lang="en-US" sz="3570" spc="-1" strike="noStrike">
-              <a:solidFill>
-                <a:srgbClr val="ffffff"/>
-              </a:solidFill>
-              <a:latin typeface="Arial"/>
-            </a:endParaRPr>
-          </a:p>
-        </p:txBody>
-      </p:sp>
-      <p:sp>
-        <p:nvSpPr>
-          <p:cNvPr id="9" name="PlaceHolder 2"/>
+            <a:pPr algn="ctr"/>
+            <a:endParaRPr b="0" lang="en-US" sz="4400" spc="-1" strike="noStrike">
+              <a:latin typeface="Arial"/>
+            </a:endParaRPr>
+          </a:p>
+        </p:txBody>
+      </p:sp>
+      <p:sp>
+        <p:nvSpPr>
+          <p:cNvPr id="6" name="PlaceHolder 2"/>
           <p:cNvSpPr>
             <a:spLocks noGrp="1"/>
           </p:cNvSpPr>
@@ -696,18 +2023,18 @@
         <p:spPr>
           <a:xfrm>
             <a:off x="504000" y="1368000"/>
-            <a:ext cx="9072000" cy="3288240"/>
-          </a:xfrm>
-          <a:prstGeom prst="rect">
-            <a:avLst/>
-          </a:prstGeom>
-        </p:spPr>
-        <p:txBody>
-          <a:bodyPr lIns="0" rIns="0" tIns="0" bIns="0">
-            <a:normAutofit/>
-          </a:bodyPr>
-          <a:p>
-            <a:endParaRPr b="0" lang="en-US" sz="2600" spc="-1" strike="noStrike">
+            <a:ext cx="9071640" cy="3287880"/>
+          </a:xfrm>
+          <a:prstGeom prst="rect">
+            <a:avLst/>
+          </a:prstGeom>
+        </p:spPr>
+        <p:txBody>
+          <a:bodyPr lIns="0" rIns="0" tIns="0" bIns="0">
+            <a:normAutofit/>
+          </a:bodyPr>
+          <a:p>
+            <a:endParaRPr b="0" lang="en-US" sz="3200" spc="-1" strike="noStrike">
               <a:latin typeface="Arial"/>
             </a:endParaRPr>
           </a:p>
@@ -737,7 +2064,7 @@
       </p:grpSpPr>
       <p:sp>
         <p:nvSpPr>
-          <p:cNvPr id="10" name="PlaceHolder 1"/>
+          <p:cNvPr id="7" name="PlaceHolder 1"/>
           <p:cNvSpPr>
             <a:spLocks noGrp="1"/>
           </p:cNvSpPr>
@@ -748,7 +2075,7 @@
         <p:spPr>
           <a:xfrm>
             <a:off x="504000" y="216000"/>
-            <a:ext cx="7020000" cy="936000"/>
+            <a:ext cx="7019640" cy="935640"/>
           </a:xfrm>
           <a:prstGeom prst="rect">
             <a:avLst/>
@@ -757,18 +2084,16 @@
         <p:txBody>
           <a:bodyPr lIns="0" rIns="0" tIns="0" bIns="0" anchor="ctr"/>
           <a:p>
-            <a:endParaRPr b="0" lang="en-US" sz="3570" spc="-1" strike="noStrike">
-              <a:solidFill>
-                <a:srgbClr val="ffffff"/>
-              </a:solidFill>
-              <a:latin typeface="Arial"/>
-            </a:endParaRPr>
-          </a:p>
-        </p:txBody>
-      </p:sp>
-      <p:sp>
-        <p:nvSpPr>
-          <p:cNvPr id="11" name="PlaceHolder 2"/>
+            <a:pPr algn="ctr"/>
+            <a:endParaRPr b="0" lang="en-US" sz="4400" spc="-1" strike="noStrike">
+              <a:latin typeface="Arial"/>
+            </a:endParaRPr>
+          </a:p>
+        </p:txBody>
+      </p:sp>
+      <p:sp>
+        <p:nvSpPr>
+          <p:cNvPr id="8" name="PlaceHolder 2"/>
           <p:cNvSpPr>
             <a:spLocks noGrp="1"/>
           </p:cNvSpPr>
@@ -779,26 +2104,26 @@
         <p:spPr>
           <a:xfrm>
             <a:off x="504000" y="1368000"/>
-            <a:ext cx="4426920" cy="3288240"/>
-          </a:xfrm>
-          <a:prstGeom prst="rect">
-            <a:avLst/>
-          </a:prstGeom>
-        </p:spPr>
-        <p:txBody>
-          <a:bodyPr lIns="0" rIns="0" tIns="0" bIns="0">
-            <a:normAutofit/>
-          </a:bodyPr>
-          <a:p>
-            <a:endParaRPr b="0" lang="en-US" sz="2600" spc="-1" strike="noStrike">
-              <a:latin typeface="Arial"/>
-            </a:endParaRPr>
-          </a:p>
-        </p:txBody>
-      </p:sp>
-      <p:sp>
-        <p:nvSpPr>
-          <p:cNvPr id="12" name="PlaceHolder 3"/>
+            <a:ext cx="4426920" cy="3287880"/>
+          </a:xfrm>
+          <a:prstGeom prst="rect">
+            <a:avLst/>
+          </a:prstGeom>
+        </p:spPr>
+        <p:txBody>
+          <a:bodyPr lIns="0" rIns="0" tIns="0" bIns="0">
+            <a:normAutofit/>
+          </a:bodyPr>
+          <a:p>
+            <a:endParaRPr b="0" lang="en-US" sz="3200" spc="-1" strike="noStrike">
+              <a:latin typeface="Arial"/>
+            </a:endParaRPr>
+          </a:p>
+        </p:txBody>
+      </p:sp>
+      <p:sp>
+        <p:nvSpPr>
+          <p:cNvPr id="9" name="PlaceHolder 3"/>
           <p:cNvSpPr>
             <a:spLocks noGrp="1"/>
           </p:cNvSpPr>
@@ -809,18 +2134,18 @@
         <p:spPr>
           <a:xfrm>
             <a:off x="5152680" y="1368000"/>
-            <a:ext cx="4426920" cy="3288240"/>
-          </a:xfrm>
-          <a:prstGeom prst="rect">
-            <a:avLst/>
-          </a:prstGeom>
-        </p:spPr>
-        <p:txBody>
-          <a:bodyPr lIns="0" rIns="0" tIns="0" bIns="0">
-            <a:normAutofit/>
-          </a:bodyPr>
-          <a:p>
-            <a:endParaRPr b="0" lang="en-US" sz="2600" spc="-1" strike="noStrike">
+            <a:ext cx="4426920" cy="3287880"/>
+          </a:xfrm>
+          <a:prstGeom prst="rect">
+            <a:avLst/>
+          </a:prstGeom>
+        </p:spPr>
+        <p:txBody>
+          <a:bodyPr lIns="0" rIns="0" tIns="0" bIns="0">
+            <a:normAutofit/>
+          </a:bodyPr>
+          <a:p>
+            <a:endParaRPr b="0" lang="en-US" sz="3200" spc="-1" strike="noStrike">
               <a:latin typeface="Arial"/>
             </a:endParaRPr>
           </a:p>
@@ -850,7 +2175,7 @@
       </p:grpSpPr>
       <p:sp>
         <p:nvSpPr>
-          <p:cNvPr id="13" name="PlaceHolder 1"/>
+          <p:cNvPr id="10" name="PlaceHolder 1"/>
           <p:cNvSpPr>
             <a:spLocks noGrp="1"/>
           </p:cNvSpPr>
@@ -861,7 +2186,7 @@
         <p:spPr>
           <a:xfrm>
             <a:off x="504000" y="216000"/>
-            <a:ext cx="7020000" cy="936000"/>
+            <a:ext cx="7019640" cy="935640"/>
           </a:xfrm>
           <a:prstGeom prst="rect">
             <a:avLst/>
@@ -870,10 +2195,8 @@
         <p:txBody>
           <a:bodyPr lIns="0" rIns="0" tIns="0" bIns="0" anchor="ctr"/>
           <a:p>
-            <a:endParaRPr b="0" lang="en-US" sz="3570" spc="-1" strike="noStrike">
-              <a:solidFill>
-                <a:srgbClr val="ffffff"/>
-              </a:solidFill>
+            <a:pPr algn="ctr"/>
+            <a:endParaRPr b="0" lang="en-US" sz="4400" spc="-1" strike="noStrike">
               <a:latin typeface="Arial"/>
             </a:endParaRPr>
           </a:p>
@@ -903,7 +2226,7 @@
       </p:grpSpPr>
       <p:sp>
         <p:nvSpPr>
-          <p:cNvPr id="14" name="PlaceHolder 1"/>
+          <p:cNvPr id="11" name="PlaceHolder 1"/>
           <p:cNvSpPr>
             <a:spLocks noGrp="1"/>
           </p:cNvSpPr>
@@ -914,7 +2237,7 @@
         <p:spPr>
           <a:xfrm>
             <a:off x="504000" y="216000"/>
-            <a:ext cx="7020000" cy="4340160"/>
+            <a:ext cx="7019640" cy="4338360"/>
           </a:xfrm>
           <a:prstGeom prst="rect">
             <a:avLst/>
@@ -954,7 +2277,7 @@
       </p:grpSpPr>
       <p:sp>
         <p:nvSpPr>
-          <p:cNvPr id="15" name="PlaceHolder 1"/>
+          <p:cNvPr id="12" name="PlaceHolder 1"/>
           <p:cNvSpPr>
             <a:spLocks noGrp="1"/>
           </p:cNvSpPr>
@@ -965,7 +2288,7 @@
         <p:spPr>
           <a:xfrm>
             <a:off x="504000" y="216000"/>
-            <a:ext cx="7020000" cy="936000"/>
+            <a:ext cx="7019640" cy="935640"/>
           </a:xfrm>
           <a:prstGeom prst="rect">
             <a:avLst/>
@@ -974,18 +2297,16 @@
         <p:txBody>
           <a:bodyPr lIns="0" rIns="0" tIns="0" bIns="0" anchor="ctr"/>
           <a:p>
-            <a:endParaRPr b="0" lang="en-US" sz="3570" spc="-1" strike="noStrike">
-              <a:solidFill>
-                <a:srgbClr val="ffffff"/>
-              </a:solidFill>
-              <a:latin typeface="Arial"/>
-            </a:endParaRPr>
-          </a:p>
-        </p:txBody>
-      </p:sp>
-      <p:sp>
-        <p:nvSpPr>
-          <p:cNvPr id="16" name="PlaceHolder 2"/>
+            <a:pPr algn="ctr"/>
+            <a:endParaRPr b="0" lang="en-US" sz="4400" spc="-1" strike="noStrike">
+              <a:latin typeface="Arial"/>
+            </a:endParaRPr>
+          </a:p>
+        </p:txBody>
+      </p:sp>
+      <p:sp>
+        <p:nvSpPr>
+          <p:cNvPr id="13" name="PlaceHolder 2"/>
           <p:cNvSpPr>
             <a:spLocks noGrp="1"/>
           </p:cNvSpPr>
@@ -1007,15 +2328,15 @@
             <a:normAutofit/>
           </a:bodyPr>
           <a:p>
-            <a:endParaRPr b="0" lang="en-US" sz="2600" spc="-1" strike="noStrike">
-              <a:latin typeface="Arial"/>
-            </a:endParaRPr>
-          </a:p>
-        </p:txBody>
-      </p:sp>
-      <p:sp>
-        <p:nvSpPr>
-          <p:cNvPr id="17" name="PlaceHolder 3"/>
+            <a:endParaRPr b="0" lang="en-US" sz="3200" spc="-1" strike="noStrike">
+              <a:latin typeface="Arial"/>
+            </a:endParaRPr>
+          </a:p>
+        </p:txBody>
+      </p:sp>
+      <p:sp>
+        <p:nvSpPr>
+          <p:cNvPr id="14" name="PlaceHolder 3"/>
           <p:cNvSpPr>
             <a:spLocks noGrp="1"/>
           </p:cNvSpPr>
@@ -1026,26 +2347,26 @@
         <p:spPr>
           <a:xfrm>
             <a:off x="5152680" y="1368000"/>
-            <a:ext cx="4426920" cy="3288240"/>
-          </a:xfrm>
-          <a:prstGeom prst="rect">
-            <a:avLst/>
-          </a:prstGeom>
-        </p:spPr>
-        <p:txBody>
-          <a:bodyPr lIns="0" rIns="0" tIns="0" bIns="0">
-            <a:normAutofit/>
-          </a:bodyPr>
-          <a:p>
-            <a:endParaRPr b="0" lang="en-US" sz="2600" spc="-1" strike="noStrike">
-              <a:latin typeface="Arial"/>
-            </a:endParaRPr>
-          </a:p>
-        </p:txBody>
-      </p:sp>
-      <p:sp>
-        <p:nvSpPr>
-          <p:cNvPr id="18" name="PlaceHolder 4"/>
+            <a:ext cx="4426920" cy="3287880"/>
+          </a:xfrm>
+          <a:prstGeom prst="rect">
+            <a:avLst/>
+          </a:prstGeom>
+        </p:spPr>
+        <p:txBody>
+          <a:bodyPr lIns="0" rIns="0" tIns="0" bIns="0">
+            <a:normAutofit/>
+          </a:bodyPr>
+          <a:p>
+            <a:endParaRPr b="0" lang="en-US" sz="3200" spc="-1" strike="noStrike">
+              <a:latin typeface="Arial"/>
+            </a:endParaRPr>
+          </a:p>
+        </p:txBody>
+      </p:sp>
+      <p:sp>
+        <p:nvSpPr>
+          <p:cNvPr id="15" name="PlaceHolder 4"/>
           <p:cNvSpPr>
             <a:spLocks noGrp="1"/>
           </p:cNvSpPr>
@@ -1067,7 +2388,7 @@
             <a:normAutofit/>
           </a:bodyPr>
           <a:p>
-            <a:endParaRPr b="0" lang="en-US" sz="2600" spc="-1" strike="noStrike">
+            <a:endParaRPr b="0" lang="en-US" sz="3200" spc="-1" strike="noStrike">
               <a:latin typeface="Arial"/>
             </a:endParaRPr>
           </a:p>
@@ -1097,7 +2418,7 @@
       </p:grpSpPr>
       <p:sp>
         <p:nvSpPr>
-          <p:cNvPr id="19" name="PlaceHolder 1"/>
+          <p:cNvPr id="16" name="PlaceHolder 1"/>
           <p:cNvSpPr>
             <a:spLocks noGrp="1"/>
           </p:cNvSpPr>
@@ -1108,7 +2429,7 @@
         <p:spPr>
           <a:xfrm>
             <a:off x="504000" y="216000"/>
-            <a:ext cx="7020000" cy="936000"/>
+            <a:ext cx="7019640" cy="935640"/>
           </a:xfrm>
           <a:prstGeom prst="rect">
             <a:avLst/>
@@ -1117,18 +2438,16 @@
         <p:txBody>
           <a:bodyPr lIns="0" rIns="0" tIns="0" bIns="0" anchor="ctr"/>
           <a:p>
-            <a:endParaRPr b="0" lang="en-US" sz="3570" spc="-1" strike="noStrike">
-              <a:solidFill>
-                <a:srgbClr val="ffffff"/>
-              </a:solidFill>
-              <a:latin typeface="Arial"/>
-            </a:endParaRPr>
-          </a:p>
-        </p:txBody>
-      </p:sp>
-      <p:sp>
-        <p:nvSpPr>
-          <p:cNvPr id="20" name="PlaceHolder 2"/>
+            <a:pPr algn="ctr"/>
+            <a:endParaRPr b="0" lang="en-US" sz="4400" spc="-1" strike="noStrike">
+              <a:latin typeface="Arial"/>
+            </a:endParaRPr>
+          </a:p>
+        </p:txBody>
+      </p:sp>
+      <p:sp>
+        <p:nvSpPr>
+          <p:cNvPr id="17" name="PlaceHolder 2"/>
           <p:cNvSpPr>
             <a:spLocks noGrp="1"/>
           </p:cNvSpPr>
@@ -1139,26 +2458,26 @@
         <p:spPr>
           <a:xfrm>
             <a:off x="504000" y="1368000"/>
-            <a:ext cx="4426920" cy="3288240"/>
-          </a:xfrm>
-          <a:prstGeom prst="rect">
-            <a:avLst/>
-          </a:prstGeom>
-        </p:spPr>
-        <p:txBody>
-          <a:bodyPr lIns="0" rIns="0" tIns="0" bIns="0">
-            <a:normAutofit/>
-          </a:bodyPr>
-          <a:p>
-            <a:endParaRPr b="0" lang="en-US" sz="2600" spc="-1" strike="noStrike">
-              <a:latin typeface="Arial"/>
-            </a:endParaRPr>
-          </a:p>
-        </p:txBody>
-      </p:sp>
-      <p:sp>
-        <p:nvSpPr>
-          <p:cNvPr id="21" name="PlaceHolder 3"/>
+            <a:ext cx="4426920" cy="3287880"/>
+          </a:xfrm>
+          <a:prstGeom prst="rect">
+            <a:avLst/>
+          </a:prstGeom>
+        </p:spPr>
+        <p:txBody>
+          <a:bodyPr lIns="0" rIns="0" tIns="0" bIns="0">
+            <a:normAutofit/>
+          </a:bodyPr>
+          <a:p>
+            <a:endParaRPr b="0" lang="en-US" sz="3200" spc="-1" strike="noStrike">
+              <a:latin typeface="Arial"/>
+            </a:endParaRPr>
+          </a:p>
+        </p:txBody>
+      </p:sp>
+      <p:sp>
+        <p:nvSpPr>
+          <p:cNvPr id="18" name="PlaceHolder 3"/>
           <p:cNvSpPr>
             <a:spLocks noGrp="1"/>
           </p:cNvSpPr>
@@ -1180,15 +2499,15 @@
             <a:normAutofit/>
           </a:bodyPr>
           <a:p>
-            <a:endParaRPr b="0" lang="en-US" sz="2600" spc="-1" strike="noStrike">
-              <a:latin typeface="Arial"/>
-            </a:endParaRPr>
-          </a:p>
-        </p:txBody>
-      </p:sp>
-      <p:sp>
-        <p:nvSpPr>
-          <p:cNvPr id="22" name="PlaceHolder 4"/>
+            <a:endParaRPr b="0" lang="en-US" sz="3200" spc="-1" strike="noStrike">
+              <a:latin typeface="Arial"/>
+            </a:endParaRPr>
+          </a:p>
+        </p:txBody>
+      </p:sp>
+      <p:sp>
+        <p:nvSpPr>
+          <p:cNvPr id="19" name="PlaceHolder 4"/>
           <p:cNvSpPr>
             <a:spLocks noGrp="1"/>
           </p:cNvSpPr>
@@ -1210,7 +2529,7 @@
             <a:normAutofit/>
           </a:bodyPr>
           <a:p>
-            <a:endParaRPr b="0" lang="en-US" sz="2600" spc="-1" strike="noStrike">
+            <a:endParaRPr b="0" lang="en-US" sz="3200" spc="-1" strike="noStrike">
               <a:latin typeface="Arial"/>
             </a:endParaRPr>
           </a:p>
@@ -1240,7 +2559,7 @@
       </p:grpSpPr>
       <p:sp>
         <p:nvSpPr>
-          <p:cNvPr id="23" name="PlaceHolder 1"/>
+          <p:cNvPr id="20" name="PlaceHolder 1"/>
           <p:cNvSpPr>
             <a:spLocks noGrp="1"/>
           </p:cNvSpPr>
@@ -1251,7 +2570,7 @@
         <p:spPr>
           <a:xfrm>
             <a:off x="504000" y="216000"/>
-            <a:ext cx="7020000" cy="936000"/>
+            <a:ext cx="7019640" cy="935640"/>
           </a:xfrm>
           <a:prstGeom prst="rect">
             <a:avLst/>
@@ -1260,18 +2579,16 @@
         <p:txBody>
           <a:bodyPr lIns="0" rIns="0" tIns="0" bIns="0" anchor="ctr"/>
           <a:p>
-            <a:endParaRPr b="0" lang="en-US" sz="3570" spc="-1" strike="noStrike">
-              <a:solidFill>
-                <a:srgbClr val="ffffff"/>
-              </a:solidFill>
-              <a:latin typeface="Arial"/>
-            </a:endParaRPr>
-          </a:p>
-        </p:txBody>
-      </p:sp>
-      <p:sp>
-        <p:nvSpPr>
-          <p:cNvPr id="24" name="PlaceHolder 2"/>
+            <a:pPr algn="ctr"/>
+            <a:endParaRPr b="0" lang="en-US" sz="4400" spc="-1" strike="noStrike">
+              <a:latin typeface="Arial"/>
+            </a:endParaRPr>
+          </a:p>
+        </p:txBody>
+      </p:sp>
+      <p:sp>
+        <p:nvSpPr>
+          <p:cNvPr id="21" name="PlaceHolder 2"/>
           <p:cNvSpPr>
             <a:spLocks noGrp="1"/>
           </p:cNvSpPr>
@@ -1293,15 +2610,15 @@
             <a:normAutofit/>
           </a:bodyPr>
           <a:p>
-            <a:endParaRPr b="0" lang="en-US" sz="2600" spc="-1" strike="noStrike">
-              <a:latin typeface="Arial"/>
-            </a:endParaRPr>
-          </a:p>
-        </p:txBody>
-      </p:sp>
-      <p:sp>
-        <p:nvSpPr>
-          <p:cNvPr id="25" name="PlaceHolder 3"/>
+            <a:endParaRPr b="0" lang="en-US" sz="3200" spc="-1" strike="noStrike">
+              <a:latin typeface="Arial"/>
+            </a:endParaRPr>
+          </a:p>
+        </p:txBody>
+      </p:sp>
+      <p:sp>
+        <p:nvSpPr>
+          <p:cNvPr id="22" name="PlaceHolder 3"/>
           <p:cNvSpPr>
             <a:spLocks noGrp="1"/>
           </p:cNvSpPr>
@@ -1323,15 +2640,15 @@
             <a:normAutofit/>
           </a:bodyPr>
           <a:p>
-            <a:endParaRPr b="0" lang="en-US" sz="2600" spc="-1" strike="noStrike">
-              <a:latin typeface="Arial"/>
-            </a:endParaRPr>
-          </a:p>
-        </p:txBody>
-      </p:sp>
-      <p:sp>
-        <p:nvSpPr>
-          <p:cNvPr id="26" name="PlaceHolder 4"/>
+            <a:endParaRPr b="0" lang="en-US" sz="3200" spc="-1" strike="noStrike">
+              <a:latin typeface="Arial"/>
+            </a:endParaRPr>
+          </a:p>
+        </p:txBody>
+      </p:sp>
+      <p:sp>
+        <p:nvSpPr>
+          <p:cNvPr id="23" name="PlaceHolder 4"/>
           <p:cNvSpPr>
             <a:spLocks noGrp="1"/>
           </p:cNvSpPr>
@@ -1342,18 +2659,18 @@
         <p:spPr>
           <a:xfrm>
             <a:off x="504000" y="3085560"/>
-            <a:ext cx="9072000" cy="1568160"/>
-          </a:xfrm>
-          <a:prstGeom prst="rect">
-            <a:avLst/>
-          </a:prstGeom>
-        </p:spPr>
-        <p:txBody>
-          <a:bodyPr lIns="0" rIns="0" tIns="0" bIns="0">
-            <a:normAutofit/>
-          </a:bodyPr>
-          <a:p>
-            <a:endParaRPr b="0" lang="en-US" sz="2600" spc="-1" strike="noStrike">
+            <a:ext cx="9071640" cy="1568160"/>
+          </a:xfrm>
+          <a:prstGeom prst="rect">
+            <a:avLst/>
+          </a:prstGeom>
+        </p:spPr>
+        <p:txBody>
+          <a:bodyPr lIns="0" rIns="0" tIns="0" bIns="0">
+            <a:normAutofit/>
+          </a:bodyPr>
+          <a:p>
+            <a:endParaRPr b="0" lang="en-US" sz="3200" spc="-1" strike="noStrike">
               <a:latin typeface="Arial"/>
             </a:endParaRPr>
           </a:p>
@@ -1394,7 +2711,7 @@
         <p:spPr>
           <a:xfrm>
             <a:off x="-58320" y="81000"/>
-            <a:ext cx="7794360" cy="1205640"/>
+            <a:ext cx="7794000" cy="1205280"/>
           </a:xfrm>
           <a:prstGeom prst="rect">
             <a:avLst/>
@@ -1417,7 +2734,7 @@
         <p:spPr>
           <a:xfrm>
             <a:off x="504000" y="216000"/>
-            <a:ext cx="7020000" cy="936000"/>
+            <a:ext cx="7019640" cy="935640"/>
           </a:xfrm>
           <a:prstGeom prst="rect">
             <a:avLst/>
@@ -1427,18 +2744,12 @@
           <a:bodyPr lIns="0" rIns="0" tIns="0" bIns="0" anchor="ctr"/>
           <a:p>
             <a:r>
-              <a:rPr b="0" lang="en-US" sz="3570" spc="-1" strike="noStrike">
-                <a:solidFill>
-                  <a:srgbClr val="ffffff"/>
-                </a:solidFill>
+              <a:rPr b="0" lang="en-US" sz="1800" spc="-1" strike="noStrike">
                 <a:latin typeface="Arial"/>
               </a:rPr>
               <a:t>Click to edit the title text format</a:t>
             </a:r>
-            <a:endParaRPr b="0" lang="en-US" sz="3570" spc="-1" strike="noStrike">
-              <a:solidFill>
-                <a:srgbClr val="ffffff"/>
-              </a:solidFill>
+            <a:endParaRPr b="0" lang="en-US" sz="1800" spc="-1" strike="noStrike">
               <a:latin typeface="Arial"/>
             </a:endParaRPr>
           </a:p>
@@ -1456,8 +2767,8 @@
         </p:nvSpPr>
         <p:spPr>
           <a:xfrm>
-            <a:off x="504000" y="1368000"/>
-            <a:ext cx="9072000" cy="3288240"/>
+            <a:off x="504000" y="1326600"/>
+            <a:ext cx="9072000" cy="3288600"/>
           </a:xfrm>
           <a:prstGeom prst="rect">
             <a:avLst/>
@@ -1469,9 +2780,9 @@
           </a:bodyPr>
           <a:p>
             <a:pPr marL="432000" indent="-324000">
-              <a:spcAft>
-                <a:spcPts val="1148"/>
-              </a:spcAft>
+              <a:spcBef>
+                <a:spcPts val="1417"/>
+              </a:spcBef>
               <a:buClr>
                 <a:srgbClr val="000000"/>
               </a:buClr>
@@ -1480,20 +2791,26 @@
               <a:buChar char=""/>
             </a:pPr>
             <a:r>
-              <a:rPr b="0" lang="en-US" sz="2600" spc="-1" strike="noStrike">
+              <a:rPr b="0" lang="en-US" sz="3200" spc="-1" strike="noStrike">
                 <a:latin typeface="Arial"/>
               </a:rPr>
-              <a:t>Click to edit the outline text format</a:t>
+              <a:t>Click to edit the </a:t>
             </a:r>
-            <a:endParaRPr b="0" lang="en-US" sz="2600" spc="-1" strike="noStrike">
+            <a:r>
+              <a:rPr b="0" lang="en-US" sz="3200" spc="-1" strike="noStrike">
+                <a:latin typeface="Arial"/>
+              </a:rPr>
+              <a:t>outline text format</a:t>
+            </a:r>
+            <a:endParaRPr b="0" lang="en-US" sz="3200" spc="-1" strike="noStrike">
               <a:latin typeface="Arial"/>
             </a:endParaRPr>
           </a:p>
           <a:p>
             <a:pPr lvl="1" marL="864000" indent="-324000">
-              <a:spcAft>
-                <a:spcPts val="918"/>
-              </a:spcAft>
+              <a:spcBef>
+                <a:spcPts val="1134"/>
+              </a:spcBef>
               <a:buClr>
                 <a:srgbClr val="000000"/>
               </a:buClr>
@@ -1502,20 +2819,20 @@
               <a:buChar char=""/>
             </a:pPr>
             <a:r>
-              <a:rPr b="0" lang="en-US" sz="2280" spc="-1" strike="noStrike">
+              <a:rPr b="0" lang="en-US" sz="2800" spc="-1" strike="noStrike">
                 <a:latin typeface="Arial"/>
               </a:rPr>
               <a:t>Second Outline Level</a:t>
             </a:r>
-            <a:endParaRPr b="0" lang="en-US" sz="2280" spc="-1" strike="noStrike">
+            <a:endParaRPr b="0" lang="en-US" sz="2800" spc="-1" strike="noStrike">
               <a:latin typeface="Arial"/>
             </a:endParaRPr>
           </a:p>
           <a:p>
             <a:pPr lvl="2" marL="1296000" indent="-288000">
-              <a:spcAft>
-                <a:spcPts val="689"/>
-              </a:spcAft>
+              <a:spcBef>
+                <a:spcPts val="850"/>
+              </a:spcBef>
               <a:buClr>
                 <a:srgbClr val="000000"/>
               </a:buClr>
@@ -1524,20 +2841,20 @@
               <a:buChar char=""/>
             </a:pPr>
             <a:r>
-              <a:rPr b="0" lang="en-US" sz="1950" spc="-1" strike="noStrike">
+              <a:rPr b="0" lang="en-US" sz="2400" spc="-1" strike="noStrike">
                 <a:latin typeface="Arial"/>
               </a:rPr>
               <a:t>Third Outline Level</a:t>
             </a:r>
-            <a:endParaRPr b="0" lang="en-US" sz="1950" spc="-1" strike="noStrike">
+            <a:endParaRPr b="0" lang="en-US" sz="2400" spc="-1" strike="noStrike">
               <a:latin typeface="Arial"/>
             </a:endParaRPr>
           </a:p>
           <a:p>
             <a:pPr lvl="3" marL="1728000" indent="-216000">
-              <a:spcAft>
-                <a:spcPts val="459"/>
-              </a:spcAft>
+              <a:spcBef>
+                <a:spcPts val="567"/>
+              </a:spcBef>
               <a:buClr>
                 <a:srgbClr val="000000"/>
               </a:buClr>
@@ -1546,20 +2863,20 @@
               <a:buChar char=""/>
             </a:pPr>
             <a:r>
-              <a:rPr b="0" lang="en-US" sz="1629" spc="-1" strike="noStrike">
+              <a:rPr b="0" lang="en-US" sz="2000" spc="-1" strike="noStrike">
                 <a:latin typeface="Arial"/>
               </a:rPr>
               <a:t>Fourth Outline Level</a:t>
             </a:r>
-            <a:endParaRPr b="0" lang="en-US" sz="1629" spc="-1" strike="noStrike">
+            <a:endParaRPr b="0" lang="en-US" sz="2000" spc="-1" strike="noStrike">
               <a:latin typeface="Arial"/>
             </a:endParaRPr>
           </a:p>
           <a:p>
             <a:pPr lvl="4" marL="2160000" indent="-216000">
-              <a:spcAft>
-                <a:spcPts val="230"/>
-              </a:spcAft>
+              <a:spcBef>
+                <a:spcPts val="283"/>
+              </a:spcBef>
               <a:buClr>
                 <a:srgbClr val="000000"/>
               </a:buClr>
@@ -1568,20 +2885,20 @@
               <a:buChar char=""/>
             </a:pPr>
             <a:r>
-              <a:rPr b="0" lang="en-US" sz="1629" spc="-1" strike="noStrike">
+              <a:rPr b="0" lang="en-US" sz="2000" spc="-1" strike="noStrike">
                 <a:latin typeface="Arial"/>
               </a:rPr>
               <a:t>Fifth Outline Level</a:t>
             </a:r>
-            <a:endParaRPr b="0" lang="en-US" sz="1629" spc="-1" strike="noStrike">
+            <a:endParaRPr b="0" lang="en-US" sz="2000" spc="-1" strike="noStrike">
               <a:latin typeface="Arial"/>
             </a:endParaRPr>
           </a:p>
           <a:p>
             <a:pPr lvl="5" marL="2592000" indent="-216000">
-              <a:spcAft>
-                <a:spcPts val="230"/>
-              </a:spcAft>
+              <a:spcBef>
+                <a:spcPts val="283"/>
+              </a:spcBef>
               <a:buClr>
                 <a:srgbClr val="000000"/>
               </a:buClr>
@@ -1590,20 +2907,26 @@
               <a:buChar char=""/>
             </a:pPr>
             <a:r>
-              <a:rPr b="0" lang="en-US" sz="1629" spc="-1" strike="noStrike">
+              <a:rPr b="0" lang="en-US" sz="2000" spc="-1" strike="noStrike">
                 <a:latin typeface="Arial"/>
               </a:rPr>
-              <a:t>Sixth Outline Level</a:t>
+              <a:t>Sixth Outline </a:t>
             </a:r>
-            <a:endParaRPr b="0" lang="en-US" sz="1629" spc="-1" strike="noStrike">
+            <a:r>
+              <a:rPr b="0" lang="en-US" sz="2000" spc="-1" strike="noStrike">
+                <a:latin typeface="Arial"/>
+              </a:rPr>
+              <a:t>Level</a:t>
+            </a:r>
+            <a:endParaRPr b="0" lang="en-US" sz="2000" spc="-1" strike="noStrike">
               <a:latin typeface="Arial"/>
             </a:endParaRPr>
           </a:p>
           <a:p>
             <a:pPr lvl="6" marL="3024000" indent="-216000">
-              <a:spcAft>
-                <a:spcPts val="230"/>
-              </a:spcAft>
+              <a:spcBef>
+                <a:spcPts val="283"/>
+              </a:spcBef>
               <a:buClr>
                 <a:srgbClr val="000000"/>
               </a:buClr>
@@ -1612,116 +2935,24 @@
               <a:buChar char=""/>
             </a:pPr>
             <a:r>
-              <a:rPr b="0" lang="en-US" sz="1629" spc="-1" strike="noStrike">
+              <a:rPr b="0" lang="en-US" sz="2000" spc="-1" strike="noStrike">
                 <a:latin typeface="Arial"/>
               </a:rPr>
-              <a:t>Seventh Outline Level</a:t>
+              <a:t>Seventh </a:t>
             </a:r>
-            <a:endParaRPr b="0" lang="en-US" sz="1629" spc="-1" strike="noStrike">
-              <a:latin typeface="Arial"/>
-            </a:endParaRPr>
-          </a:p>
-        </p:txBody>
-      </p:sp>
-      <p:sp>
-        <p:nvSpPr>
-          <p:cNvPr id="3" name="PlaceHolder 3"/>
-          <p:cNvSpPr>
-            <a:spLocks noGrp="1"/>
-          </p:cNvSpPr>
-          <p:nvPr>
-            <p:ph type="dt"/>
-          </p:nvPr>
-        </p:nvSpPr>
-        <p:spPr>
-          <a:xfrm>
-            <a:off x="504000" y="5164920"/>
-            <a:ext cx="2348280" cy="390600"/>
-          </a:xfrm>
-          <a:prstGeom prst="rect">
-            <a:avLst/>
-          </a:prstGeom>
-        </p:spPr>
-        <p:txBody>
-          <a:bodyPr lIns="0" rIns="0" tIns="0" bIns="0"/>
-          <a:p>
             <a:r>
-              <a:rPr b="0" lang="en-US" sz="1400" spc="-1" strike="noStrike">
+              <a:rPr b="0" lang="en-US" sz="2000" spc="-1" strike="noStrike">
                 <a:latin typeface="Arial"/>
               </a:rPr>
-              <a:t>&lt;date/time&gt;</a:t>
+              <a:t>Outline </a:t>
             </a:r>
-            <a:endParaRPr b="0" lang="en-US" sz="1400" spc="-1" strike="noStrike">
-              <a:latin typeface="Arial"/>
-            </a:endParaRPr>
-          </a:p>
-        </p:txBody>
-      </p:sp>
-      <p:sp>
-        <p:nvSpPr>
-          <p:cNvPr id="4" name="PlaceHolder 4"/>
-          <p:cNvSpPr>
-            <a:spLocks noGrp="1"/>
-          </p:cNvSpPr>
-          <p:nvPr>
-            <p:ph type="ftr"/>
-          </p:nvPr>
-        </p:nvSpPr>
-        <p:spPr>
-          <a:xfrm>
-            <a:off x="3447000" y="5164920"/>
-            <a:ext cx="3195000" cy="390600"/>
-          </a:xfrm>
-          <a:prstGeom prst="rect">
-            <a:avLst/>
-          </a:prstGeom>
-        </p:spPr>
-        <p:txBody>
-          <a:bodyPr lIns="0" rIns="0" tIns="0" bIns="0"/>
-          <a:p>
-            <a:pPr algn="ctr"/>
             <a:r>
-              <a:rPr b="0" lang="en-US" sz="1400" spc="-1" strike="noStrike">
+              <a:rPr b="0" lang="en-US" sz="2000" spc="-1" strike="noStrike">
                 <a:latin typeface="Arial"/>
               </a:rPr>
-              <a:t>&lt;footer&gt;</a:t>
+              <a:t>Level</a:t>
             </a:r>
-            <a:endParaRPr b="0" lang="en-US" sz="1400" spc="-1" strike="noStrike">
-              <a:latin typeface="Arial"/>
-            </a:endParaRPr>
-          </a:p>
-        </p:txBody>
-      </p:sp>
-      <p:sp>
-        <p:nvSpPr>
-          <p:cNvPr id="5" name="PlaceHolder 5"/>
-          <p:cNvSpPr>
-            <a:spLocks noGrp="1"/>
-          </p:cNvSpPr>
-          <p:nvPr>
-            <p:ph type="sldNum"/>
-          </p:nvPr>
-        </p:nvSpPr>
-        <p:spPr>
-          <a:xfrm>
-            <a:off x="7227000" y="5164920"/>
-            <a:ext cx="2348280" cy="390600"/>
-          </a:xfrm>
-          <a:prstGeom prst="rect">
-            <a:avLst/>
-          </a:prstGeom>
-        </p:spPr>
-        <p:txBody>
-          <a:bodyPr lIns="0" rIns="0" tIns="0" bIns="0"/>
-          <a:p>
-            <a:pPr algn="r"/>
-            <a:fld id="{8F78E287-7DFA-428C-8B60-78F38F155207}" type="slidenum">
-              <a:rPr b="0" lang="en-US" sz="1400" spc="-1" strike="noStrike">
-                <a:latin typeface="Arial"/>
-              </a:rPr>
-              <a:t>&lt;number&gt;</a:t>
-            </a:fld>
-            <a:endParaRPr b="0" lang="en-US" sz="1400" spc="-1" strike="noStrike">
+            <a:endParaRPr b="0" lang="en-US" sz="2000" spc="-1" strike="noStrike">
               <a:latin typeface="Arial"/>
             </a:endParaRPr>
           </a:p>
@@ -1743,6 +2974,279 @@
     <p:sldLayoutId id="2147483658" r:id="rId12"/>
     <p:sldLayoutId id="2147483659" r:id="rId13"/>
     <p:sldLayoutId id="2147483660" r:id="rId14"/>
+  </p:sldLayoutIdLst>
+</p:sldMaster>
+</file>
+
+<file path=ppt/slideMasters/slideMaster2.xml><?xml version="1.0" encoding="utf-8"?>
+<p:sldMaster xmlns:a="http://schemas.openxmlformats.org/drawingml/2006/main" xmlns:p="http://schemas.openxmlformats.org/presentationml/2006/main" xmlns:r="http://schemas.openxmlformats.org/officeDocument/2006/relationships" xmlns:p14="http://schemas.microsoft.com/office/powerpoint/2010/main" xmlns:p15="http://schemas.microsoft.com/office/powerpoint/2012/main" xmlns:mc="http://schemas.openxmlformats.org/markup-compatibility/2006">
+  <p:cSld>
+    <p:spTree>
+      <p:nvGrpSpPr>
+        <p:cNvPr id="1" name=""/>
+        <p:cNvGrpSpPr/>
+        <p:nvPr/>
+      </p:nvGrpSpPr>
+      <p:grpSpPr>
+        <a:xfrm>
+          <a:off x="0" y="0"/>
+          <a:ext cx="0" cy="0"/>
+          <a:chOff x="0" y="0"/>
+          <a:chExt cx="0" cy="0"/>
+        </a:xfrm>
+      </p:grpSpPr>
+      <p:pic>
+        <p:nvPicPr>
+          <p:cNvPr id="39" name="" descr=""/>
+          <p:cNvPicPr/>
+          <p:nvPr/>
+        </p:nvPicPr>
+        <p:blipFill>
+          <a:blip r:embed="rId2"/>
+          <a:stretch/>
+        </p:blipFill>
+        <p:spPr>
+          <a:xfrm>
+            <a:off x="-58320" y="81000"/>
+            <a:ext cx="7794000" cy="1205280"/>
+          </a:xfrm>
+          <a:prstGeom prst="rect">
+            <a:avLst/>
+          </a:prstGeom>
+          <a:ln>
+            <a:noFill/>
+          </a:ln>
+        </p:spPr>
+      </p:pic>
+      <p:sp>
+        <p:nvSpPr>
+          <p:cNvPr id="40" name="PlaceHolder 1"/>
+          <p:cNvSpPr>
+            <a:spLocks noGrp="1"/>
+          </p:cNvSpPr>
+          <p:nvPr>
+            <p:ph type="title"/>
+          </p:nvPr>
+        </p:nvSpPr>
+        <p:spPr>
+          <a:xfrm>
+            <a:off x="504000" y="216000"/>
+            <a:ext cx="7019640" cy="935640"/>
+          </a:xfrm>
+          <a:prstGeom prst="rect">
+            <a:avLst/>
+          </a:prstGeom>
+        </p:spPr>
+        <p:txBody>
+          <a:bodyPr lIns="0" rIns="0" tIns="0" bIns="0" anchor="ctr"/>
+          <a:p>
+            <a:r>
+              <a:rPr b="0" lang="en-US" sz="1800" spc="-1" strike="noStrike">
+                <a:latin typeface="Arial"/>
+              </a:rPr>
+              <a:t>Click to edit the title text format</a:t>
+            </a:r>
+            <a:endParaRPr b="0" lang="en-US" sz="1800" spc="-1" strike="noStrike">
+              <a:latin typeface="Arial"/>
+            </a:endParaRPr>
+          </a:p>
+        </p:txBody>
+      </p:sp>
+      <p:sp>
+        <p:nvSpPr>
+          <p:cNvPr id="41" name="PlaceHolder 2"/>
+          <p:cNvSpPr>
+            <a:spLocks noGrp="1"/>
+          </p:cNvSpPr>
+          <p:nvPr>
+            <p:ph type="body"/>
+          </p:nvPr>
+        </p:nvSpPr>
+        <p:spPr>
+          <a:xfrm>
+            <a:off x="504000" y="1368000"/>
+            <a:ext cx="9071640" cy="3287880"/>
+          </a:xfrm>
+          <a:prstGeom prst="rect">
+            <a:avLst/>
+          </a:prstGeom>
+        </p:spPr>
+        <p:txBody>
+          <a:bodyPr lIns="0" rIns="0" tIns="0" bIns="0">
+            <a:normAutofit/>
+          </a:bodyPr>
+          <a:p>
+            <a:pPr marL="432000" indent="-324000">
+              <a:spcBef>
+                <a:spcPts val="1417"/>
+              </a:spcBef>
+              <a:buClr>
+                <a:srgbClr val="000000"/>
+              </a:buClr>
+              <a:buSzPct val="45000"/>
+              <a:buFont typeface="Wingdings" charset="2"/>
+              <a:buChar char=""/>
+            </a:pPr>
+            <a:r>
+              <a:rPr b="0" lang="en-US" sz="1800" spc="-1" strike="noStrike">
+                <a:latin typeface="Arial"/>
+              </a:rPr>
+              <a:t>Click to edit the outline text format</a:t>
+            </a:r>
+            <a:endParaRPr b="0" lang="en-US" sz="1800" spc="-1" strike="noStrike">
+              <a:latin typeface="Arial"/>
+            </a:endParaRPr>
+          </a:p>
+          <a:p>
+            <a:pPr lvl="1" marL="864000" indent="-324000">
+              <a:spcBef>
+                <a:spcPts val="1134"/>
+              </a:spcBef>
+              <a:buClr>
+                <a:srgbClr val="000000"/>
+              </a:buClr>
+              <a:buSzPct val="75000"/>
+              <a:buFont typeface="Symbol" charset="2"/>
+              <a:buChar char=""/>
+            </a:pPr>
+            <a:r>
+              <a:rPr b="0" lang="en-US" sz="1800" spc="-1" strike="noStrike">
+                <a:latin typeface="Arial"/>
+              </a:rPr>
+              <a:t>Second Outline Level</a:t>
+            </a:r>
+            <a:endParaRPr b="0" lang="en-US" sz="1800" spc="-1" strike="noStrike">
+              <a:latin typeface="Arial"/>
+            </a:endParaRPr>
+          </a:p>
+          <a:p>
+            <a:pPr lvl="2" marL="1296000" indent="-288000">
+              <a:spcBef>
+                <a:spcPts val="850"/>
+              </a:spcBef>
+              <a:buClr>
+                <a:srgbClr val="000000"/>
+              </a:buClr>
+              <a:buSzPct val="45000"/>
+              <a:buFont typeface="Wingdings" charset="2"/>
+              <a:buChar char=""/>
+            </a:pPr>
+            <a:r>
+              <a:rPr b="0" lang="en-US" sz="1800" spc="-1" strike="noStrike">
+                <a:latin typeface="Arial"/>
+              </a:rPr>
+              <a:t>Third Outline Level</a:t>
+            </a:r>
+            <a:endParaRPr b="0" lang="en-US" sz="1800" spc="-1" strike="noStrike">
+              <a:latin typeface="Arial"/>
+            </a:endParaRPr>
+          </a:p>
+          <a:p>
+            <a:pPr lvl="3" marL="1728000" indent="-216000">
+              <a:spcBef>
+                <a:spcPts val="567"/>
+              </a:spcBef>
+              <a:buClr>
+                <a:srgbClr val="000000"/>
+              </a:buClr>
+              <a:buSzPct val="75000"/>
+              <a:buFont typeface="Symbol" charset="2"/>
+              <a:buChar char=""/>
+            </a:pPr>
+            <a:r>
+              <a:rPr b="0" lang="en-US" sz="1800" spc="-1" strike="noStrike">
+                <a:latin typeface="Arial"/>
+              </a:rPr>
+              <a:t>Fourth Outline Level</a:t>
+            </a:r>
+            <a:endParaRPr b="0" lang="en-US" sz="1800" spc="-1" strike="noStrike">
+              <a:latin typeface="Arial"/>
+            </a:endParaRPr>
+          </a:p>
+          <a:p>
+            <a:pPr lvl="4" marL="2160000" indent="-216000">
+              <a:spcBef>
+                <a:spcPts val="283"/>
+              </a:spcBef>
+              <a:buClr>
+                <a:srgbClr val="000000"/>
+              </a:buClr>
+              <a:buSzPct val="45000"/>
+              <a:buFont typeface="Wingdings" charset="2"/>
+              <a:buChar char=""/>
+            </a:pPr>
+            <a:r>
+              <a:rPr b="0" lang="en-US" sz="1800" spc="-1" strike="noStrike">
+                <a:latin typeface="Arial"/>
+              </a:rPr>
+              <a:t>Fifth Outline Level</a:t>
+            </a:r>
+            <a:endParaRPr b="0" lang="en-US" sz="1800" spc="-1" strike="noStrike">
+              <a:latin typeface="Arial"/>
+            </a:endParaRPr>
+          </a:p>
+          <a:p>
+            <a:pPr lvl="5" marL="2592000" indent="-216000">
+              <a:spcBef>
+                <a:spcPts val="283"/>
+              </a:spcBef>
+              <a:buClr>
+                <a:srgbClr val="000000"/>
+              </a:buClr>
+              <a:buSzPct val="45000"/>
+              <a:buFont typeface="Wingdings" charset="2"/>
+              <a:buChar char=""/>
+            </a:pPr>
+            <a:r>
+              <a:rPr b="0" lang="en-US" sz="1800" spc="-1" strike="noStrike">
+                <a:latin typeface="Arial"/>
+              </a:rPr>
+              <a:t>Sixth Outline Level</a:t>
+            </a:r>
+            <a:endParaRPr b="0" lang="en-US" sz="1800" spc="-1" strike="noStrike">
+              <a:latin typeface="Arial"/>
+            </a:endParaRPr>
+          </a:p>
+          <a:p>
+            <a:pPr lvl="6" marL="3024000" indent="-216000">
+              <a:spcBef>
+                <a:spcPts val="283"/>
+              </a:spcBef>
+              <a:buClr>
+                <a:srgbClr val="000000"/>
+              </a:buClr>
+              <a:buSzPct val="45000"/>
+              <a:buFont typeface="Wingdings" charset="2"/>
+              <a:buChar char=""/>
+            </a:pPr>
+            <a:r>
+              <a:rPr b="0" lang="en-US" sz="1800" spc="-1" strike="noStrike">
+                <a:latin typeface="Arial"/>
+              </a:rPr>
+              <a:t>Seventh Outline Level</a:t>
+            </a:r>
+            <a:endParaRPr b="0" lang="en-US" sz="1800" spc="-1" strike="noStrike">
+              <a:latin typeface="Arial"/>
+            </a:endParaRPr>
+          </a:p>
+        </p:txBody>
+      </p:sp>
+    </p:spTree>
+  </p:cSld>
+  <p:clrMap bg1="lt1" bg2="lt2" tx1="dk1" tx2="dk2" accent1="accent1" accent2="accent2" accent3="accent3" accent4="accent4" accent5="accent5" accent6="accent6" hlink="hlink" folHlink="folHlink"/>
+  <p:sldLayoutIdLst>
+    <p:sldLayoutId id="2147483662" r:id="rId3"/>
+    <p:sldLayoutId id="2147483663" r:id="rId4"/>
+    <p:sldLayoutId id="2147483664" r:id="rId5"/>
+    <p:sldLayoutId id="2147483665" r:id="rId6"/>
+    <p:sldLayoutId id="2147483666" r:id="rId7"/>
+    <p:sldLayoutId id="2147483667" r:id="rId8"/>
+    <p:sldLayoutId id="2147483668" r:id="rId9"/>
+    <p:sldLayoutId id="2147483669" r:id="rId10"/>
+    <p:sldLayoutId id="2147483670" r:id="rId11"/>
+    <p:sldLayoutId id="2147483671" r:id="rId12"/>
+    <p:sldLayoutId id="2147483672" r:id="rId13"/>
+    <p:sldLayoutId id="2147483673" r:id="rId14"/>
   </p:sldLayoutIdLst>
 </p:sldMaster>
 </file>
@@ -1766,14 +3270,14 @@
       </p:grpSpPr>
       <p:sp>
         <p:nvSpPr>
-          <p:cNvPr id="42" name="TextShape 1"/>
-          <p:cNvSpPr txBox="1"/>
+          <p:cNvPr id="78" name="CustomShape 1"/>
+          <p:cNvSpPr/>
           <p:nvPr/>
         </p:nvSpPr>
         <p:spPr>
           <a:xfrm>
             <a:off x="504000" y="177840"/>
-            <a:ext cx="7020000" cy="1012680"/>
+            <a:ext cx="7019640" cy="1012320"/>
           </a:xfrm>
           <a:prstGeom prst="rect">
             <a:avLst/>
@@ -1783,9 +3287,20 @@
             <a:noFill/>
           </a:ln>
         </p:spPr>
+        <p:style>
+          <a:lnRef idx="0"/>
+          <a:fillRef idx="0"/>
+          <a:effectRef idx="0"/>
+          <a:fontRef idx="minor"/>
+        </p:style>
         <p:txBody>
           <a:bodyPr lIns="0" rIns="0" tIns="0" bIns="0" anchor="ctr"/>
           <a:p>
+            <a:pPr>
+              <a:lnSpc>
+                <a:spcPct val="100000"/>
+              </a:lnSpc>
+            </a:pPr>
             <a:r>
               <a:rPr b="0" lang="en-US" sz="3570" spc="-1" strike="noStrike">
                 <a:solidFill>
@@ -1796,24 +3311,21 @@
               <a:t>Αναλογικές μετρήσεις Python/Atmega</a:t>
             </a:r>
             <a:endParaRPr b="0" lang="en-US" sz="3570" spc="-1" strike="noStrike">
-              <a:solidFill>
-                <a:srgbClr val="ffffff"/>
-              </a:solidFill>
-              <a:latin typeface="Arial"/>
-            </a:endParaRPr>
-          </a:p>
-        </p:txBody>
-      </p:sp>
-      <p:sp>
-        <p:nvSpPr>
-          <p:cNvPr id="43" name="TextShape 2"/>
-          <p:cNvSpPr txBox="1"/>
+              <a:latin typeface="Arial"/>
+            </a:endParaRPr>
+          </a:p>
+        </p:txBody>
+      </p:sp>
+      <p:sp>
+        <p:nvSpPr>
+          <p:cNvPr id="79" name="CustomShape 2"/>
+          <p:cNvSpPr/>
           <p:nvPr/>
         </p:nvSpPr>
         <p:spPr>
           <a:xfrm>
             <a:off x="504000" y="1368000"/>
-            <a:ext cx="9072000" cy="3288240"/>
+            <a:ext cx="9071640" cy="3287880"/>
           </a:xfrm>
           <a:prstGeom prst="rect">
             <a:avLst/>
@@ -1823,10 +3335,26 @@
             <a:noFill/>
           </a:ln>
         </p:spPr>
+        <p:style>
+          <a:lnRef idx="0"/>
+          <a:fillRef idx="0"/>
+          <a:effectRef idx="0"/>
+          <a:fontRef idx="minor"/>
+        </p:style>
         <p:txBody>
           <a:bodyPr lIns="0" rIns="0" tIns="0" bIns="0" anchor="ctr"/>
           <a:p>
-            <a:pPr algn="ctr"/>
+            <a:pPr algn="ctr">
+              <a:lnSpc>
+                <a:spcPct val="100000"/>
+              </a:lnSpc>
+            </a:pPr>
+            <a:r>
+              <a:rPr b="0" lang="en-US" sz="3200" spc="-1" strike="noStrike">
+                <a:latin typeface="Arial"/>
+              </a:rPr>
+              <a:t>Σύνδεση και επικοινωνία εντός ATMega16a με αισθητήρα LM35 και αποστολή των δεδομένων μέσω  UART</a:t>
+            </a:r>
             <a:endParaRPr b="0" lang="en-US" sz="3200" spc="-1" strike="noStrike">
               <a:latin typeface="Arial"/>
             </a:endParaRPr>
@@ -1862,6 +3390,565 @@
       </p:par>
     </p:tnLst>
   </p:timing>
+</p:sld>
+</file>
+
+<file path=ppt/slides/slide2.xml><?xml version="1.0" encoding="utf-8"?>
+<p:sld xmlns:a="http://schemas.openxmlformats.org/drawingml/2006/main" xmlns:p="http://schemas.openxmlformats.org/presentationml/2006/main" xmlns:r="http://schemas.openxmlformats.org/officeDocument/2006/relationships" xmlns:p14="http://schemas.microsoft.com/office/powerpoint/2010/main" xmlns:p15="http://schemas.microsoft.com/office/powerpoint/2012/main" xmlns:mc="http://schemas.openxmlformats.org/markup-compatibility/2006">
+  <p:cSld>
+    <p:spTree>
+      <p:nvGrpSpPr>
+        <p:cNvPr id="1" name=""/>
+        <p:cNvGrpSpPr/>
+        <p:nvPr/>
+      </p:nvGrpSpPr>
+      <p:grpSpPr>
+        <a:xfrm>
+          <a:off x="0" y="0"/>
+          <a:ext cx="0" cy="0"/>
+          <a:chOff x="0" y="0"/>
+          <a:chExt cx="0" cy="0"/>
+        </a:xfrm>
+      </p:grpSpPr>
+      <p:sp>
+        <p:nvSpPr>
+          <p:cNvPr id="80" name="CustomShape 1"/>
+          <p:cNvSpPr/>
+          <p:nvPr/>
+        </p:nvSpPr>
+        <p:spPr>
+          <a:xfrm>
+            <a:off x="504000" y="216000"/>
+            <a:ext cx="7019640" cy="935640"/>
+          </a:xfrm>
+          <a:prstGeom prst="rect">
+            <a:avLst/>
+          </a:prstGeom>
+          <a:noFill/>
+          <a:ln>
+            <a:noFill/>
+          </a:ln>
+        </p:spPr>
+        <p:style>
+          <a:lnRef idx="0"/>
+          <a:fillRef idx="0"/>
+          <a:effectRef idx="0"/>
+          <a:fontRef idx="minor"/>
+        </p:style>
+        <p:txBody>
+          <a:bodyPr lIns="0" rIns="0" tIns="0" bIns="0" anchor="ctr"/>
+          <a:p>
+            <a:pPr>
+              <a:lnSpc>
+                <a:spcPct val="100000"/>
+              </a:lnSpc>
+            </a:pPr>
+            <a:r>
+              <a:rPr b="0" lang="en-US" sz="3570" spc="-1" strike="noStrike">
+                <a:solidFill>
+                  <a:srgbClr val="ffffff"/>
+                </a:solidFill>
+                <a:latin typeface="Arial"/>
+              </a:rPr>
+              <a:t>Required Hardware</a:t>
+            </a:r>
+            <a:endParaRPr b="0" lang="en-US" sz="3570" spc="-1" strike="noStrike">
+              <a:latin typeface="Arial"/>
+            </a:endParaRPr>
+          </a:p>
+        </p:txBody>
+      </p:sp>
+      <p:sp>
+        <p:nvSpPr>
+          <p:cNvPr id="81" name="CustomShape 2"/>
+          <p:cNvSpPr/>
+          <p:nvPr/>
+        </p:nvSpPr>
+        <p:spPr>
+          <a:xfrm>
+            <a:off x="504000" y="1368000"/>
+            <a:ext cx="9071640" cy="3287880"/>
+          </a:xfrm>
+          <a:prstGeom prst="rect">
+            <a:avLst/>
+          </a:prstGeom>
+          <a:noFill/>
+          <a:ln>
+            <a:noFill/>
+          </a:ln>
+        </p:spPr>
+        <p:style>
+          <a:lnRef idx="0"/>
+          <a:fillRef idx="0"/>
+          <a:effectRef idx="0"/>
+          <a:fontRef idx="minor"/>
+        </p:style>
+        <p:txBody>
+          <a:bodyPr lIns="0" rIns="0" tIns="0" bIns="0">
+            <a:normAutofit/>
+          </a:bodyPr>
+          <a:p>
+            <a:pPr marL="432000" indent="-323640">
+              <a:lnSpc>
+                <a:spcPct val="100000"/>
+              </a:lnSpc>
+              <a:spcAft>
+                <a:spcPts val="1148"/>
+              </a:spcAft>
+              <a:buClr>
+                <a:srgbClr val="000000"/>
+              </a:buClr>
+              <a:buSzPct val="45000"/>
+              <a:buFont typeface="Wingdings" charset="2"/>
+              <a:buChar char=""/>
+            </a:pPr>
+            <a:r>
+              <a:rPr b="0" lang="en-US" sz="2600" spc="-1" strike="noStrike">
+                <a:latin typeface="Arial"/>
+              </a:rPr>
+              <a:t>ATMega16a</a:t>
+            </a:r>
+            <a:endParaRPr b="0" lang="en-US" sz="2600" spc="-1" strike="noStrike">
+              <a:latin typeface="Arial"/>
+            </a:endParaRPr>
+          </a:p>
+          <a:p>
+            <a:pPr marL="432000" indent="-323640">
+              <a:lnSpc>
+                <a:spcPct val="100000"/>
+              </a:lnSpc>
+              <a:spcAft>
+                <a:spcPts val="1148"/>
+              </a:spcAft>
+              <a:buClr>
+                <a:srgbClr val="000000"/>
+              </a:buClr>
+              <a:buSzPct val="45000"/>
+              <a:buFont typeface="Wingdings" charset="2"/>
+              <a:buChar char=""/>
+            </a:pPr>
+            <a:r>
+              <a:rPr b="0" lang="en-US" sz="2600" spc="-1" strike="noStrike">
+                <a:latin typeface="Arial"/>
+              </a:rPr>
+              <a:t> </a:t>
+            </a:r>
+            <a:r>
+              <a:rPr b="0" lang="en-US" sz="2600" spc="-1" strike="noStrike">
+                <a:latin typeface="Arial"/>
+              </a:rPr>
+              <a:t>LM35</a:t>
+            </a:r>
+            <a:endParaRPr b="0" lang="en-US" sz="2600" spc="-1" strike="noStrike">
+              <a:latin typeface="Arial"/>
+            </a:endParaRPr>
+          </a:p>
+          <a:p>
+            <a:pPr marL="432000" indent="-323640">
+              <a:lnSpc>
+                <a:spcPct val="100000"/>
+              </a:lnSpc>
+              <a:spcAft>
+                <a:spcPts val="1148"/>
+              </a:spcAft>
+              <a:buClr>
+                <a:srgbClr val="000000"/>
+              </a:buClr>
+              <a:buSzPct val="45000"/>
+              <a:buFont typeface="Wingdings" charset="2"/>
+              <a:buChar char=""/>
+            </a:pPr>
+            <a:r>
+              <a:rPr b="0" lang="en-US" sz="2600" spc="-1" strike="noStrike">
+                <a:latin typeface="Arial"/>
+              </a:rPr>
+              <a:t>UART compatible device(FT232)</a:t>
+            </a:r>
+            <a:endParaRPr b="0" lang="en-US" sz="2600" spc="-1" strike="noStrike">
+              <a:latin typeface="Arial"/>
+            </a:endParaRPr>
+          </a:p>
+          <a:p>
+            <a:pPr marL="432000" indent="-323640">
+              <a:lnSpc>
+                <a:spcPct val="100000"/>
+              </a:lnSpc>
+              <a:spcAft>
+                <a:spcPts val="1148"/>
+              </a:spcAft>
+              <a:buClr>
+                <a:srgbClr val="000000"/>
+              </a:buClr>
+              <a:buSzPct val="45000"/>
+              <a:buFont typeface="Wingdings" charset="2"/>
+              <a:buChar char=""/>
+            </a:pPr>
+            <a:r>
+              <a:rPr b="0" lang="en-US" sz="2600" spc="-1" strike="noStrike">
+                <a:latin typeface="Arial"/>
+              </a:rPr>
+              <a:t>USBASP  v2.0</a:t>
+            </a:r>
+            <a:endParaRPr b="0" lang="en-US" sz="2600" spc="-1" strike="noStrike">
+              <a:latin typeface="Arial"/>
+            </a:endParaRPr>
+          </a:p>
+          <a:p>
+            <a:pPr marL="432000" indent="-323640">
+              <a:lnSpc>
+                <a:spcPct val="100000"/>
+              </a:lnSpc>
+              <a:spcAft>
+                <a:spcPts val="1148"/>
+              </a:spcAft>
+              <a:buClr>
+                <a:srgbClr val="000000"/>
+              </a:buClr>
+              <a:buSzPct val="45000"/>
+              <a:buFont typeface="Wingdings" charset="2"/>
+              <a:buChar char=""/>
+            </a:pPr>
+            <a:r>
+              <a:rPr b="0" lang="en-US" sz="2600" spc="-1" strike="noStrike">
+                <a:latin typeface="Arial"/>
+              </a:rPr>
+              <a:t>Breadboard</a:t>
+            </a:r>
+            <a:endParaRPr b="0" lang="en-US" sz="2600" spc="-1" strike="noStrike">
+              <a:latin typeface="Arial"/>
+            </a:endParaRPr>
+          </a:p>
+        </p:txBody>
+      </p:sp>
+    </p:spTree>
+  </p:cSld>
+  <p:timing>
+    <p:tnLst>
+      <p:par>
+        <p:cTn id="3" dur="indefinite" restart="never" nodeType="tmRoot">
+          <p:childTnLst>
+            <p:seq>
+              <p:cTn id="4" dur="indefinite" nodeType="mainSeq"/>
+              <p:prevCondLst>
+                <p:cond delay="0" evt="onPrev">
+                  <p:tgtEl>
+                    <p:sldTgt/>
+                  </p:tgtEl>
+                </p:cond>
+              </p:prevCondLst>
+              <p:nextCondLst>
+                <p:cond delay="0" evt="onNext">
+                  <p:tgtEl>
+                    <p:sldTgt/>
+                  </p:tgtEl>
+                </p:cond>
+              </p:nextCondLst>
+            </p:seq>
+          </p:childTnLst>
+        </p:cTn>
+      </p:par>
+    </p:tnLst>
+  </p:timing>
+</p:sld>
+</file>
+
+<file path=ppt/slides/slide3.xml><?xml version="1.0" encoding="utf-8"?>
+<p:sld xmlns:a="http://schemas.openxmlformats.org/drawingml/2006/main" xmlns:p="http://schemas.openxmlformats.org/presentationml/2006/main" xmlns:r="http://schemas.openxmlformats.org/officeDocument/2006/relationships" xmlns:p14="http://schemas.microsoft.com/office/powerpoint/2010/main" xmlns:p15="http://schemas.microsoft.com/office/powerpoint/2012/main" xmlns:mc="http://schemas.openxmlformats.org/markup-compatibility/2006">
+  <p:cSld>
+    <p:spTree>
+      <p:nvGrpSpPr>
+        <p:cNvPr id="1" name=""/>
+        <p:cNvGrpSpPr/>
+        <p:nvPr/>
+      </p:nvGrpSpPr>
+      <p:grpSpPr>
+        <a:xfrm>
+          <a:off x="0" y="0"/>
+          <a:ext cx="0" cy="0"/>
+          <a:chOff x="0" y="0"/>
+          <a:chExt cx="0" cy="0"/>
+        </a:xfrm>
+      </p:grpSpPr>
+      <p:sp>
+        <p:nvSpPr>
+          <p:cNvPr id="82" name="TextShape 1"/>
+          <p:cNvSpPr txBox="1"/>
+          <p:nvPr/>
+        </p:nvSpPr>
+        <p:spPr>
+          <a:xfrm>
+            <a:off x="504000" y="216000"/>
+            <a:ext cx="7019640" cy="935640"/>
+          </a:xfrm>
+          <a:prstGeom prst="rect">
+            <a:avLst/>
+          </a:prstGeom>
+          <a:noFill/>
+          <a:ln>
+            <a:noFill/>
+          </a:ln>
+        </p:spPr>
+        <p:txBody>
+          <a:bodyPr lIns="0" rIns="0" tIns="0" bIns="0" anchor="ctr"/>
+          <a:p>
+            <a:pPr algn="ctr"/>
+            <a:r>
+              <a:rPr b="0" lang="en-US" sz="4400" spc="-1" strike="noStrike">
+                <a:latin typeface="Arial"/>
+              </a:rPr>
+              <a:t>Electric Circuit Diagram</a:t>
+            </a:r>
+            <a:endParaRPr b="0" lang="en-US" sz="4400" spc="-1" strike="noStrike">
+              <a:latin typeface="Arial"/>
+            </a:endParaRPr>
+          </a:p>
+        </p:txBody>
+      </p:sp>
+      <p:pic>
+        <p:nvPicPr>
+          <p:cNvPr id="83" name="" descr=""/>
+          <p:cNvPicPr/>
+          <p:nvPr/>
+        </p:nvPicPr>
+        <p:blipFill>
+          <a:blip r:embed="rId1"/>
+          <a:stretch/>
+        </p:blipFill>
+        <p:spPr>
+          <a:xfrm>
+            <a:off x="2377440" y="1409040"/>
+            <a:ext cx="5394960" cy="4168800"/>
+          </a:xfrm>
+          <a:prstGeom prst="rect">
+            <a:avLst/>
+          </a:prstGeom>
+          <a:ln>
+            <a:noFill/>
+          </a:ln>
+        </p:spPr>
+      </p:pic>
+    </p:spTree>
+  </p:cSld>
+  <p:timing>
+    <p:tnLst>
+      <p:par>
+        <p:cTn id="5" dur="indefinite" restart="never" nodeType="tmRoot">
+          <p:childTnLst>
+            <p:seq>
+              <p:cTn id="6" dur="indefinite" nodeType="mainSeq"/>
+              <p:prevCondLst>
+                <p:cond delay="0" evt="onPrev">
+                  <p:tgtEl>
+                    <p:sldTgt/>
+                  </p:tgtEl>
+                </p:cond>
+              </p:prevCondLst>
+              <p:nextCondLst>
+                <p:cond delay="0" evt="onNext">
+                  <p:tgtEl>
+                    <p:sldTgt/>
+                  </p:tgtEl>
+                </p:cond>
+              </p:nextCondLst>
+            </p:seq>
+          </p:childTnLst>
+        </p:cTn>
+      </p:par>
+    </p:tnLst>
+  </p:timing>
+</p:sld>
+</file>
+
+<file path=ppt/slides/slide4.xml><?xml version="1.0" encoding="utf-8"?>
+<p:sld xmlns:a="http://schemas.openxmlformats.org/drawingml/2006/main" xmlns:p="http://schemas.openxmlformats.org/presentationml/2006/main" xmlns:r="http://schemas.openxmlformats.org/officeDocument/2006/relationships" xmlns:p14="http://schemas.microsoft.com/office/powerpoint/2010/main" xmlns:p15="http://schemas.microsoft.com/office/powerpoint/2012/main" xmlns:mc="http://schemas.openxmlformats.org/markup-compatibility/2006">
+  <p:cSld>
+    <p:spTree>
+      <p:nvGrpSpPr>
+        <p:cNvPr id="1" name=""/>
+        <p:cNvGrpSpPr/>
+        <p:nvPr/>
+      </p:nvGrpSpPr>
+      <p:grpSpPr>
+        <a:xfrm>
+          <a:off x="0" y="0"/>
+          <a:ext cx="0" cy="0"/>
+          <a:chOff x="0" y="0"/>
+          <a:chExt cx="0" cy="0"/>
+        </a:xfrm>
+      </p:grpSpPr>
+      <p:sp>
+        <p:nvSpPr>
+          <p:cNvPr id="84" name="TextShape 1"/>
+          <p:cNvSpPr txBox="1"/>
+          <p:nvPr/>
+        </p:nvSpPr>
+        <p:spPr>
+          <a:xfrm>
+            <a:off x="504000" y="216000"/>
+            <a:ext cx="7019640" cy="935640"/>
+          </a:xfrm>
+          <a:prstGeom prst="rect">
+            <a:avLst/>
+          </a:prstGeom>
+          <a:noFill/>
+          <a:ln>
+            <a:noFill/>
+          </a:ln>
+        </p:spPr>
+        <p:txBody>
+          <a:bodyPr lIns="0" rIns="0" tIns="0" bIns="0" anchor="ctr"/>
+          <a:p>
+            <a:pPr algn="ctr"/>
+            <a:r>
+              <a:rPr b="0" lang="en-US" sz="4400" spc="-1" strike="noStrike">
+                <a:latin typeface="Arial"/>
+              </a:rPr>
+              <a:t>Flow Chart of Data</a:t>
+            </a:r>
+            <a:endParaRPr b="0" lang="en-US" sz="4400" spc="-1" strike="noStrike">
+              <a:latin typeface="Arial"/>
+            </a:endParaRPr>
+          </a:p>
+        </p:txBody>
+      </p:sp>
+      <p:pic>
+        <p:nvPicPr>
+          <p:cNvPr id="85" name="" descr=""/>
+          <p:cNvPicPr/>
+          <p:nvPr/>
+        </p:nvPicPr>
+        <p:blipFill>
+          <a:blip r:embed="rId1"/>
+          <a:stretch/>
+        </p:blipFill>
+        <p:spPr>
+          <a:xfrm>
+            <a:off x="2221560" y="1280160"/>
+            <a:ext cx="5642280" cy="4359960"/>
+          </a:xfrm>
+          <a:prstGeom prst="rect">
+            <a:avLst/>
+          </a:prstGeom>
+          <a:ln>
+            <a:noFill/>
+          </a:ln>
+        </p:spPr>
+      </p:pic>
+    </p:spTree>
+  </p:cSld>
+  <p:timing>
+    <p:tnLst>
+      <p:par>
+        <p:cTn id="7" dur="indefinite" restart="never" nodeType="tmRoot">
+          <p:childTnLst>
+            <p:seq>
+              <p:cTn id="8" dur="indefinite" nodeType="mainSeq"/>
+              <p:prevCondLst>
+                <p:cond delay="0" evt="onPrev">
+                  <p:tgtEl>
+                    <p:sldTgt/>
+                  </p:tgtEl>
+                </p:cond>
+              </p:prevCondLst>
+              <p:nextCondLst>
+                <p:cond delay="0" evt="onNext">
+                  <p:tgtEl>
+                    <p:sldTgt/>
+                  </p:tgtEl>
+                </p:cond>
+              </p:nextCondLst>
+            </p:seq>
+          </p:childTnLst>
+        </p:cTn>
+      </p:par>
+    </p:tnLst>
+  </p:timing>
+</p:sld>
+</file>
+
+<file path=ppt/slides/slide5.xml><?xml version="1.0" encoding="utf-8"?>
+<p:sld xmlns:a="http://schemas.openxmlformats.org/drawingml/2006/main" xmlns:p="http://schemas.openxmlformats.org/presentationml/2006/main" xmlns:r="http://schemas.openxmlformats.org/officeDocument/2006/relationships" xmlns:p14="http://schemas.microsoft.com/office/powerpoint/2010/main" xmlns:p15="http://schemas.microsoft.com/office/powerpoint/2012/main" xmlns:mc="http://schemas.openxmlformats.org/markup-compatibility/2006">
+  <p:cSld>
+    <p:spTree>
+      <p:nvGrpSpPr>
+        <p:cNvPr id="1" name=""/>
+        <p:cNvGrpSpPr/>
+        <p:nvPr/>
+      </p:nvGrpSpPr>
+      <p:grpSpPr>
+        <a:xfrm>
+          <a:off x="0" y="0"/>
+          <a:ext cx="0" cy="0"/>
+          <a:chOff x="0" y="0"/>
+          <a:chExt cx="0" cy="0"/>
+        </a:xfrm>
+      </p:grpSpPr>
+      <p:sp>
+        <p:nvSpPr>
+          <p:cNvPr id="86" name="TextShape 1"/>
+          <p:cNvSpPr txBox="1"/>
+          <p:nvPr/>
+        </p:nvSpPr>
+        <p:spPr>
+          <a:xfrm>
+            <a:off x="504000" y="216000"/>
+            <a:ext cx="7019640" cy="935640"/>
+          </a:xfrm>
+          <a:prstGeom prst="rect">
+            <a:avLst/>
+          </a:prstGeom>
+          <a:noFill/>
+          <a:ln>
+            <a:noFill/>
+          </a:ln>
+        </p:spPr>
+        <p:txBody>
+          <a:bodyPr lIns="0" rIns="0" tIns="0" bIns="0" anchor="ctr"/>
+          <a:p>
+            <a:pPr algn="ctr"/>
+            <a:r>
+              <a:rPr b="0" lang="en-US" sz="4400" spc="-1" strike="noStrike">
+                <a:latin typeface="Arial"/>
+              </a:rPr>
+              <a:t>ATMega Code</a:t>
+            </a:r>
+            <a:endParaRPr b="0" lang="en-US" sz="4400" spc="-1" strike="noStrike">
+              <a:latin typeface="Arial"/>
+            </a:endParaRPr>
+          </a:p>
+        </p:txBody>
+      </p:sp>
+      <p:sp>
+        <p:nvSpPr>
+          <p:cNvPr id="87" name="TextShape 2"/>
+          <p:cNvSpPr txBox="1"/>
+          <p:nvPr/>
+        </p:nvSpPr>
+        <p:spPr>
+          <a:xfrm>
+            <a:off x="504000" y="1368000"/>
+            <a:ext cx="9071640" cy="3287880"/>
+          </a:xfrm>
+          <a:prstGeom prst="rect">
+            <a:avLst/>
+          </a:prstGeom>
+          <a:noFill/>
+          <a:ln>
+            <a:noFill/>
+          </a:ln>
+        </p:spPr>
+        <p:txBody>
+          <a:bodyPr lIns="0" rIns="0" tIns="0" bIns="0" anchor="ctr"/>
+          <a:p>
+            <a:pPr algn="ctr"/>
+            <a:endParaRPr b="0" lang="en-US" sz="3200" spc="-1" strike="noStrike">
+              <a:latin typeface="Arial"/>
+            </a:endParaRPr>
+          </a:p>
+        </p:txBody>
+      </p:sp>
+    </p:spTree>
+  </p:cSld>
 </p:sld>
 </file>
 
@@ -2086,4 +4173,227 @@
     </a:fmtScheme>
   </a:themeElements>
 </a:theme>
+</file>
+
+<file path=ppt/theme/theme2.xml><?xml version="1.0" encoding="utf-8"?>
+<a:theme xmlns:a="http://schemas.openxmlformats.org/drawingml/2006/main" name="Office Theme">
+  <a:themeElements>
+    <a:clrScheme name="Office">
+      <a:dk1>
+        <a:sysClr val="windowText" lastClr="000000"/>
+      </a:dk1>
+      <a:lt1>
+        <a:sysClr val="window" lastClr="FFFFFF"/>
+      </a:lt1>
+      <a:dk2>
+        <a:srgbClr val="1f497d"/>
+      </a:dk2>
+      <a:lt2>
+        <a:srgbClr val="eeece1"/>
+      </a:lt2>
+      <a:accent1>
+        <a:srgbClr val="4f81bd"/>
+      </a:accent1>
+      <a:accent2>
+        <a:srgbClr val="c0504d"/>
+      </a:accent2>
+      <a:accent3>
+        <a:srgbClr val="9bbb59"/>
+      </a:accent3>
+      <a:accent4>
+        <a:srgbClr val="8064a2"/>
+      </a:accent4>
+      <a:accent5>
+        <a:srgbClr val="4bacc6"/>
+      </a:accent5>
+      <a:accent6>
+        <a:srgbClr val="f79646"/>
+      </a:accent6>
+      <a:hlink>
+        <a:srgbClr val="0000ff"/>
+      </a:hlink>
+      <a:folHlink>
+        <a:srgbClr val="800080"/>
+      </a:folHlink>
+    </a:clrScheme>
+    <a:fontScheme name="Office">
+      <a:majorFont>
+        <a:latin typeface="Arial"/>
+        <a:ea typeface="DejaVu Sans"/>
+        <a:cs typeface="DejaVu Sans"/>
+      </a:majorFont>
+      <a:minorFont>
+        <a:latin typeface="Arial"/>
+        <a:ea typeface="DejaVu Sans"/>
+        <a:cs typeface="DejaVu Sans"/>
+      </a:minorFont>
+    </a:fontScheme>
+    <a:fmtScheme name="Office">
+      <a:fillStyleLst>
+        <a:solidFill>
+          <a:schemeClr val="phClr"/>
+        </a:solidFill>
+        <a:gradFill rotWithShape="1">
+          <a:gsLst>
+            <a:gs pos="0">
+              <a:schemeClr val="phClr">
+                <a:tint val="50000"/>
+                <a:satMod val="300000"/>
+              </a:schemeClr>
+            </a:gs>
+            <a:gs pos="35000">
+              <a:schemeClr val="phClr">
+                <a:tint val="37000"/>
+                <a:satMod val="300000"/>
+              </a:schemeClr>
+            </a:gs>
+            <a:gs pos="100000">
+              <a:schemeClr val="phClr">
+                <a:tint val="15000"/>
+                <a:satMod val="350000"/>
+              </a:schemeClr>
+            </a:gs>
+          </a:gsLst>
+          <a:lin ang="16200000" scaled="1"/>
+        </a:gradFill>
+        <a:gradFill rotWithShape="1">
+          <a:gsLst>
+            <a:gs pos="0">
+              <a:schemeClr val="phClr">
+                <a:shade val="51000"/>
+                <a:satMod val="130000"/>
+              </a:schemeClr>
+            </a:gs>
+            <a:gs pos="80000">
+              <a:schemeClr val="phClr">
+                <a:shade val="93000"/>
+                <a:satMod val="130000"/>
+              </a:schemeClr>
+            </a:gs>
+            <a:gs pos="100000">
+              <a:schemeClr val="phClr">
+                <a:shade val="94000"/>
+                <a:satMod val="135000"/>
+              </a:schemeClr>
+            </a:gs>
+          </a:gsLst>
+          <a:lin ang="16200000" scaled="0"/>
+        </a:gradFill>
+      </a:fillStyleLst>
+      <a:lnStyleLst>
+        <a:ln w="9525" cap="flat" cmpd="sng" algn="ctr">
+          <a:solidFill>
+            <a:schemeClr val="phClr">
+              <a:shade val="95000"/>
+              <a:satMod val="105000"/>
+            </a:schemeClr>
+          </a:solidFill>
+          <a:prstDash val="solid"/>
+        </a:ln>
+        <a:ln w="25400" cap="flat" cmpd="sng" algn="ctr">
+          <a:solidFill>
+            <a:schemeClr val="phClr"/>
+          </a:solidFill>
+          <a:prstDash val="solid"/>
+        </a:ln>
+        <a:ln w="38100" cap="flat" cmpd="sng" algn="ctr">
+          <a:solidFill>
+            <a:schemeClr val="phClr"/>
+          </a:solidFill>
+          <a:prstDash val="solid"/>
+        </a:ln>
+      </a:lnStyleLst>
+      <a:effectStyleLst>
+        <a:effectStyle>
+          <a:effectLst>
+            <a:outerShdw blurRad="40000" dist="20000" dir="5400000" rotWithShape="0">
+              <a:srgbClr val="000000">
+                <a:alpha val="38000"/>
+              </a:srgbClr>
+            </a:outerShdw>
+          </a:effectLst>
+        </a:effectStyle>
+        <a:effectStyle>
+          <a:effectLst>
+            <a:outerShdw blurRad="40000" dist="23000" dir="5400000" rotWithShape="0">
+              <a:srgbClr val="000000">
+                <a:alpha val="35000"/>
+              </a:srgbClr>
+            </a:outerShdw>
+          </a:effectLst>
+        </a:effectStyle>
+        <a:effectStyle>
+          <a:effectLst>
+            <a:outerShdw blurRad="40000" dist="23000" dir="5400000" rotWithShape="0">
+              <a:srgbClr val="000000">
+                <a:alpha val="35000"/>
+              </a:srgbClr>
+            </a:outerShdw>
+          </a:effectLst>
+          <a:scene3d>
+            <a:camera prst="orthographicFront">
+              <a:rot lat="0" lon="0" rev="0"/>
+            </a:camera>
+            <a:lightRig rig="threePt" dir="t">
+              <a:rot lat="0" lon="0" rev="1200000"/>
+            </a:lightRig>
+          </a:scene3d>
+          <a:sp3d>
+            <a:bevelT w="63500" h="25400"/>
+          </a:sp3d>
+        </a:effectStyle>
+      </a:effectStyleLst>
+      <a:bgFillStyleLst>
+        <a:solidFill>
+          <a:schemeClr val="phClr"/>
+        </a:solidFill>
+        <a:gradFill rotWithShape="1">
+          <a:gsLst>
+            <a:gs pos="0">
+              <a:schemeClr val="phClr">
+                <a:tint val="40000"/>
+                <a:satMod val="350000"/>
+              </a:schemeClr>
+            </a:gs>
+            <a:gs pos="40000">
+              <a:schemeClr val="phClr">
+                <a:tint val="45000"/>
+                <a:shade val="99000"/>
+                <a:satMod val="350000"/>
+              </a:schemeClr>
+            </a:gs>
+            <a:gs pos="100000">
+              <a:schemeClr val="phClr">
+                <a:shade val="20000"/>
+                <a:satMod val="255000"/>
+              </a:schemeClr>
+            </a:gs>
+          </a:gsLst>
+          <a:path path="circle">
+            <a:fillToRect l="50000" t="-80000" r="50000" b="180000"/>
+          </a:path>
+        </a:gradFill>
+        <a:gradFill rotWithShape="1">
+          <a:gsLst>
+            <a:gs pos="0">
+              <a:schemeClr val="phClr">
+                <a:tint val="80000"/>
+                <a:satMod val="300000"/>
+              </a:schemeClr>
+            </a:gs>
+            <a:gs pos="100000">
+              <a:schemeClr val="phClr">
+                <a:shade val="30000"/>
+                <a:satMod val="200000"/>
+              </a:schemeClr>
+            </a:gs>
+          </a:gsLst>
+          <a:path path="circle">
+            <a:fillToRect l="50000" t="50000" r="50000" b="50000"/>
+          </a:path>
+        </a:gradFill>
+      </a:bgFillStyleLst>
+    </a:fmtScheme>
+  </a:themeElements>
+</a:theme>
 </file>
--- a/Documents/FirstPresentation.pptx
+++ b/Documents/FirstPresentation.pptx
@@ -11,8 +11,13 @@
     <p:sldId id="258" r:id="rId6"/>
     <p:sldId id="259" r:id="rId7"/>
     <p:sldId id="260" r:id="rId8"/>
+    <p:sldId id="261" r:id="rId9"/>
+    <p:sldId id="262" r:id="rId10"/>
+    <p:sldId id="263" r:id="rId11"/>
+    <p:sldId id="264" r:id="rId12"/>
+    <p:sldId id="265" r:id="rId13"/>
   </p:sldIdLst>
-  <p:sldSz cx="10080625" cy="5670550"/>
+  <p:sldSz cx="10077450" cy="5668962"/>
   <p:notesSz cx="7772400" cy="10058400"/>
 </p:presentation>
 </file>
@@ -68,8 +73,8 @@
         </p:nvSpPr>
         <p:spPr>
           <a:xfrm>
-            <a:off x="504000" y="216000"/>
-            <a:ext cx="7019640" cy="935640"/>
+            <a:off x="503640" y="215640"/>
+            <a:ext cx="7016760" cy="935280"/>
           </a:xfrm>
           <a:prstGeom prst="rect">
             <a:avLst/>
@@ -97,8 +102,8 @@
         </p:nvSpPr>
         <p:spPr>
           <a:xfrm>
-            <a:off x="504000" y="1368000"/>
-            <a:ext cx="9071640" cy="1568160"/>
+            <a:off x="503640" y="1367640"/>
+            <a:ext cx="9068040" cy="1567800"/>
           </a:xfrm>
           <a:prstGeom prst="rect">
             <a:avLst/>
@@ -127,8 +132,8 @@
         </p:nvSpPr>
         <p:spPr>
           <a:xfrm>
-            <a:off x="504000" y="3085560"/>
-            <a:ext cx="9071640" cy="1568160"/>
+            <a:off x="503640" y="3084840"/>
+            <a:ext cx="9068040" cy="1567800"/>
           </a:xfrm>
           <a:prstGeom prst="rect">
             <a:avLst/>
@@ -179,8 +184,8 @@
         </p:nvSpPr>
         <p:spPr>
           <a:xfrm>
-            <a:off x="504000" y="216000"/>
-            <a:ext cx="7019640" cy="935640"/>
+            <a:off x="503640" y="215640"/>
+            <a:ext cx="7016760" cy="935280"/>
           </a:xfrm>
           <a:prstGeom prst="rect">
             <a:avLst/>
@@ -208,8 +213,8 @@
         </p:nvSpPr>
         <p:spPr>
           <a:xfrm>
-            <a:off x="504000" y="1368000"/>
-            <a:ext cx="4426920" cy="1568160"/>
+            <a:off x="503640" y="1367640"/>
+            <a:ext cx="4425120" cy="1567800"/>
           </a:xfrm>
           <a:prstGeom prst="rect">
             <a:avLst/>
@@ -238,8 +243,8 @@
         </p:nvSpPr>
         <p:spPr>
           <a:xfrm>
-            <a:off x="5152680" y="1368000"/>
-            <a:ext cx="4426920" cy="1568160"/>
+            <a:off x="5150520" y="1367640"/>
+            <a:ext cx="4425120" cy="1567800"/>
           </a:xfrm>
           <a:prstGeom prst="rect">
             <a:avLst/>
@@ -268,8 +273,8 @@
         </p:nvSpPr>
         <p:spPr>
           <a:xfrm>
-            <a:off x="504000" y="3085560"/>
-            <a:ext cx="4426920" cy="1568160"/>
+            <a:off x="503640" y="3084840"/>
+            <a:ext cx="4425120" cy="1567800"/>
           </a:xfrm>
           <a:prstGeom prst="rect">
             <a:avLst/>
@@ -298,8 +303,8 @@
         </p:nvSpPr>
         <p:spPr>
           <a:xfrm>
-            <a:off x="5152680" y="3085560"/>
-            <a:ext cx="4426920" cy="1568160"/>
+            <a:off x="5150520" y="3084840"/>
+            <a:ext cx="4425120" cy="1567800"/>
           </a:xfrm>
           <a:prstGeom prst="rect">
             <a:avLst/>
@@ -350,8 +355,8 @@
         </p:nvSpPr>
         <p:spPr>
           <a:xfrm>
-            <a:off x="504000" y="216000"/>
-            <a:ext cx="7019640" cy="935640"/>
+            <a:off x="503640" y="215640"/>
+            <a:ext cx="7016760" cy="935280"/>
           </a:xfrm>
           <a:prstGeom prst="rect">
             <a:avLst/>
@@ -379,8 +384,8 @@
         </p:nvSpPr>
         <p:spPr>
           <a:xfrm>
-            <a:off x="504000" y="1368000"/>
-            <a:ext cx="2920680" cy="1568160"/>
+            <a:off x="503640" y="1367640"/>
+            <a:ext cx="2919600" cy="1567800"/>
           </a:xfrm>
           <a:prstGeom prst="rect">
             <a:avLst/>
@@ -409,8 +414,8 @@
         </p:nvSpPr>
         <p:spPr>
           <a:xfrm>
-            <a:off x="3571200" y="1368000"/>
-            <a:ext cx="2920680" cy="1568160"/>
+            <a:off x="3569760" y="1367640"/>
+            <a:ext cx="2919600" cy="1567800"/>
           </a:xfrm>
           <a:prstGeom prst="rect">
             <a:avLst/>
@@ -439,8 +444,8 @@
         </p:nvSpPr>
         <p:spPr>
           <a:xfrm>
-            <a:off x="6638040" y="1368000"/>
-            <a:ext cx="2920680" cy="1568160"/>
+            <a:off x="6635520" y="1367640"/>
+            <a:ext cx="2919600" cy="1567800"/>
           </a:xfrm>
           <a:prstGeom prst="rect">
             <a:avLst/>
@@ -469,8 +474,8 @@
         </p:nvSpPr>
         <p:spPr>
           <a:xfrm>
-            <a:off x="504000" y="3085560"/>
-            <a:ext cx="2920680" cy="1568160"/>
+            <a:off x="503640" y="3084840"/>
+            <a:ext cx="2919600" cy="1567800"/>
           </a:xfrm>
           <a:prstGeom prst="rect">
             <a:avLst/>
@@ -499,8 +504,8 @@
         </p:nvSpPr>
         <p:spPr>
           <a:xfrm>
-            <a:off x="3571200" y="3085560"/>
-            <a:ext cx="2920680" cy="1568160"/>
+            <a:off x="3569760" y="3084840"/>
+            <a:ext cx="2919600" cy="1567800"/>
           </a:xfrm>
           <a:prstGeom prst="rect">
             <a:avLst/>
@@ -529,8 +534,8 @@
         </p:nvSpPr>
         <p:spPr>
           <a:xfrm>
-            <a:off x="6638040" y="3085560"/>
-            <a:ext cx="2920680" cy="1568160"/>
+            <a:off x="6635520" y="3084840"/>
+            <a:ext cx="2919600" cy="1567800"/>
           </a:xfrm>
           <a:prstGeom prst="rect">
             <a:avLst/>
@@ -603,8 +608,8 @@
         </p:nvSpPr>
         <p:spPr>
           <a:xfrm>
-            <a:off x="504000" y="216000"/>
-            <a:ext cx="7019640" cy="935640"/>
+            <a:off x="503640" y="215640"/>
+            <a:ext cx="7016760" cy="935280"/>
           </a:xfrm>
           <a:prstGeom prst="rect">
             <a:avLst/>
@@ -632,8 +637,8 @@
         </p:nvSpPr>
         <p:spPr>
           <a:xfrm>
-            <a:off x="504000" y="1368000"/>
-            <a:ext cx="9071640" cy="3287880"/>
+            <a:off x="503640" y="1367640"/>
+            <a:ext cx="9068040" cy="3287160"/>
           </a:xfrm>
           <a:prstGeom prst="rect">
             <a:avLst/>
@@ -683,8 +688,8 @@
         </p:nvSpPr>
         <p:spPr>
           <a:xfrm>
-            <a:off x="504000" y="216000"/>
-            <a:ext cx="7019640" cy="935640"/>
+            <a:off x="503640" y="215640"/>
+            <a:ext cx="7016760" cy="935280"/>
           </a:xfrm>
           <a:prstGeom prst="rect">
             <a:avLst/>
@@ -712,8 +717,8 @@
         </p:nvSpPr>
         <p:spPr>
           <a:xfrm>
-            <a:off x="504000" y="1368000"/>
-            <a:ext cx="9071640" cy="3287880"/>
+            <a:off x="503640" y="1367640"/>
+            <a:ext cx="9068040" cy="3287160"/>
           </a:xfrm>
           <a:prstGeom prst="rect">
             <a:avLst/>
@@ -764,8 +769,8 @@
         </p:nvSpPr>
         <p:spPr>
           <a:xfrm>
-            <a:off x="504000" y="216000"/>
-            <a:ext cx="7019640" cy="935640"/>
+            <a:off x="503640" y="215640"/>
+            <a:ext cx="7016760" cy="935280"/>
           </a:xfrm>
           <a:prstGeom prst="rect">
             <a:avLst/>
@@ -793,8 +798,8 @@
         </p:nvSpPr>
         <p:spPr>
           <a:xfrm>
-            <a:off x="504000" y="1368000"/>
-            <a:ext cx="4426920" cy="3287880"/>
+            <a:off x="503640" y="1367640"/>
+            <a:ext cx="4425120" cy="3287160"/>
           </a:xfrm>
           <a:prstGeom prst="rect">
             <a:avLst/>
@@ -823,8 +828,8 @@
         </p:nvSpPr>
         <p:spPr>
           <a:xfrm>
-            <a:off x="5152680" y="1368000"/>
-            <a:ext cx="4426920" cy="3287880"/>
+            <a:off x="5150520" y="1367640"/>
+            <a:ext cx="4425120" cy="3287160"/>
           </a:xfrm>
           <a:prstGeom prst="rect">
             <a:avLst/>
@@ -875,8 +880,8 @@
         </p:nvSpPr>
         <p:spPr>
           <a:xfrm>
-            <a:off x="504000" y="216000"/>
-            <a:ext cx="7019640" cy="935640"/>
+            <a:off x="503640" y="215640"/>
+            <a:ext cx="7016760" cy="935280"/>
           </a:xfrm>
           <a:prstGeom prst="rect">
             <a:avLst/>
@@ -926,8 +931,8 @@
         </p:nvSpPr>
         <p:spPr>
           <a:xfrm>
-            <a:off x="504000" y="216000"/>
-            <a:ext cx="7019640" cy="4338360"/>
+            <a:off x="503640" y="215640"/>
+            <a:ext cx="7016760" cy="4336560"/>
           </a:xfrm>
           <a:prstGeom prst="rect">
             <a:avLst/>
@@ -977,8 +982,8 @@
         </p:nvSpPr>
         <p:spPr>
           <a:xfrm>
-            <a:off x="504000" y="216000"/>
-            <a:ext cx="7019640" cy="935640"/>
+            <a:off x="503640" y="215640"/>
+            <a:ext cx="7016760" cy="935280"/>
           </a:xfrm>
           <a:prstGeom prst="rect">
             <a:avLst/>
@@ -1006,8 +1011,8 @@
         </p:nvSpPr>
         <p:spPr>
           <a:xfrm>
-            <a:off x="504000" y="1368000"/>
-            <a:ext cx="4426920" cy="1568160"/>
+            <a:off x="503640" y="1367640"/>
+            <a:ext cx="4425120" cy="1567800"/>
           </a:xfrm>
           <a:prstGeom prst="rect">
             <a:avLst/>
@@ -1036,8 +1041,8 @@
         </p:nvSpPr>
         <p:spPr>
           <a:xfrm>
-            <a:off x="5152680" y="1368000"/>
-            <a:ext cx="4426920" cy="3287880"/>
+            <a:off x="5150520" y="1367640"/>
+            <a:ext cx="4425120" cy="3287160"/>
           </a:xfrm>
           <a:prstGeom prst="rect">
             <a:avLst/>
@@ -1066,8 +1071,8 @@
         </p:nvSpPr>
         <p:spPr>
           <a:xfrm>
-            <a:off x="504000" y="3085560"/>
-            <a:ext cx="4426920" cy="1568160"/>
+            <a:off x="503640" y="3084840"/>
+            <a:ext cx="4425120" cy="1567800"/>
           </a:xfrm>
           <a:prstGeom prst="rect">
             <a:avLst/>
@@ -1118,8 +1123,8 @@
         </p:nvSpPr>
         <p:spPr>
           <a:xfrm>
-            <a:off x="504000" y="216000"/>
-            <a:ext cx="7019640" cy="935640"/>
+            <a:off x="503640" y="215640"/>
+            <a:ext cx="7016760" cy="935280"/>
           </a:xfrm>
           <a:prstGeom prst="rect">
             <a:avLst/>
@@ -1147,8 +1152,8 @@
         </p:nvSpPr>
         <p:spPr>
           <a:xfrm>
-            <a:off x="504000" y="1368000"/>
-            <a:ext cx="9071640" cy="3287880"/>
+            <a:off x="503640" y="1367640"/>
+            <a:ext cx="9068040" cy="3287160"/>
           </a:xfrm>
           <a:prstGeom prst="rect">
             <a:avLst/>
@@ -1198,8 +1203,8 @@
         </p:nvSpPr>
         <p:spPr>
           <a:xfrm>
-            <a:off x="504000" y="216000"/>
-            <a:ext cx="7019640" cy="935640"/>
+            <a:off x="503640" y="215640"/>
+            <a:ext cx="7016760" cy="935280"/>
           </a:xfrm>
           <a:prstGeom prst="rect">
             <a:avLst/>
@@ -1227,8 +1232,8 @@
         </p:nvSpPr>
         <p:spPr>
           <a:xfrm>
-            <a:off x="504000" y="1368000"/>
-            <a:ext cx="4426920" cy="3287880"/>
+            <a:off x="503640" y="1367640"/>
+            <a:ext cx="4425120" cy="3287160"/>
           </a:xfrm>
           <a:prstGeom prst="rect">
             <a:avLst/>
@@ -1257,8 +1262,8 @@
         </p:nvSpPr>
         <p:spPr>
           <a:xfrm>
-            <a:off x="5152680" y="1368000"/>
-            <a:ext cx="4426920" cy="1568160"/>
+            <a:off x="5150520" y="1367640"/>
+            <a:ext cx="4425120" cy="1567800"/>
           </a:xfrm>
           <a:prstGeom prst="rect">
             <a:avLst/>
@@ -1287,8 +1292,8 @@
         </p:nvSpPr>
         <p:spPr>
           <a:xfrm>
-            <a:off x="5152680" y="3085560"/>
-            <a:ext cx="4426920" cy="1568160"/>
+            <a:off x="5150520" y="3084840"/>
+            <a:ext cx="4425120" cy="1567800"/>
           </a:xfrm>
           <a:prstGeom prst="rect">
             <a:avLst/>
@@ -1339,8 +1344,8 @@
         </p:nvSpPr>
         <p:spPr>
           <a:xfrm>
-            <a:off x="504000" y="216000"/>
-            <a:ext cx="7019640" cy="935640"/>
+            <a:off x="503640" y="215640"/>
+            <a:ext cx="7016760" cy="935280"/>
           </a:xfrm>
           <a:prstGeom prst="rect">
             <a:avLst/>
@@ -1368,8 +1373,8 @@
         </p:nvSpPr>
         <p:spPr>
           <a:xfrm>
-            <a:off x="504000" y="1368000"/>
-            <a:ext cx="4426920" cy="1568160"/>
+            <a:off x="503640" y="1367640"/>
+            <a:ext cx="4425120" cy="1567800"/>
           </a:xfrm>
           <a:prstGeom prst="rect">
             <a:avLst/>
@@ -1398,8 +1403,8 @@
         </p:nvSpPr>
         <p:spPr>
           <a:xfrm>
-            <a:off x="5152680" y="1368000"/>
-            <a:ext cx="4426920" cy="1568160"/>
+            <a:off x="5150520" y="1367640"/>
+            <a:ext cx="4425120" cy="1567800"/>
           </a:xfrm>
           <a:prstGeom prst="rect">
             <a:avLst/>
@@ -1428,8 +1433,8 @@
         </p:nvSpPr>
         <p:spPr>
           <a:xfrm>
-            <a:off x="504000" y="3085560"/>
-            <a:ext cx="9071640" cy="1568160"/>
+            <a:off x="503640" y="3084840"/>
+            <a:ext cx="9068040" cy="1567800"/>
           </a:xfrm>
           <a:prstGeom prst="rect">
             <a:avLst/>
@@ -1480,8 +1485,8 @@
         </p:nvSpPr>
         <p:spPr>
           <a:xfrm>
-            <a:off x="504000" y="216000"/>
-            <a:ext cx="7019640" cy="935640"/>
+            <a:off x="503640" y="215640"/>
+            <a:ext cx="7016760" cy="935280"/>
           </a:xfrm>
           <a:prstGeom prst="rect">
             <a:avLst/>
@@ -1509,8 +1514,8 @@
         </p:nvSpPr>
         <p:spPr>
           <a:xfrm>
-            <a:off x="504000" y="1368000"/>
-            <a:ext cx="9071640" cy="1568160"/>
+            <a:off x="503640" y="1367640"/>
+            <a:ext cx="9068040" cy="1567800"/>
           </a:xfrm>
           <a:prstGeom prst="rect">
             <a:avLst/>
@@ -1539,8 +1544,8 @@
         </p:nvSpPr>
         <p:spPr>
           <a:xfrm>
-            <a:off x="504000" y="3085560"/>
-            <a:ext cx="9071640" cy="1568160"/>
+            <a:off x="503640" y="3084840"/>
+            <a:ext cx="9068040" cy="1567800"/>
           </a:xfrm>
           <a:prstGeom prst="rect">
             <a:avLst/>
@@ -1591,8 +1596,8 @@
         </p:nvSpPr>
         <p:spPr>
           <a:xfrm>
-            <a:off x="504000" y="216000"/>
-            <a:ext cx="7019640" cy="935640"/>
+            <a:off x="503640" y="215640"/>
+            <a:ext cx="7016760" cy="935280"/>
           </a:xfrm>
           <a:prstGeom prst="rect">
             <a:avLst/>
@@ -1620,8 +1625,8 @@
         </p:nvSpPr>
         <p:spPr>
           <a:xfrm>
-            <a:off x="504000" y="1368000"/>
-            <a:ext cx="4426920" cy="1568160"/>
+            <a:off x="503640" y="1367640"/>
+            <a:ext cx="4425120" cy="1567800"/>
           </a:xfrm>
           <a:prstGeom prst="rect">
             <a:avLst/>
@@ -1650,8 +1655,8 @@
         </p:nvSpPr>
         <p:spPr>
           <a:xfrm>
-            <a:off x="5152680" y="1368000"/>
-            <a:ext cx="4426920" cy="1568160"/>
+            <a:off x="5150520" y="1367640"/>
+            <a:ext cx="4425120" cy="1567800"/>
           </a:xfrm>
           <a:prstGeom prst="rect">
             <a:avLst/>
@@ -1680,8 +1685,8 @@
         </p:nvSpPr>
         <p:spPr>
           <a:xfrm>
-            <a:off x="504000" y="3085560"/>
-            <a:ext cx="4426920" cy="1568160"/>
+            <a:off x="503640" y="3084840"/>
+            <a:ext cx="4425120" cy="1567800"/>
           </a:xfrm>
           <a:prstGeom prst="rect">
             <a:avLst/>
@@ -1710,8 +1715,8 @@
         </p:nvSpPr>
         <p:spPr>
           <a:xfrm>
-            <a:off x="5152680" y="3085560"/>
-            <a:ext cx="4426920" cy="1568160"/>
+            <a:off x="5150520" y="3084840"/>
+            <a:ext cx="4425120" cy="1567800"/>
           </a:xfrm>
           <a:prstGeom prst="rect">
             <a:avLst/>
@@ -1762,8 +1767,8 @@
         </p:nvSpPr>
         <p:spPr>
           <a:xfrm>
-            <a:off x="504000" y="216000"/>
-            <a:ext cx="7019640" cy="935640"/>
+            <a:off x="503640" y="215640"/>
+            <a:ext cx="7016760" cy="935280"/>
           </a:xfrm>
           <a:prstGeom prst="rect">
             <a:avLst/>
@@ -1791,8 +1796,8 @@
         </p:nvSpPr>
         <p:spPr>
           <a:xfrm>
-            <a:off x="504000" y="1368000"/>
-            <a:ext cx="2920680" cy="1568160"/>
+            <a:off x="503640" y="1367640"/>
+            <a:ext cx="2919600" cy="1567800"/>
           </a:xfrm>
           <a:prstGeom prst="rect">
             <a:avLst/>
@@ -1821,8 +1826,8 @@
         </p:nvSpPr>
         <p:spPr>
           <a:xfrm>
-            <a:off x="3571200" y="1368000"/>
-            <a:ext cx="2920680" cy="1568160"/>
+            <a:off x="3569760" y="1367640"/>
+            <a:ext cx="2919600" cy="1567800"/>
           </a:xfrm>
           <a:prstGeom prst="rect">
             <a:avLst/>
@@ -1851,8 +1856,8 @@
         </p:nvSpPr>
         <p:spPr>
           <a:xfrm>
-            <a:off x="6638040" y="1368000"/>
-            <a:ext cx="2920680" cy="1568160"/>
+            <a:off x="6635520" y="1367640"/>
+            <a:ext cx="2919600" cy="1567800"/>
           </a:xfrm>
           <a:prstGeom prst="rect">
             <a:avLst/>
@@ -1881,8 +1886,8 @@
         </p:nvSpPr>
         <p:spPr>
           <a:xfrm>
-            <a:off x="504000" y="3085560"/>
-            <a:ext cx="2920680" cy="1568160"/>
+            <a:off x="503640" y="3084840"/>
+            <a:ext cx="2919600" cy="1567800"/>
           </a:xfrm>
           <a:prstGeom prst="rect">
             <a:avLst/>
@@ -1911,8 +1916,8 @@
         </p:nvSpPr>
         <p:spPr>
           <a:xfrm>
-            <a:off x="3571200" y="3085560"/>
-            <a:ext cx="2920680" cy="1568160"/>
+            <a:off x="3569760" y="3084840"/>
+            <a:ext cx="2919600" cy="1567800"/>
           </a:xfrm>
           <a:prstGeom prst="rect">
             <a:avLst/>
@@ -1941,8 +1946,8 @@
         </p:nvSpPr>
         <p:spPr>
           <a:xfrm>
-            <a:off x="6638040" y="3085560"/>
-            <a:ext cx="2920680" cy="1568160"/>
+            <a:off x="6635520" y="3084840"/>
+            <a:ext cx="2919600" cy="1567800"/>
           </a:xfrm>
           <a:prstGeom prst="rect">
             <a:avLst/>
@@ -1993,8 +1998,8 @@
         </p:nvSpPr>
         <p:spPr>
           <a:xfrm>
-            <a:off x="504000" y="216000"/>
-            <a:ext cx="7019640" cy="935640"/>
+            <a:off x="503640" y="215640"/>
+            <a:ext cx="7016760" cy="935280"/>
           </a:xfrm>
           <a:prstGeom prst="rect">
             <a:avLst/>
@@ -2022,8 +2027,8 @@
         </p:nvSpPr>
         <p:spPr>
           <a:xfrm>
-            <a:off x="504000" y="1368000"/>
-            <a:ext cx="9071640" cy="3287880"/>
+            <a:off x="503640" y="1367640"/>
+            <a:ext cx="9068040" cy="3287160"/>
           </a:xfrm>
           <a:prstGeom prst="rect">
             <a:avLst/>
@@ -2074,8 +2079,8 @@
         </p:nvSpPr>
         <p:spPr>
           <a:xfrm>
-            <a:off x="504000" y="216000"/>
-            <a:ext cx="7019640" cy="935640"/>
+            <a:off x="503640" y="215640"/>
+            <a:ext cx="7016760" cy="935280"/>
           </a:xfrm>
           <a:prstGeom prst="rect">
             <a:avLst/>
@@ -2103,8 +2108,8 @@
         </p:nvSpPr>
         <p:spPr>
           <a:xfrm>
-            <a:off x="504000" y="1368000"/>
-            <a:ext cx="4426920" cy="3287880"/>
+            <a:off x="503640" y="1367640"/>
+            <a:ext cx="4425120" cy="3287160"/>
           </a:xfrm>
           <a:prstGeom prst="rect">
             <a:avLst/>
@@ -2133,8 +2138,8 @@
         </p:nvSpPr>
         <p:spPr>
           <a:xfrm>
-            <a:off x="5152680" y="1368000"/>
-            <a:ext cx="4426920" cy="3287880"/>
+            <a:off x="5150520" y="1367640"/>
+            <a:ext cx="4425120" cy="3287160"/>
           </a:xfrm>
           <a:prstGeom prst="rect">
             <a:avLst/>
@@ -2185,8 +2190,8 @@
         </p:nvSpPr>
         <p:spPr>
           <a:xfrm>
-            <a:off x="504000" y="216000"/>
-            <a:ext cx="7019640" cy="935640"/>
+            <a:off x="503640" y="215640"/>
+            <a:ext cx="7016760" cy="935280"/>
           </a:xfrm>
           <a:prstGeom prst="rect">
             <a:avLst/>
@@ -2236,8 +2241,8 @@
         </p:nvSpPr>
         <p:spPr>
           <a:xfrm>
-            <a:off x="504000" y="216000"/>
-            <a:ext cx="7019640" cy="4338360"/>
+            <a:off x="503640" y="215640"/>
+            <a:ext cx="7016760" cy="4336560"/>
           </a:xfrm>
           <a:prstGeom prst="rect">
             <a:avLst/>
@@ -2287,8 +2292,8 @@
         </p:nvSpPr>
         <p:spPr>
           <a:xfrm>
-            <a:off x="504000" y="216000"/>
-            <a:ext cx="7019640" cy="935640"/>
+            <a:off x="503640" y="215640"/>
+            <a:ext cx="7016760" cy="935280"/>
           </a:xfrm>
           <a:prstGeom prst="rect">
             <a:avLst/>
@@ -2316,8 +2321,8 @@
         </p:nvSpPr>
         <p:spPr>
           <a:xfrm>
-            <a:off x="504000" y="1368000"/>
-            <a:ext cx="4426920" cy="1568160"/>
+            <a:off x="503640" y="1367640"/>
+            <a:ext cx="4425120" cy="1567800"/>
           </a:xfrm>
           <a:prstGeom prst="rect">
             <a:avLst/>
@@ -2346,8 +2351,8 @@
         </p:nvSpPr>
         <p:spPr>
           <a:xfrm>
-            <a:off x="5152680" y="1368000"/>
-            <a:ext cx="4426920" cy="3287880"/>
+            <a:off x="5150520" y="1367640"/>
+            <a:ext cx="4425120" cy="3287160"/>
           </a:xfrm>
           <a:prstGeom prst="rect">
             <a:avLst/>
@@ -2376,8 +2381,8 @@
         </p:nvSpPr>
         <p:spPr>
           <a:xfrm>
-            <a:off x="504000" y="3085560"/>
-            <a:ext cx="4426920" cy="1568160"/>
+            <a:off x="503640" y="3084840"/>
+            <a:ext cx="4425120" cy="1567800"/>
           </a:xfrm>
           <a:prstGeom prst="rect">
             <a:avLst/>
@@ -2428,8 +2433,8 @@
         </p:nvSpPr>
         <p:spPr>
           <a:xfrm>
-            <a:off x="504000" y="216000"/>
-            <a:ext cx="7019640" cy="935640"/>
+            <a:off x="503640" y="215640"/>
+            <a:ext cx="7016760" cy="935280"/>
           </a:xfrm>
           <a:prstGeom prst="rect">
             <a:avLst/>
@@ -2457,8 +2462,8 @@
         </p:nvSpPr>
         <p:spPr>
           <a:xfrm>
-            <a:off x="504000" y="1368000"/>
-            <a:ext cx="4426920" cy="3287880"/>
+            <a:off x="503640" y="1367640"/>
+            <a:ext cx="4425120" cy="3287160"/>
           </a:xfrm>
           <a:prstGeom prst="rect">
             <a:avLst/>
@@ -2487,8 +2492,8 @@
         </p:nvSpPr>
         <p:spPr>
           <a:xfrm>
-            <a:off x="5152680" y="1368000"/>
-            <a:ext cx="4426920" cy="1568160"/>
+            <a:off x="5150520" y="1367640"/>
+            <a:ext cx="4425120" cy="1567800"/>
           </a:xfrm>
           <a:prstGeom prst="rect">
             <a:avLst/>
@@ -2517,8 +2522,8 @@
         </p:nvSpPr>
         <p:spPr>
           <a:xfrm>
-            <a:off x="5152680" y="3085560"/>
-            <a:ext cx="4426920" cy="1568160"/>
+            <a:off x="5150520" y="3084840"/>
+            <a:ext cx="4425120" cy="1567800"/>
           </a:xfrm>
           <a:prstGeom prst="rect">
             <a:avLst/>
@@ -2569,8 +2574,8 @@
         </p:nvSpPr>
         <p:spPr>
           <a:xfrm>
-            <a:off x="504000" y="216000"/>
-            <a:ext cx="7019640" cy="935640"/>
+            <a:off x="503640" y="215640"/>
+            <a:ext cx="7016760" cy="935280"/>
           </a:xfrm>
           <a:prstGeom prst="rect">
             <a:avLst/>
@@ -2598,8 +2603,8 @@
         </p:nvSpPr>
         <p:spPr>
           <a:xfrm>
-            <a:off x="504000" y="1368000"/>
-            <a:ext cx="4426920" cy="1568160"/>
+            <a:off x="503640" y="1367640"/>
+            <a:ext cx="4425120" cy="1567800"/>
           </a:xfrm>
           <a:prstGeom prst="rect">
             <a:avLst/>
@@ -2628,8 +2633,8 @@
         </p:nvSpPr>
         <p:spPr>
           <a:xfrm>
-            <a:off x="5152680" y="1368000"/>
-            <a:ext cx="4426920" cy="1568160"/>
+            <a:off x="5150520" y="1367640"/>
+            <a:ext cx="4425120" cy="1567800"/>
           </a:xfrm>
           <a:prstGeom prst="rect">
             <a:avLst/>
@@ -2658,8 +2663,8 @@
         </p:nvSpPr>
         <p:spPr>
           <a:xfrm>
-            <a:off x="504000" y="3085560"/>
-            <a:ext cx="9071640" cy="1568160"/>
+            <a:off x="503640" y="3084840"/>
+            <a:ext cx="9068040" cy="1567800"/>
           </a:xfrm>
           <a:prstGeom prst="rect">
             <a:avLst/>
@@ -2710,8 +2715,8 @@
         </p:blipFill>
         <p:spPr>
           <a:xfrm>
-            <a:off x="-58320" y="81000"/>
-            <a:ext cx="7794000" cy="1205280"/>
+            <a:off x="-57960" y="80640"/>
+            <a:ext cx="7790760" cy="1204920"/>
           </a:xfrm>
           <a:prstGeom prst="rect">
             <a:avLst/>
@@ -2733,8 +2738,8 @@
         </p:nvSpPr>
         <p:spPr>
           <a:xfrm>
-            <a:off x="504000" y="216000"/>
-            <a:ext cx="7019640" cy="935640"/>
+            <a:off x="503640" y="215640"/>
+            <a:ext cx="7016760" cy="935280"/>
           </a:xfrm>
           <a:prstGeom prst="rect">
             <a:avLst/>
@@ -2767,8 +2772,8 @@
         </p:nvSpPr>
         <p:spPr>
           <a:xfrm>
-            <a:off x="504000" y="1326600"/>
-            <a:ext cx="9072000" cy="3288600"/>
+            <a:off x="503640" y="1326240"/>
+            <a:ext cx="9068400" cy="3287880"/>
           </a:xfrm>
           <a:prstGeom prst="rect">
             <a:avLst/>
@@ -2781,7 +2786,7 @@
           <a:p>
             <a:pPr marL="432000" indent="-324000">
               <a:spcBef>
-                <a:spcPts val="1417"/>
+                <a:spcPts val="1414"/>
               </a:spcBef>
               <a:buClr>
                 <a:srgbClr val="000000"/>
@@ -2809,7 +2814,7 @@
           <a:p>
             <a:pPr lvl="1" marL="864000" indent="-324000">
               <a:spcBef>
-                <a:spcPts val="1134"/>
+                <a:spcPts val="1131"/>
               </a:spcBef>
               <a:buClr>
                 <a:srgbClr val="000000"/>
@@ -2822,7 +2827,13 @@
               <a:rPr b="0" lang="en-US" sz="2800" spc="-1" strike="noStrike">
                 <a:latin typeface="Arial"/>
               </a:rPr>
-              <a:t>Second Outline Level</a:t>
+              <a:t>Second Outline </a:t>
+            </a:r>
+            <a:r>
+              <a:rPr b="0" lang="en-US" sz="2800" spc="-1" strike="noStrike">
+                <a:latin typeface="Arial"/>
+              </a:rPr>
+              <a:t>Level</a:t>
             </a:r>
             <a:endParaRPr b="0" lang="en-US" sz="2800" spc="-1" strike="noStrike">
               <a:latin typeface="Arial"/>
@@ -2831,7 +2842,7 @@
           <a:p>
             <a:pPr lvl="2" marL="1296000" indent="-288000">
               <a:spcBef>
-                <a:spcPts val="850"/>
+                <a:spcPts val="848"/>
               </a:spcBef>
               <a:buClr>
                 <a:srgbClr val="000000"/>
@@ -2853,7 +2864,7 @@
           <a:p>
             <a:pPr lvl="3" marL="1728000" indent="-216000">
               <a:spcBef>
-                <a:spcPts val="567"/>
+                <a:spcPts val="564"/>
               </a:spcBef>
               <a:buClr>
                 <a:srgbClr val="000000"/>
@@ -2875,7 +2886,7 @@
           <a:p>
             <a:pPr lvl="4" marL="2160000" indent="-216000">
               <a:spcBef>
-                <a:spcPts val="283"/>
+                <a:spcPts val="281"/>
               </a:spcBef>
               <a:buClr>
                 <a:srgbClr val="000000"/>
@@ -2888,7 +2899,13 @@
               <a:rPr b="0" lang="en-US" sz="2000" spc="-1" strike="noStrike">
                 <a:latin typeface="Arial"/>
               </a:rPr>
-              <a:t>Fifth Outline Level</a:t>
+              <a:t>Fifth Outline </a:t>
+            </a:r>
+            <a:r>
+              <a:rPr b="0" lang="en-US" sz="2000" spc="-1" strike="noStrike">
+                <a:latin typeface="Arial"/>
+              </a:rPr>
+              <a:t>Level</a:t>
             </a:r>
             <a:endParaRPr b="0" lang="en-US" sz="2000" spc="-1" strike="noStrike">
               <a:latin typeface="Arial"/>
@@ -2897,7 +2914,7 @@
           <a:p>
             <a:pPr lvl="5" marL="2592000" indent="-216000">
               <a:spcBef>
-                <a:spcPts val="283"/>
+                <a:spcPts val="281"/>
               </a:spcBef>
               <a:buClr>
                 <a:srgbClr val="000000"/>
@@ -2925,7 +2942,7 @@
           <a:p>
             <a:pPr lvl="6" marL="3024000" indent="-216000">
               <a:spcBef>
-                <a:spcPts val="283"/>
+                <a:spcPts val="281"/>
               </a:spcBef>
               <a:buClr>
                 <a:srgbClr val="000000"/>
@@ -3007,8 +3024,8 @@
         </p:blipFill>
         <p:spPr>
           <a:xfrm>
-            <a:off x="-58320" y="81000"/>
-            <a:ext cx="7794000" cy="1205280"/>
+            <a:off x="-57960" y="80640"/>
+            <a:ext cx="7790760" cy="1204920"/>
           </a:xfrm>
           <a:prstGeom prst="rect">
             <a:avLst/>
@@ -3030,8 +3047,8 @@
         </p:nvSpPr>
         <p:spPr>
           <a:xfrm>
-            <a:off x="504000" y="216000"/>
-            <a:ext cx="7019640" cy="935640"/>
+            <a:off x="503640" y="215640"/>
+            <a:ext cx="7016760" cy="935280"/>
           </a:xfrm>
           <a:prstGeom prst="rect">
             <a:avLst/>
@@ -3064,8 +3081,8 @@
         </p:nvSpPr>
         <p:spPr>
           <a:xfrm>
-            <a:off x="504000" y="1368000"/>
-            <a:ext cx="9071640" cy="3287880"/>
+            <a:off x="503640" y="1367640"/>
+            <a:ext cx="9068040" cy="3287160"/>
           </a:xfrm>
           <a:prstGeom prst="rect">
             <a:avLst/>
@@ -3078,7 +3095,7 @@
           <a:p>
             <a:pPr marL="432000" indent="-324000">
               <a:spcBef>
-                <a:spcPts val="1417"/>
+                <a:spcPts val="1414"/>
               </a:spcBef>
               <a:buClr>
                 <a:srgbClr val="000000"/>
@@ -3100,7 +3117,7 @@
           <a:p>
             <a:pPr lvl="1" marL="864000" indent="-324000">
               <a:spcBef>
-                <a:spcPts val="1134"/>
+                <a:spcPts val="1131"/>
               </a:spcBef>
               <a:buClr>
                 <a:srgbClr val="000000"/>
@@ -3122,7 +3139,7 @@
           <a:p>
             <a:pPr lvl="2" marL="1296000" indent="-288000">
               <a:spcBef>
-                <a:spcPts val="850"/>
+                <a:spcPts val="848"/>
               </a:spcBef>
               <a:buClr>
                 <a:srgbClr val="000000"/>
@@ -3144,7 +3161,7 @@
           <a:p>
             <a:pPr lvl="3" marL="1728000" indent="-216000">
               <a:spcBef>
-                <a:spcPts val="567"/>
+                <a:spcPts val="564"/>
               </a:spcBef>
               <a:buClr>
                 <a:srgbClr val="000000"/>
@@ -3166,7 +3183,7 @@
           <a:p>
             <a:pPr lvl="4" marL="2160000" indent="-216000">
               <a:spcBef>
-                <a:spcPts val="283"/>
+                <a:spcPts val="281"/>
               </a:spcBef>
               <a:buClr>
                 <a:srgbClr val="000000"/>
@@ -3188,7 +3205,7 @@
           <a:p>
             <a:pPr lvl="5" marL="2592000" indent="-216000">
               <a:spcBef>
-                <a:spcPts val="283"/>
+                <a:spcPts val="281"/>
               </a:spcBef>
               <a:buClr>
                 <a:srgbClr val="000000"/>
@@ -3210,7 +3227,7 @@
           <a:p>
             <a:pPr lvl="6" marL="3024000" indent="-216000">
               <a:spcBef>
-                <a:spcPts val="283"/>
+                <a:spcPts val="281"/>
               </a:spcBef>
               <a:buClr>
                 <a:srgbClr val="000000"/>
@@ -3276,8 +3293,8 @@
         </p:nvSpPr>
         <p:spPr>
           <a:xfrm>
-            <a:off x="504000" y="177840"/>
-            <a:ext cx="7019640" cy="1012320"/>
+            <a:off x="503640" y="177480"/>
+            <a:ext cx="7016760" cy="1011960"/>
           </a:xfrm>
           <a:prstGeom prst="rect">
             <a:avLst/>
@@ -3324,8 +3341,8 @@
         </p:nvSpPr>
         <p:spPr>
           <a:xfrm>
-            <a:off x="504000" y="1368000"/>
-            <a:ext cx="9071640" cy="3287880"/>
+            <a:off x="503640" y="1367640"/>
+            <a:ext cx="9068040" cy="3287160"/>
           </a:xfrm>
           <a:prstGeom prst="rect">
             <a:avLst/>
@@ -3370,6 +3387,159 @@
           <p:childTnLst>
             <p:seq>
               <p:cTn id="2" dur="indefinite" nodeType="mainSeq"/>
+              <p:prevCondLst>
+                <p:cond delay="0" evt="onPrev">
+                  <p:tgtEl>
+                    <p:sldTgt/>
+                  </p:tgtEl>
+                </p:cond>
+              </p:prevCondLst>
+              <p:nextCondLst>
+                <p:cond delay="0" evt="onNext">
+                  <p:tgtEl>
+                    <p:sldTgt/>
+                  </p:tgtEl>
+                </p:cond>
+              </p:nextCondLst>
+            </p:seq>
+          </p:childTnLst>
+        </p:cTn>
+      </p:par>
+    </p:tnLst>
+  </p:timing>
+</p:sld>
+</file>
+
+<file path=ppt/slides/slide10.xml><?xml version="1.0" encoding="utf-8"?>
+<p:sld xmlns:a="http://schemas.openxmlformats.org/drawingml/2006/main" xmlns:p="http://schemas.openxmlformats.org/presentationml/2006/main" xmlns:r="http://schemas.openxmlformats.org/officeDocument/2006/relationships" xmlns:p14="http://schemas.microsoft.com/office/powerpoint/2010/main" xmlns:p15="http://schemas.microsoft.com/office/powerpoint/2012/main" xmlns:mc="http://schemas.openxmlformats.org/markup-compatibility/2006">
+  <p:cSld>
+    <p:spTree>
+      <p:nvGrpSpPr>
+        <p:cNvPr id="1" name=""/>
+        <p:cNvGrpSpPr/>
+        <p:nvPr/>
+      </p:nvGrpSpPr>
+      <p:grpSpPr>
+        <a:xfrm>
+          <a:off x="0" y="0"/>
+          <a:ext cx="0" cy="0"/>
+          <a:chOff x="0" y="0"/>
+          <a:chExt cx="0" cy="0"/>
+        </a:xfrm>
+      </p:grpSpPr>
+      <p:sp>
+        <p:nvSpPr>
+          <p:cNvPr id="95" name="TextShape 1"/>
+          <p:cNvSpPr txBox="1"/>
+          <p:nvPr/>
+        </p:nvSpPr>
+        <p:spPr>
+          <a:xfrm>
+            <a:off x="503640" y="215640"/>
+            <a:ext cx="7016760" cy="935280"/>
+          </a:xfrm>
+          <a:prstGeom prst="rect">
+            <a:avLst/>
+          </a:prstGeom>
+          <a:noFill/>
+          <a:ln>
+            <a:noFill/>
+          </a:ln>
+        </p:spPr>
+        <p:txBody>
+          <a:bodyPr lIns="0" rIns="0" tIns="0" bIns="0" anchor="ctr"/>
+          <a:p>
+            <a:pPr algn="ctr"/>
+            <a:r>
+              <a:rPr b="0" lang="en-US" sz="4400" spc="-1" strike="noStrike">
+                <a:latin typeface="Arial"/>
+              </a:rPr>
+              <a:t>The Result(real time)</a:t>
+            </a:r>
+            <a:endParaRPr b="0" lang="en-US" sz="4400" spc="-1" strike="noStrike">
+              <a:latin typeface="Arial"/>
+            </a:endParaRPr>
+          </a:p>
+        </p:txBody>
+      </p:sp>
+      <p:pic>
+        <p:nvPicPr>
+          <p:cNvPr id="96" name="" descr=""/>
+          <p:cNvPicPr/>
+          <p:nvPr/>
+        </p:nvPicPr>
+        <p:blipFill>
+          <a:blip r:embed="rId1"/>
+          <a:stretch/>
+        </p:blipFill>
+        <p:spPr>
+          <a:xfrm>
+            <a:off x="3562560" y="1844640"/>
+            <a:ext cx="3112560" cy="2635920"/>
+          </a:xfrm>
+          <a:prstGeom prst="rect">
+            <a:avLst/>
+          </a:prstGeom>
+          <a:ln>
+            <a:noFill/>
+          </a:ln>
+        </p:spPr>
+      </p:pic>
+      <p:pic>
+        <p:nvPicPr>
+          <p:cNvPr id="97" name="" descr=""/>
+          <p:cNvPicPr/>
+          <p:nvPr/>
+        </p:nvPicPr>
+        <p:blipFill>
+          <a:blip r:embed="rId2"/>
+          <a:stretch/>
+        </p:blipFill>
+        <p:spPr>
+          <a:xfrm>
+            <a:off x="199440" y="1861920"/>
+            <a:ext cx="3092400" cy="2618640"/>
+          </a:xfrm>
+          <a:prstGeom prst="rect">
+            <a:avLst/>
+          </a:prstGeom>
+          <a:ln>
+            <a:noFill/>
+          </a:ln>
+        </p:spPr>
+      </p:pic>
+      <p:pic>
+        <p:nvPicPr>
+          <p:cNvPr id="98" name="" descr=""/>
+          <p:cNvPicPr/>
+          <p:nvPr/>
+        </p:nvPicPr>
+        <p:blipFill>
+          <a:blip r:embed="rId3"/>
+          <a:stretch/>
+        </p:blipFill>
+        <p:spPr>
+          <a:xfrm>
+            <a:off x="6858000" y="1855080"/>
+            <a:ext cx="3025440" cy="2562120"/>
+          </a:xfrm>
+          <a:prstGeom prst="rect">
+            <a:avLst/>
+          </a:prstGeom>
+          <a:ln>
+            <a:noFill/>
+          </a:ln>
+        </p:spPr>
+      </p:pic>
+    </p:spTree>
+  </p:cSld>
+  <p:timing>
+    <p:tnLst>
+      <p:par>
+        <p:cTn id="19" dur="indefinite" restart="never" nodeType="tmRoot">
+          <p:childTnLst>
+            <p:seq>
+              <p:cTn id="20" dur="indefinite" nodeType="mainSeq"/>
               <p:prevCondLst>
                 <p:cond delay="0" evt="onPrev">
                   <p:tgtEl>
@@ -3418,8 +3588,8 @@
         </p:nvSpPr>
         <p:spPr>
           <a:xfrm>
-            <a:off x="504000" y="216000"/>
-            <a:ext cx="7019640" cy="935640"/>
+            <a:off x="503640" y="215640"/>
+            <a:ext cx="7016760" cy="935280"/>
           </a:xfrm>
           <a:prstGeom prst="rect">
             <a:avLst/>
@@ -3466,8 +3636,8 @@
         </p:nvSpPr>
         <p:spPr>
           <a:xfrm>
-            <a:off x="504000" y="1368000"/>
-            <a:ext cx="9071640" cy="3287880"/>
+            <a:off x="503640" y="1367640"/>
+            <a:ext cx="9068040" cy="3287160"/>
           </a:xfrm>
           <a:prstGeom prst="rect">
             <a:avLst/>
@@ -3677,8 +3847,8 @@
         </p:nvSpPr>
         <p:spPr>
           <a:xfrm>
-            <a:off x="504000" y="216000"/>
-            <a:ext cx="7019640" cy="935640"/>
+            <a:off x="503640" y="215640"/>
+            <a:ext cx="7016760" cy="935280"/>
           </a:xfrm>
           <a:prstGeom prst="rect">
             <a:avLst/>
@@ -3716,8 +3886,8 @@
         </p:blipFill>
         <p:spPr>
           <a:xfrm>
-            <a:off x="2377440" y="1409040"/>
-            <a:ext cx="5394960" cy="4168800"/>
+            <a:off x="2376360" y="1408680"/>
+            <a:ext cx="5392800" cy="4167720"/>
           </a:xfrm>
           <a:prstGeom prst="rect">
             <a:avLst/>
@@ -3784,8 +3954,8 @@
         </p:nvSpPr>
         <p:spPr>
           <a:xfrm>
-            <a:off x="504000" y="216000"/>
-            <a:ext cx="7019640" cy="935640"/>
+            <a:off x="503640" y="215640"/>
+            <a:ext cx="7016760" cy="935280"/>
           </a:xfrm>
           <a:prstGeom prst="rect">
             <a:avLst/>
@@ -3823,8 +3993,8 @@
         </p:blipFill>
         <p:spPr>
           <a:xfrm>
-            <a:off x="2221560" y="1280160"/>
-            <a:ext cx="5642280" cy="4359960"/>
+            <a:off x="2220480" y="1279800"/>
+            <a:ext cx="5640120" cy="4358880"/>
           </a:xfrm>
           <a:prstGeom prst="rect">
             <a:avLst/>
@@ -3891,8 +4061,8 @@
         </p:nvSpPr>
         <p:spPr>
           <a:xfrm>
-            <a:off x="504000" y="216000"/>
-            <a:ext cx="7019640" cy="935640"/>
+            <a:off x="503640" y="215640"/>
+            <a:ext cx="7016760" cy="935280"/>
           </a:xfrm>
           <a:prstGeom prst="rect">
             <a:avLst/>
@@ -3910,7 +4080,7 @@
               <a:rPr b="0" lang="en-US" sz="4400" spc="-1" strike="noStrike">
                 <a:latin typeface="Arial"/>
               </a:rPr>
-              <a:t>ATMega Code</a:t>
+              <a:t>ATMega Code Flow</a:t>
             </a:r>
             <a:endParaRPr b="0" lang="en-US" sz="4400" spc="-1" strike="noStrike">
               <a:latin typeface="Arial"/>
@@ -3926,8 +4096,8 @@
         </p:nvSpPr>
         <p:spPr>
           <a:xfrm>
-            <a:off x="504000" y="1368000"/>
-            <a:ext cx="9071640" cy="3287880"/>
+            <a:off x="503640" y="1367640"/>
+            <a:ext cx="9068040" cy="4025880"/>
           </a:xfrm>
           <a:prstGeom prst="rect">
             <a:avLst/>
@@ -3938,10 +4108,94 @@
           </a:ln>
         </p:spPr>
         <p:txBody>
-          <a:bodyPr lIns="0" rIns="0" tIns="0" bIns="0" anchor="ctr"/>
-          <a:p>
-            <a:pPr algn="ctr"/>
-            <a:endParaRPr b="0" lang="en-US" sz="3200" spc="-1" strike="noStrike">
+          <a:bodyPr lIns="0" rIns="0" tIns="0" bIns="0">
+            <a:normAutofit/>
+          </a:bodyPr>
+          <a:p>
+            <a:pPr marL="432000" indent="-324000">
+              <a:spcBef>
+                <a:spcPts val="1414"/>
+              </a:spcBef>
+              <a:buClr>
+                <a:srgbClr val="000000"/>
+              </a:buClr>
+              <a:buSzPct val="45000"/>
+              <a:buFont typeface="Wingdings" charset="2"/>
+              <a:buChar char=""/>
+            </a:pPr>
+            <a:r>
+              <a:rPr b="0" lang="en-US" sz="2400" spc="-1" strike="noStrike">
+                <a:latin typeface="Arial"/>
+              </a:rPr>
+              <a:t>ADC Init with commands DDRA,ADCSRA,ADMUX</a:t>
+            </a:r>
+            <a:endParaRPr b="0" lang="en-US" sz="2400" spc="-1" strike="noStrike">
+              <a:latin typeface="Arial"/>
+            </a:endParaRPr>
+          </a:p>
+          <a:p>
+            <a:pPr marL="432000" indent="-324000">
+              <a:spcBef>
+                <a:spcPts val="1414"/>
+              </a:spcBef>
+              <a:buClr>
+                <a:srgbClr val="000000"/>
+              </a:buClr>
+              <a:buSzPct val="45000"/>
+              <a:buFont typeface="Wingdings" charset="2"/>
+              <a:buChar char=""/>
+            </a:pPr>
+            <a:r>
+              <a:rPr b="0" lang="en-US" sz="2400" spc="-1" strike="noStrike">
+                <a:latin typeface="Arial"/>
+              </a:rPr>
+              <a:t>USART Init with commands ,UCSRC,UCSRB,UCSRB,UBRRH</a:t>
+            </a:r>
+            <a:endParaRPr b="0" lang="en-US" sz="2400" spc="-1" strike="noStrike">
+              <a:latin typeface="Arial"/>
+            </a:endParaRPr>
+          </a:p>
+          <a:p>
+            <a:pPr marL="432000" indent="-324000">
+              <a:spcBef>
+                <a:spcPts val="1414"/>
+              </a:spcBef>
+              <a:buClr>
+                <a:srgbClr val="000000"/>
+              </a:buClr>
+              <a:buSzPct val="45000"/>
+              <a:buFont typeface="Wingdings" charset="2"/>
+              <a:buChar char=""/>
+            </a:pPr>
+            <a:r>
+              <a:rPr b="0" lang="en-US" sz="2400" spc="-1" strike="noStrike">
+                <a:latin typeface="Arial"/>
+              </a:rPr>
+              <a:t>Infinite while loop with ADC read convertion of the analog value to Digital and convertion of the digital value to Celsius with the function (Celsius = (Value * 4.88))/10</a:t>
+            </a:r>
+            <a:endParaRPr b="0" lang="en-US" sz="2400" spc="-1" strike="noStrike">
+              <a:latin typeface="Arial"/>
+            </a:endParaRPr>
+          </a:p>
+          <a:p>
+            <a:pPr marL="432000" indent="-324000">
+              <a:spcBef>
+                <a:spcPts val="1414"/>
+              </a:spcBef>
+              <a:buClr>
+                <a:srgbClr val="000000"/>
+              </a:buClr>
+              <a:buSzPct val="45000"/>
+              <a:buFont typeface="Wingdings" charset="2"/>
+              <a:buChar char=""/>
+            </a:pPr>
+            <a:r>
+              <a:rPr b="0" lang="en-US" sz="2400" spc="-1" strike="noStrike">
+                <a:latin typeface="Arial"/>
+              </a:rPr>
+              <a:t>Transmit via USART the converted value to connected PC with the use of a FTDI 232</a:t>
+            </a:r>
+            <a:endParaRPr b="0" lang="en-US" sz="2400" spc="-1" strike="noStrike">
               <a:latin typeface="Arial"/>
             </a:endParaRPr>
           </a:p>
@@ -3949,6 +4203,724 @@
       </p:sp>
     </p:spTree>
   </p:cSld>
+  <p:timing>
+    <p:tnLst>
+      <p:par>
+        <p:cTn id="9" dur="indefinite" restart="never" nodeType="tmRoot">
+          <p:childTnLst>
+            <p:seq>
+              <p:cTn id="10" dur="indefinite" nodeType="mainSeq"/>
+              <p:prevCondLst>
+                <p:cond delay="0" evt="onPrev">
+                  <p:tgtEl>
+                    <p:sldTgt/>
+                  </p:tgtEl>
+                </p:cond>
+              </p:prevCondLst>
+              <p:nextCondLst>
+                <p:cond delay="0" evt="onNext">
+                  <p:tgtEl>
+                    <p:sldTgt/>
+                  </p:tgtEl>
+                </p:cond>
+              </p:nextCondLst>
+            </p:seq>
+          </p:childTnLst>
+        </p:cTn>
+      </p:par>
+    </p:tnLst>
+  </p:timing>
+</p:sld>
+</file>
+
+<file path=ppt/slides/slide6.xml><?xml version="1.0" encoding="utf-8"?>
+<p:sld xmlns:a="http://schemas.openxmlformats.org/drawingml/2006/main" xmlns:p="http://schemas.openxmlformats.org/presentationml/2006/main" xmlns:r="http://schemas.openxmlformats.org/officeDocument/2006/relationships" xmlns:p14="http://schemas.microsoft.com/office/powerpoint/2010/main" xmlns:p15="http://schemas.microsoft.com/office/powerpoint/2012/main" xmlns:mc="http://schemas.openxmlformats.org/markup-compatibility/2006">
+  <p:cSld>
+    <p:spTree>
+      <p:nvGrpSpPr>
+        <p:cNvPr id="1" name=""/>
+        <p:cNvGrpSpPr/>
+        <p:nvPr/>
+      </p:nvGrpSpPr>
+      <p:grpSpPr>
+        <a:xfrm>
+          <a:off x="0" y="0"/>
+          <a:ext cx="0" cy="0"/>
+          <a:chOff x="0" y="0"/>
+          <a:chExt cx="0" cy="0"/>
+        </a:xfrm>
+      </p:grpSpPr>
+      <p:sp>
+        <p:nvSpPr>
+          <p:cNvPr id="88" name="TextShape 1"/>
+          <p:cNvSpPr txBox="1"/>
+          <p:nvPr/>
+        </p:nvSpPr>
+        <p:spPr>
+          <a:xfrm>
+            <a:off x="503640" y="215640"/>
+            <a:ext cx="7016760" cy="935280"/>
+          </a:xfrm>
+          <a:prstGeom prst="rect">
+            <a:avLst/>
+          </a:prstGeom>
+          <a:noFill/>
+          <a:ln>
+            <a:noFill/>
+          </a:ln>
+        </p:spPr>
+        <p:txBody>
+          <a:bodyPr lIns="0" rIns="0" tIns="0" bIns="0" anchor="ctr"/>
+          <a:p>
+            <a:pPr algn="ctr"/>
+            <a:r>
+              <a:rPr b="0" lang="en-US" sz="4400" spc="-1" strike="noStrike">
+                <a:latin typeface="Arial"/>
+              </a:rPr>
+              <a:t>Software Requirements</a:t>
+            </a:r>
+            <a:endParaRPr b="0" lang="en-US" sz="4400" spc="-1" strike="noStrike">
+              <a:latin typeface="Arial"/>
+            </a:endParaRPr>
+          </a:p>
+        </p:txBody>
+      </p:sp>
+      <p:sp>
+        <p:nvSpPr>
+          <p:cNvPr id="89" name="TextShape 2"/>
+          <p:cNvSpPr txBox="1"/>
+          <p:nvPr/>
+        </p:nvSpPr>
+        <p:spPr>
+          <a:xfrm>
+            <a:off x="503640" y="1367640"/>
+            <a:ext cx="9068040" cy="4117320"/>
+          </a:xfrm>
+          <a:prstGeom prst="rect">
+            <a:avLst/>
+          </a:prstGeom>
+          <a:noFill/>
+          <a:ln>
+            <a:noFill/>
+          </a:ln>
+        </p:spPr>
+        <p:txBody>
+          <a:bodyPr lIns="0" rIns="0" tIns="0" bIns="0">
+            <a:normAutofit/>
+          </a:bodyPr>
+          <a:p>
+            <a:pPr marL="432000" indent="-324000">
+              <a:spcBef>
+                <a:spcPts val="1414"/>
+              </a:spcBef>
+              <a:buClr>
+                <a:srgbClr val="000000"/>
+              </a:buClr>
+              <a:buSzPct val="45000"/>
+              <a:buFont typeface="Wingdings" charset="2"/>
+              <a:buChar char=""/>
+            </a:pPr>
+            <a:r>
+              <a:rPr b="0" lang="en-US" sz="3200" spc="-1" strike="noStrike">
+                <a:latin typeface="Arial"/>
+              </a:rPr>
+              <a:t>Python 3.5</a:t>
+            </a:r>
+            <a:endParaRPr b="0" lang="en-US" sz="3200" spc="-1" strike="noStrike">
+              <a:latin typeface="Arial"/>
+            </a:endParaRPr>
+          </a:p>
+          <a:p>
+            <a:pPr marL="432000" indent="-324000">
+              <a:spcBef>
+                <a:spcPts val="1414"/>
+              </a:spcBef>
+              <a:buClr>
+                <a:srgbClr val="000000"/>
+              </a:buClr>
+              <a:buSzPct val="45000"/>
+              <a:buFont typeface="Wingdings" charset="2"/>
+              <a:buChar char=""/>
+            </a:pPr>
+            <a:r>
+              <a:rPr b="0" lang="en-US" sz="3200" spc="-1" strike="noStrike">
+                <a:latin typeface="Arial"/>
+              </a:rPr>
+              <a:t>Python library Serial</a:t>
+            </a:r>
+            <a:endParaRPr b="0" lang="en-US" sz="3200" spc="-1" strike="noStrike">
+              <a:latin typeface="Arial"/>
+            </a:endParaRPr>
+          </a:p>
+          <a:p>
+            <a:pPr marL="432000" indent="-324000">
+              <a:spcBef>
+                <a:spcPts val="1414"/>
+              </a:spcBef>
+              <a:buClr>
+                <a:srgbClr val="000000"/>
+              </a:buClr>
+              <a:buSzPct val="45000"/>
+              <a:buFont typeface="Wingdings" charset="2"/>
+              <a:buChar char=""/>
+            </a:pPr>
+            <a:r>
+              <a:rPr b="0" lang="en-US" sz="3200" spc="-1" strike="noStrike">
+                <a:latin typeface="Arial"/>
+              </a:rPr>
+              <a:t>Python Library Matplotlib</a:t>
+            </a:r>
+            <a:endParaRPr b="0" lang="en-US" sz="3200" spc="-1" strike="noStrike">
+              <a:latin typeface="Arial"/>
+            </a:endParaRPr>
+          </a:p>
+          <a:p>
+            <a:pPr marL="432000" indent="-324000">
+              <a:spcBef>
+                <a:spcPts val="1414"/>
+              </a:spcBef>
+              <a:buClr>
+                <a:srgbClr val="000000"/>
+              </a:buClr>
+              <a:buSzPct val="45000"/>
+              <a:buFont typeface="Wingdings" charset="2"/>
+              <a:buChar char=""/>
+            </a:pPr>
+            <a:r>
+              <a:rPr b="0" lang="en-US" sz="3200" spc="-1" strike="noStrike">
+                <a:latin typeface="Arial"/>
+              </a:rPr>
+              <a:t>Python Library drawnow</a:t>
+            </a:r>
+            <a:endParaRPr b="0" lang="en-US" sz="3200" spc="-1" strike="noStrike">
+              <a:latin typeface="Arial"/>
+            </a:endParaRPr>
+          </a:p>
+        </p:txBody>
+      </p:sp>
+    </p:spTree>
+  </p:cSld>
+  <p:timing>
+    <p:tnLst>
+      <p:par>
+        <p:cTn id="11" dur="indefinite" restart="never" nodeType="tmRoot">
+          <p:childTnLst>
+            <p:seq>
+              <p:cTn id="12" dur="indefinite" nodeType="mainSeq"/>
+              <p:prevCondLst>
+                <p:cond delay="0" evt="onPrev">
+                  <p:tgtEl>
+                    <p:sldTgt/>
+                  </p:tgtEl>
+                </p:cond>
+              </p:prevCondLst>
+              <p:nextCondLst>
+                <p:cond delay="0" evt="onNext">
+                  <p:tgtEl>
+                    <p:sldTgt/>
+                  </p:tgtEl>
+                </p:cond>
+              </p:nextCondLst>
+            </p:seq>
+          </p:childTnLst>
+        </p:cTn>
+      </p:par>
+    </p:tnLst>
+  </p:timing>
+</p:sld>
+</file>
+
+<file path=ppt/slides/slide7.xml><?xml version="1.0" encoding="utf-8"?>
+<p:sld xmlns:a="http://schemas.openxmlformats.org/drawingml/2006/main" xmlns:p="http://schemas.openxmlformats.org/presentationml/2006/main" xmlns:r="http://schemas.openxmlformats.org/officeDocument/2006/relationships" xmlns:p14="http://schemas.microsoft.com/office/powerpoint/2010/main" xmlns:p15="http://schemas.microsoft.com/office/powerpoint/2012/main" xmlns:mc="http://schemas.openxmlformats.org/markup-compatibility/2006">
+  <p:cSld>
+    <p:spTree>
+      <p:nvGrpSpPr>
+        <p:cNvPr id="1" name=""/>
+        <p:cNvGrpSpPr/>
+        <p:nvPr/>
+      </p:nvGrpSpPr>
+      <p:grpSpPr>
+        <a:xfrm>
+          <a:off x="0" y="0"/>
+          <a:ext cx="0" cy="0"/>
+          <a:chOff x="0" y="0"/>
+          <a:chExt cx="0" cy="0"/>
+        </a:xfrm>
+      </p:grpSpPr>
+      <p:sp>
+        <p:nvSpPr>
+          <p:cNvPr id="90" name="TextShape 1"/>
+          <p:cNvSpPr txBox="1"/>
+          <p:nvPr/>
+        </p:nvSpPr>
+        <p:spPr>
+          <a:xfrm>
+            <a:off x="503640" y="215640"/>
+            <a:ext cx="7016760" cy="935280"/>
+          </a:xfrm>
+          <a:prstGeom prst="rect">
+            <a:avLst/>
+          </a:prstGeom>
+          <a:noFill/>
+          <a:ln>
+            <a:noFill/>
+          </a:ln>
+        </p:spPr>
+        <p:txBody>
+          <a:bodyPr lIns="0" rIns="0" tIns="0" bIns="0" anchor="ctr"/>
+          <a:p>
+            <a:pPr algn="ctr"/>
+            <a:r>
+              <a:rPr b="0" lang="en-US" sz="4400" spc="-1" strike="noStrike">
+                <a:latin typeface="Arial"/>
+              </a:rPr>
+              <a:t>Python Code</a:t>
+            </a:r>
+            <a:endParaRPr b="0" lang="en-US" sz="4400" spc="-1" strike="noStrike">
+              <a:latin typeface="Arial"/>
+            </a:endParaRPr>
+          </a:p>
+        </p:txBody>
+      </p:sp>
+      <p:sp>
+        <p:nvSpPr>
+          <p:cNvPr id="91" name="TextShape 2"/>
+          <p:cNvSpPr txBox="1"/>
+          <p:nvPr/>
+        </p:nvSpPr>
+        <p:spPr>
+          <a:xfrm>
+            <a:off x="503640" y="1367640"/>
+            <a:ext cx="9068040" cy="4208760"/>
+          </a:xfrm>
+          <a:prstGeom prst="rect">
+            <a:avLst/>
+          </a:prstGeom>
+          <a:noFill/>
+          <a:ln>
+            <a:noFill/>
+          </a:ln>
+        </p:spPr>
+        <p:txBody>
+          <a:bodyPr lIns="0" rIns="0" tIns="0" bIns="0">
+            <a:normAutofit/>
+          </a:bodyPr>
+          <a:p>
+            <a:pPr marL="432000" indent="-324000">
+              <a:spcBef>
+                <a:spcPts val="1414"/>
+              </a:spcBef>
+              <a:buClr>
+                <a:srgbClr val="000000"/>
+              </a:buClr>
+              <a:buSzPct val="45000"/>
+              <a:buFont typeface="Wingdings" charset="2"/>
+              <a:buChar char=""/>
+            </a:pPr>
+            <a:r>
+              <a:rPr b="0" lang="en-US" sz="2600" spc="-1" strike="noStrike">
+                <a:latin typeface="Arial"/>
+              </a:rPr>
+              <a:t>Open serial port /dev/ttyUSB0 with baudrate 1200.</a:t>
+            </a:r>
+            <a:endParaRPr b="0" lang="en-US" sz="2600" spc="-1" strike="noStrike">
+              <a:latin typeface="Arial"/>
+            </a:endParaRPr>
+          </a:p>
+          <a:p>
+            <a:pPr marL="432000" indent="-324000">
+              <a:spcBef>
+                <a:spcPts val="1414"/>
+              </a:spcBef>
+              <a:buClr>
+                <a:srgbClr val="000000"/>
+              </a:buClr>
+              <a:buSzPct val="45000"/>
+              <a:buFont typeface="Wingdings" charset="2"/>
+              <a:buChar char=""/>
+            </a:pPr>
+            <a:r>
+              <a:rPr b="0" lang="en-US" sz="2600" spc="-1" strike="noStrike">
+                <a:latin typeface="Arial"/>
+              </a:rPr>
+              <a:t>Keep 2 list. One for temperature and one for average temperature</a:t>
+            </a:r>
+            <a:endParaRPr b="0" lang="en-US" sz="2600" spc="-1" strike="noStrike">
+              <a:latin typeface="Arial"/>
+            </a:endParaRPr>
+          </a:p>
+          <a:p>
+            <a:pPr marL="432000" indent="-324000">
+              <a:spcBef>
+                <a:spcPts val="1414"/>
+              </a:spcBef>
+              <a:buClr>
+                <a:srgbClr val="000000"/>
+              </a:buClr>
+              <a:buSzPct val="45000"/>
+              <a:buFont typeface="Wingdings" charset="2"/>
+              <a:buChar char=""/>
+            </a:pPr>
+            <a:r>
+              <a:rPr b="0" lang="en-US" sz="2600" spc="-1" strike="noStrike">
+                <a:latin typeface="Arial"/>
+              </a:rPr>
+              <a:t>In a try block we create a new file and in a while block we read the values from UART. We convert the values from string to float and we keep them in the temperature list</a:t>
+            </a:r>
+            <a:endParaRPr b="0" lang="en-US" sz="2600" spc="-1" strike="noStrike">
+              <a:latin typeface="Arial"/>
+            </a:endParaRPr>
+          </a:p>
+          <a:p>
+            <a:pPr marL="432000" indent="-324000">
+              <a:spcBef>
+                <a:spcPts val="1414"/>
+              </a:spcBef>
+              <a:buClr>
+                <a:srgbClr val="000000"/>
+              </a:buClr>
+              <a:buSzPct val="45000"/>
+              <a:buFont typeface="Wingdings" charset="2"/>
+              <a:buChar char=""/>
+            </a:pPr>
+            <a:r>
+              <a:rPr b="0" lang="en-US" sz="2600" spc="-1" strike="noStrike">
+                <a:latin typeface="Arial"/>
+              </a:rPr>
+              <a:t>We write the value with interpolation strings to the file</a:t>
+            </a:r>
+            <a:endParaRPr b="0" lang="en-US" sz="2600" spc="-1" strike="noStrike">
+              <a:latin typeface="Arial"/>
+            </a:endParaRPr>
+          </a:p>
+          <a:p>
+            <a:pPr marL="432000" indent="-324000">
+              <a:spcBef>
+                <a:spcPts val="1414"/>
+              </a:spcBef>
+              <a:buClr>
+                <a:srgbClr val="000000"/>
+              </a:buClr>
+              <a:buSzPct val="45000"/>
+              <a:buFont typeface="Wingdings" charset="2"/>
+              <a:buChar char=""/>
+            </a:pPr>
+            <a:r>
+              <a:rPr b="0" lang="en-US" sz="2600" spc="-1" strike="noStrike">
+                <a:latin typeface="Arial"/>
+              </a:rPr>
+              <a:t>……</a:t>
+            </a:r>
+            <a:r>
+              <a:rPr b="0" lang="en-US" sz="2600" spc="-1" strike="noStrike">
+                <a:latin typeface="Arial"/>
+              </a:rPr>
+              <a:t>..</a:t>
+            </a:r>
+            <a:endParaRPr b="0" lang="en-US" sz="2600" spc="-1" strike="noStrike">
+              <a:latin typeface="Arial"/>
+            </a:endParaRPr>
+          </a:p>
+        </p:txBody>
+      </p:sp>
+    </p:spTree>
+  </p:cSld>
+  <p:timing>
+    <p:tnLst>
+      <p:par>
+        <p:cTn id="13" dur="indefinite" restart="never" nodeType="tmRoot">
+          <p:childTnLst>
+            <p:seq>
+              <p:cTn id="14" dur="indefinite" nodeType="mainSeq"/>
+              <p:prevCondLst>
+                <p:cond delay="0" evt="onPrev">
+                  <p:tgtEl>
+                    <p:sldTgt/>
+                  </p:tgtEl>
+                </p:cond>
+              </p:prevCondLst>
+              <p:nextCondLst>
+                <p:cond delay="0" evt="onNext">
+                  <p:tgtEl>
+                    <p:sldTgt/>
+                  </p:tgtEl>
+                </p:cond>
+              </p:nextCondLst>
+            </p:seq>
+          </p:childTnLst>
+        </p:cTn>
+      </p:par>
+    </p:tnLst>
+  </p:timing>
+</p:sld>
+</file>
+
+<file path=ppt/slides/slide8.xml><?xml version="1.0" encoding="utf-8"?>
+<p:sld xmlns:a="http://schemas.openxmlformats.org/drawingml/2006/main" xmlns:p="http://schemas.openxmlformats.org/presentationml/2006/main" xmlns:r="http://schemas.openxmlformats.org/officeDocument/2006/relationships" xmlns:p14="http://schemas.microsoft.com/office/powerpoint/2010/main" xmlns:p15="http://schemas.microsoft.com/office/powerpoint/2012/main" xmlns:mc="http://schemas.openxmlformats.org/markup-compatibility/2006">
+  <p:cSld>
+    <p:spTree>
+      <p:nvGrpSpPr>
+        <p:cNvPr id="1" name=""/>
+        <p:cNvGrpSpPr/>
+        <p:nvPr/>
+      </p:nvGrpSpPr>
+      <p:grpSpPr>
+        <a:xfrm>
+          <a:off x="0" y="0"/>
+          <a:ext cx="0" cy="0"/>
+          <a:chOff x="0" y="0"/>
+          <a:chExt cx="0" cy="0"/>
+        </a:xfrm>
+      </p:grpSpPr>
+      <p:sp>
+        <p:nvSpPr>
+          <p:cNvPr id="92" name="TextShape 1"/>
+          <p:cNvSpPr txBox="1"/>
+          <p:nvPr/>
+        </p:nvSpPr>
+        <p:spPr>
+          <a:xfrm>
+            <a:off x="503640" y="1367640"/>
+            <a:ext cx="9068040" cy="3287160"/>
+          </a:xfrm>
+          <a:prstGeom prst="rect">
+            <a:avLst/>
+          </a:prstGeom>
+          <a:noFill/>
+          <a:ln>
+            <a:noFill/>
+          </a:ln>
+        </p:spPr>
+        <p:txBody>
+          <a:bodyPr lIns="0" rIns="0" tIns="0" bIns="0">
+            <a:normAutofit/>
+          </a:bodyPr>
+          <a:p>
+            <a:pPr marL="432000" indent="-324000">
+              <a:spcBef>
+                <a:spcPts val="1414"/>
+              </a:spcBef>
+              <a:buClr>
+                <a:srgbClr val="000000"/>
+              </a:buClr>
+              <a:buSzPct val="45000"/>
+              <a:buFont typeface="Wingdings" charset="2"/>
+              <a:buChar char=""/>
+            </a:pPr>
+            <a:r>
+              <a:rPr b="0" lang="en-US" sz="3200" spc="-1" strike="noStrike">
+                <a:latin typeface="Arial"/>
+              </a:rPr>
+              <a:t>We append the values to the temperature list</a:t>
+            </a:r>
+            <a:endParaRPr b="0" lang="en-US" sz="3200" spc="-1" strike="noStrike">
+              <a:latin typeface="Arial"/>
+            </a:endParaRPr>
+          </a:p>
+          <a:p>
+            <a:pPr marL="432000" indent="-324000">
+              <a:spcBef>
+                <a:spcPts val="1414"/>
+              </a:spcBef>
+              <a:buClr>
+                <a:srgbClr val="000000"/>
+              </a:buClr>
+              <a:buSzPct val="45000"/>
+              <a:buFont typeface="Wingdings" charset="2"/>
+              <a:buChar char=""/>
+            </a:pPr>
+            <a:r>
+              <a:rPr b="0" lang="en-US" sz="3200" spc="-1" strike="noStrike">
+                <a:latin typeface="Arial"/>
+              </a:rPr>
+              <a:t>We setup matplotlib plot </a:t>
+            </a:r>
+            <a:endParaRPr b="0" lang="en-US" sz="3200" spc="-1" strike="noStrike">
+              <a:latin typeface="Arial"/>
+            </a:endParaRPr>
+          </a:p>
+          <a:p>
+            <a:pPr marL="432000" indent="-324000">
+              <a:spcBef>
+                <a:spcPts val="1414"/>
+              </a:spcBef>
+              <a:buClr>
+                <a:srgbClr val="000000"/>
+              </a:buClr>
+              <a:buSzPct val="45000"/>
+              <a:buFont typeface="Wingdings" charset="2"/>
+              <a:buChar char=""/>
+            </a:pPr>
+            <a:r>
+              <a:rPr b="0" lang="en-US" sz="3200" spc="-1" strike="noStrike">
+                <a:latin typeface="Arial"/>
+              </a:rPr>
+              <a:t>We calculate the average temperature and we append the value to the average list</a:t>
+            </a:r>
+            <a:endParaRPr b="0" lang="en-US" sz="3200" spc="-1" strike="noStrike">
+              <a:latin typeface="Arial"/>
+            </a:endParaRPr>
+          </a:p>
+          <a:p>
+            <a:pPr marL="432000" indent="-324000">
+              <a:spcBef>
+                <a:spcPts val="1414"/>
+              </a:spcBef>
+              <a:buClr>
+                <a:srgbClr val="000000"/>
+              </a:buClr>
+              <a:buSzPct val="45000"/>
+              <a:buFont typeface="Wingdings" charset="2"/>
+              <a:buChar char=""/>
+            </a:pPr>
+            <a:r>
+              <a:rPr b="0" lang="en-US" sz="3200" spc="-1" strike="noStrike">
+                <a:latin typeface="Arial"/>
+              </a:rPr>
+              <a:t>If the length of the two lists is bigger that 50 we remove(pop) the first element of the list. This is necessary for keeping the render of the plot at maximun 50 steps</a:t>
+            </a:r>
+            <a:endParaRPr b="0" lang="en-US" sz="3200" spc="-1" strike="noStrike">
+              <a:latin typeface="Arial"/>
+            </a:endParaRPr>
+          </a:p>
+        </p:txBody>
+      </p:sp>
+    </p:spTree>
+  </p:cSld>
+  <p:timing>
+    <p:tnLst>
+      <p:par>
+        <p:cTn id="15" dur="indefinite" restart="never" nodeType="tmRoot">
+          <p:childTnLst>
+            <p:seq>
+              <p:cTn id="16" dur="indefinite" nodeType="mainSeq"/>
+              <p:prevCondLst>
+                <p:cond delay="0" evt="onPrev">
+                  <p:tgtEl>
+                    <p:sldTgt/>
+                  </p:tgtEl>
+                </p:cond>
+              </p:prevCondLst>
+              <p:nextCondLst>
+                <p:cond delay="0" evt="onNext">
+                  <p:tgtEl>
+                    <p:sldTgt/>
+                  </p:tgtEl>
+                </p:cond>
+              </p:nextCondLst>
+            </p:seq>
+          </p:childTnLst>
+        </p:cTn>
+      </p:par>
+    </p:tnLst>
+  </p:timing>
+</p:sld>
+</file>
+
+<file path=ppt/slides/slide9.xml><?xml version="1.0" encoding="utf-8"?>
+<p:sld xmlns:a="http://schemas.openxmlformats.org/drawingml/2006/main" xmlns:p="http://schemas.openxmlformats.org/presentationml/2006/main" xmlns:r="http://schemas.openxmlformats.org/officeDocument/2006/relationships" xmlns:p14="http://schemas.microsoft.com/office/powerpoint/2010/main" xmlns:p15="http://schemas.microsoft.com/office/powerpoint/2012/main" xmlns:mc="http://schemas.openxmlformats.org/markup-compatibility/2006">
+  <p:cSld>
+    <p:spTree>
+      <p:nvGrpSpPr>
+        <p:cNvPr id="1" name=""/>
+        <p:cNvGrpSpPr/>
+        <p:nvPr/>
+      </p:nvGrpSpPr>
+      <p:grpSpPr>
+        <a:xfrm>
+          <a:off x="0" y="0"/>
+          <a:ext cx="0" cy="0"/>
+          <a:chOff x="0" y="0"/>
+          <a:chExt cx="0" cy="0"/>
+        </a:xfrm>
+      </p:grpSpPr>
+      <p:sp>
+        <p:nvSpPr>
+          <p:cNvPr id="93" name="TextShape 1"/>
+          <p:cNvSpPr txBox="1"/>
+          <p:nvPr/>
+        </p:nvSpPr>
+        <p:spPr>
+          <a:xfrm>
+            <a:off x="503640" y="215640"/>
+            <a:ext cx="7016760" cy="935280"/>
+          </a:xfrm>
+          <a:prstGeom prst="rect">
+            <a:avLst/>
+          </a:prstGeom>
+          <a:noFill/>
+          <a:ln>
+            <a:noFill/>
+          </a:ln>
+        </p:spPr>
+        <p:txBody>
+          <a:bodyPr lIns="0" rIns="0" tIns="0" bIns="0" anchor="ctr"/>
+          <a:p>
+            <a:pPr algn="ctr"/>
+            <a:r>
+              <a:rPr b="0" lang="en-US" sz="4400" spc="-1" strike="noStrike">
+                <a:latin typeface="Arial"/>
+              </a:rPr>
+              <a:t>The Hardware</a:t>
+            </a:r>
+            <a:endParaRPr b="0" lang="en-US" sz="4400" spc="-1" strike="noStrike">
+              <a:latin typeface="Arial"/>
+            </a:endParaRPr>
+          </a:p>
+        </p:txBody>
+      </p:sp>
+      <p:pic>
+        <p:nvPicPr>
+          <p:cNvPr id="94" name="" descr=""/>
+          <p:cNvPicPr/>
+          <p:nvPr/>
+        </p:nvPicPr>
+        <p:blipFill>
+          <a:blip r:embed="rId1"/>
+          <a:stretch/>
+        </p:blipFill>
+        <p:spPr>
+          <a:xfrm>
+            <a:off x="4113000" y="1367280"/>
+            <a:ext cx="2379240" cy="4230720"/>
+          </a:xfrm>
+          <a:prstGeom prst="rect">
+            <a:avLst/>
+          </a:prstGeom>
+          <a:ln>
+            <a:noFill/>
+          </a:ln>
+        </p:spPr>
+      </p:pic>
+    </p:spTree>
+  </p:cSld>
+  <p:timing>
+    <p:tnLst>
+      <p:par>
+        <p:cTn id="17" dur="indefinite" restart="never" nodeType="tmRoot">
+          <p:childTnLst>
+            <p:seq>
+              <p:cTn id="18" dur="indefinite" nodeType="mainSeq"/>
+              <p:prevCondLst>
+                <p:cond delay="0" evt="onPrev">
+                  <p:tgtEl>
+                    <p:sldTgt/>
+                  </p:tgtEl>
+                </p:cond>
+              </p:prevCondLst>
+              <p:nextCondLst>
+                <p:cond delay="0" evt="onNext">
+                  <p:tgtEl>
+                    <p:sldTgt/>
+                  </p:tgtEl>
+                </p:cond>
+              </p:nextCondLst>
+            </p:seq>
+          </p:childTnLst>
+        </p:cTn>
+      </p:par>
+    </p:tnLst>
+  </p:timing>
 </p:sld>
 </file>
 

--- a/Documents/FirstPresentation.pptx
+++ b/Documents/FirstPresentation.pptx
@@ -16,6 +16,7 @@
     <p:sldId id="263" r:id="rId11"/>
     <p:sldId id="264" r:id="rId12"/>
     <p:sldId id="265" r:id="rId13"/>
+    <p:sldId id="266" r:id="rId14"/>
   </p:sldIdLst>
   <p:sldSz cx="10077450" cy="5668962"/>
   <p:notesSz cx="7772400" cy="10058400"/>
@@ -2799,13 +2800,7 @@
               <a:rPr b="0" lang="en-US" sz="3200" spc="-1" strike="noStrike">
                 <a:latin typeface="Arial"/>
               </a:rPr>
-              <a:t>Click to edit the </a:t>
-            </a:r>
-            <a:r>
-              <a:rPr b="0" lang="en-US" sz="3200" spc="-1" strike="noStrike">
-                <a:latin typeface="Arial"/>
-              </a:rPr>
-              <a:t>outline text format</a:t>
+              <a:t>Click to edit the outline text format</a:t>
             </a:r>
             <a:endParaRPr b="0" lang="en-US" sz="3200" spc="-1" strike="noStrike">
               <a:latin typeface="Arial"/>
@@ -2827,13 +2822,7 @@
               <a:rPr b="0" lang="en-US" sz="2800" spc="-1" strike="noStrike">
                 <a:latin typeface="Arial"/>
               </a:rPr>
-              <a:t>Second Outline </a:t>
-            </a:r>
-            <a:r>
-              <a:rPr b="0" lang="en-US" sz="2800" spc="-1" strike="noStrike">
-                <a:latin typeface="Arial"/>
-              </a:rPr>
-              <a:t>Level</a:t>
+              <a:t>Second Outline Level</a:t>
             </a:r>
             <a:endParaRPr b="0" lang="en-US" sz="2800" spc="-1" strike="noStrike">
               <a:latin typeface="Arial"/>
@@ -2899,13 +2888,7 @@
               <a:rPr b="0" lang="en-US" sz="2000" spc="-1" strike="noStrike">
                 <a:latin typeface="Arial"/>
               </a:rPr>
-              <a:t>Fifth Outline </a:t>
-            </a:r>
-            <a:r>
-              <a:rPr b="0" lang="en-US" sz="2000" spc="-1" strike="noStrike">
-                <a:latin typeface="Arial"/>
-              </a:rPr>
-              <a:t>Level</a:t>
+              <a:t>Fifth Outline Level</a:t>
             </a:r>
             <a:endParaRPr b="0" lang="en-US" sz="2000" spc="-1" strike="noStrike">
               <a:latin typeface="Arial"/>
@@ -2927,13 +2910,7 @@
               <a:rPr b="0" lang="en-US" sz="2000" spc="-1" strike="noStrike">
                 <a:latin typeface="Arial"/>
               </a:rPr>
-              <a:t>Sixth Outline </a:t>
-            </a:r>
-            <a:r>
-              <a:rPr b="0" lang="en-US" sz="2000" spc="-1" strike="noStrike">
-                <a:latin typeface="Arial"/>
-              </a:rPr>
-              <a:t>Level</a:t>
+              <a:t>Sixth Outline Level</a:t>
             </a:r>
             <a:endParaRPr b="0" lang="en-US" sz="2000" spc="-1" strike="noStrike">
               <a:latin typeface="Arial"/>
@@ -2955,19 +2932,7 @@
               <a:rPr b="0" lang="en-US" sz="2000" spc="-1" strike="noStrike">
                 <a:latin typeface="Arial"/>
               </a:rPr>
-              <a:t>Seventh </a:t>
-            </a:r>
-            <a:r>
-              <a:rPr b="0" lang="en-US" sz="2000" spc="-1" strike="noStrike">
-                <a:latin typeface="Arial"/>
-              </a:rPr>
-              <a:t>Outline </a:t>
-            </a:r>
-            <a:r>
-              <a:rPr b="0" lang="en-US" sz="2000" spc="-1" strike="noStrike">
-                <a:latin typeface="Arial"/>
-              </a:rPr>
-              <a:t>Level</a:t>
+              <a:t>Seventh Outline Level</a:t>
             </a:r>
             <a:endParaRPr b="0" lang="en-US" sz="2000" spc="-1" strike="noStrike">
               <a:latin typeface="Arial"/>
@@ -3563,6 +3528,159 @@
 </p:sld>
 </file>
 
+<file path=ppt/slides/slide11.xml><?xml version="1.0" encoding="utf-8"?>
+<p:sld xmlns:a="http://schemas.openxmlformats.org/drawingml/2006/main" xmlns:p="http://schemas.openxmlformats.org/presentationml/2006/main" xmlns:r="http://schemas.openxmlformats.org/officeDocument/2006/relationships" xmlns:p14="http://schemas.microsoft.com/office/powerpoint/2010/main" xmlns:p15="http://schemas.microsoft.com/office/powerpoint/2012/main" xmlns:mc="http://schemas.openxmlformats.org/markup-compatibility/2006">
+  <p:cSld>
+    <p:spTree>
+      <p:nvGrpSpPr>
+        <p:cNvPr id="1" name=""/>
+        <p:cNvGrpSpPr/>
+        <p:nvPr/>
+      </p:nvGrpSpPr>
+      <p:grpSpPr>
+        <a:xfrm>
+          <a:off x="0" y="0"/>
+          <a:ext cx="0" cy="0"/>
+          <a:chOff x="0" y="0"/>
+          <a:chExt cx="0" cy="0"/>
+        </a:xfrm>
+      </p:grpSpPr>
+      <p:sp>
+        <p:nvSpPr>
+          <p:cNvPr id="99" name="TextShape 1"/>
+          <p:cNvSpPr txBox="1"/>
+          <p:nvPr/>
+        </p:nvSpPr>
+        <p:spPr>
+          <a:xfrm>
+            <a:off x="503640" y="215640"/>
+            <a:ext cx="7016760" cy="935280"/>
+          </a:xfrm>
+          <a:prstGeom prst="rect">
+            <a:avLst/>
+          </a:prstGeom>
+          <a:noFill/>
+          <a:ln>
+            <a:noFill/>
+          </a:ln>
+        </p:spPr>
+        <p:txBody>
+          <a:bodyPr lIns="0" rIns="0" tIns="0" bIns="0" anchor="ctr"/>
+          <a:p>
+            <a:pPr algn="ctr"/>
+            <a:r>
+              <a:rPr b="0" lang="en-US" sz="4400" spc="-1" strike="noStrike">
+                <a:latin typeface="Arial"/>
+              </a:rPr>
+              <a:t>GitHub</a:t>
+            </a:r>
+            <a:endParaRPr b="0" lang="en-US" sz="4400" spc="-1" strike="noStrike">
+              <a:latin typeface="Arial"/>
+            </a:endParaRPr>
+          </a:p>
+        </p:txBody>
+      </p:sp>
+      <p:sp>
+        <p:nvSpPr>
+          <p:cNvPr id="100" name="TextShape 2"/>
+          <p:cNvSpPr txBox="1"/>
+          <p:nvPr/>
+        </p:nvSpPr>
+        <p:spPr>
+          <a:xfrm>
+            <a:off x="503640" y="1367640"/>
+            <a:ext cx="9068040" cy="3287160"/>
+          </a:xfrm>
+          <a:prstGeom prst="rect">
+            <a:avLst/>
+          </a:prstGeom>
+          <a:noFill/>
+          <a:ln>
+            <a:noFill/>
+          </a:ln>
+        </p:spPr>
+        <p:txBody>
+          <a:bodyPr lIns="0" rIns="0" tIns="0" bIns="0">
+            <a:normAutofit/>
+          </a:bodyPr>
+          <a:p>
+            <a:pPr marL="432000" indent="-324000">
+              <a:spcBef>
+                <a:spcPts val="1414"/>
+              </a:spcBef>
+              <a:buClr>
+                <a:srgbClr val="000000"/>
+              </a:buClr>
+              <a:buSzPct val="45000"/>
+              <a:buFont typeface="Wingdings" charset="2"/>
+              <a:buChar char=""/>
+            </a:pPr>
+            <a:r>
+              <a:rPr b="0" lang="en-US" sz="3200" spc="-1" strike="noStrike">
+                <a:latin typeface="Arial"/>
+              </a:rPr>
+              <a:t>Everything is on Github at:</a:t>
+            </a:r>
+            <a:endParaRPr b="0" lang="en-US" sz="3200" spc="-1" strike="noStrike">
+              <a:latin typeface="Arial"/>
+            </a:endParaRPr>
+          </a:p>
+          <a:p>
+            <a:pPr marL="432000" indent="-324000">
+              <a:spcBef>
+                <a:spcPts val="1414"/>
+              </a:spcBef>
+              <a:buClr>
+                <a:srgbClr val="000000"/>
+              </a:buClr>
+              <a:buSzPct val="45000"/>
+              <a:buFont typeface="Wingdings" charset="2"/>
+              <a:buChar char=""/>
+            </a:pPr>
+            <a:r>
+              <a:rPr b="0" lang="en-US" sz="3200" spc="-1" strike="noStrike">
+                <a:latin typeface="Arial"/>
+              </a:rPr>
+              <a:t>https://github.com/gdroumpalis/Megaman.git</a:t>
+            </a:r>
+            <a:endParaRPr b="0" lang="en-US" sz="3200" spc="-1" strike="noStrike">
+              <a:latin typeface="Arial"/>
+            </a:endParaRPr>
+          </a:p>
+        </p:txBody>
+      </p:sp>
+    </p:spTree>
+  </p:cSld>
+  <p:timing>
+    <p:tnLst>
+      <p:par>
+        <p:cTn id="21" dur="indefinite" restart="never" nodeType="tmRoot">
+          <p:childTnLst>
+            <p:seq>
+              <p:cTn id="22" dur="indefinite" nodeType="mainSeq"/>
+              <p:prevCondLst>
+                <p:cond delay="0" evt="onPrev">
+                  <p:tgtEl>
+                    <p:sldTgt/>
+                  </p:tgtEl>
+                </p:cond>
+              </p:prevCondLst>
+              <p:nextCondLst>
+                <p:cond delay="0" evt="onNext">
+                  <p:tgtEl>
+                    <p:sldTgt/>
+                  </p:tgtEl>
+                </p:cond>
+              </p:nextCondLst>
+            </p:seq>
+          </p:childTnLst>
+        </p:cTn>
+      </p:par>
+    </p:tnLst>
+  </p:timing>
+</p:sld>
+</file>
+
 <file path=ppt/slides/slide2.xml><?xml version="1.0" encoding="utf-8"?>
 <p:sld xmlns:a="http://schemas.openxmlformats.org/drawingml/2006/main" xmlns:p="http://schemas.openxmlformats.org/presentationml/2006/main" xmlns:r="http://schemas.openxmlformats.org/officeDocument/2006/relationships" xmlns:p14="http://schemas.microsoft.com/office/powerpoint/2010/main" xmlns:p15="http://schemas.microsoft.com/office/powerpoint/2012/main" xmlns:mc="http://schemas.openxmlformats.org/markup-compatibility/2006">
   <p:cSld>
@@ -3866,7 +3984,19 @@
               <a:rPr b="0" lang="en-US" sz="4400" spc="-1" strike="noStrike">
                 <a:latin typeface="Arial"/>
               </a:rPr>
-              <a:t>Electric Circuit Diagram</a:t>
+              <a:t>Electric </a:t>
+            </a:r>
+            <a:r>
+              <a:rPr b="0" lang="en-US" sz="4400" spc="-1" strike="noStrike">
+                <a:latin typeface="Arial"/>
+              </a:rPr>
+              <a:t>Circuit </a:t>
+            </a:r>
+            <a:r>
+              <a:rPr b="0" lang="en-US" sz="4400" spc="-1" strike="noStrike">
+                <a:latin typeface="Arial"/>
+              </a:rPr>
+              <a:t>Diagram</a:t>
             </a:r>
             <a:endParaRPr b="0" lang="en-US" sz="4400" spc="-1" strike="noStrike">
               <a:latin typeface="Arial"/>
